--- a/cceug7 development.pptx
+++ b/cceug7 development.pptx
@@ -7872,13 +7872,6 @@
   <p:clrMapOvr>
     <a:masterClrMapping/>
   </p:clrMapOvr>
-  <p:timing>
-    <p:tnLst>
-      <p:par>
-        <p:cTn id="1" dur="indefinite" restart="never" nodeType="tmRoot"/>
-      </p:par>
-    </p:tnLst>
-  </p:timing>
 </p:sld>
 </file>
 
@@ -7968,13 +7961,6 @@
   <p:clrMapOvr>
     <a:masterClrMapping/>
   </p:clrMapOvr>
-  <p:timing>
-    <p:tnLst>
-      <p:par>
-        <p:cTn id="1" dur="indefinite" restart="never" nodeType="tmRoot"/>
-      </p:par>
-    </p:tnLst>
-  </p:timing>
 </p:sld>
 </file>
 
@@ -8011,12 +7997,12 @@
           <a:graphicData uri="http://schemas.openxmlformats.org/presentationml/2006/ole">
             <mc:AlternateContent xmlns:mc="http://schemas.openxmlformats.org/markup-compatibility/2006">
               <mc:Choice xmlns:v="urn:schemas-microsoft-com:vml" Requires="v">
-                <p:oleObj spid="_x0000_s33810" name="Diagramm" r:id="rId4" imgW="9349920" imgH="5290560" progId="Excel.Sheet.8">
+                <p:oleObj name="Diagramm" r:id="rId3" imgW="9349920" imgH="5290560" progId="Excel.Sheet.8">
                   <p:embed/>
                 </p:oleObj>
               </mc:Choice>
               <mc:Fallback>
-                <p:oleObj name="Diagramm" r:id="rId4" imgW="9349920" imgH="5290560" progId="Excel.Sheet.8">
+                <p:oleObj name="Diagramm" r:id="rId3" imgW="9349920" imgH="5290560" progId="Excel.Sheet.8">
                   <p:embed/>
                   <p:pic>
                     <p:nvPicPr>
@@ -8027,7 +8013,7 @@
                       <p:nvPr/>
                     </p:nvPicPr>
                     <p:blipFill>
-                      <a:blip r:embed="rId5">
+                      <a:blip r:embed="rId4">
                         <a:extLst>
                           <a:ext uri="{28A0092B-C50C-407E-A947-70E740481C1C}">
                             <a14:useLocalDpi xmlns:a14="http://schemas.microsoft.com/office/drawing/2010/main" val="0"/>
@@ -8093,13 +8079,6 @@
   <p:clrMapOvr>
     <a:masterClrMapping/>
   </p:clrMapOvr>
-  <p:timing>
-    <p:tnLst>
-      <p:par>
-        <p:cTn id="1" dur="indefinite" restart="never" nodeType="tmRoot"/>
-      </p:par>
-    </p:tnLst>
-  </p:timing>
 </p:sld>
 </file>
 
@@ -8160,13 +8139,6 @@
   <p:clrMapOvr>
     <a:masterClrMapping/>
   </p:clrMapOvr>
-  <p:timing>
-    <p:tnLst>
-      <p:par>
-        <p:cTn id="1" dur="indefinite" restart="never" nodeType="tmRoot"/>
-      </p:par>
-    </p:tnLst>
-  </p:timing>
 </p:sld>
 </file>
 
@@ -8302,13 +8274,6 @@
   <p:clrMapOvr>
     <a:masterClrMapping/>
   </p:clrMapOvr>
-  <p:timing>
-    <p:tnLst>
-      <p:par>
-        <p:cTn id="1" dur="indefinite" restart="never" nodeType="tmRoot"/>
-      </p:par>
-    </p:tnLst>
-  </p:timing>
 </p:sld>
 </file>
 
@@ -8450,13 +8415,6 @@
   <p:clrMapOvr>
     <a:masterClrMapping/>
   </p:clrMapOvr>
-  <p:timing>
-    <p:tnLst>
-      <p:par>
-        <p:cTn id="1" dur="indefinite" restart="never" nodeType="tmRoot"/>
-      </p:par>
-    </p:tnLst>
-  </p:timing>
 </p:sld>
 </file>
 
@@ -8482,7 +8440,7 @@
           <p:cNvPr id="3" name="Picture 2">
             <a:extLst>
               <a:ext uri="{FF2B5EF4-FFF2-40B4-BE49-F238E27FC236}">
-                <a16:creationId xmlns:a16="http://schemas.microsoft.com/office/drawing/2014/main" xmlns="" id="{003B08FB-33BA-48F0-A0DE-88C9F946F83D}"/>
+                <a16:creationId xmlns:a16="http://schemas.microsoft.com/office/drawing/2014/main" id="{003B08FB-33BA-48F0-A0DE-88C9F946F83D}"/>
               </a:ext>
             </a:extLst>
           </p:cNvPr>
@@ -8518,13 +8476,6 @@
   <p:clrMapOvr>
     <a:masterClrMapping/>
   </p:clrMapOvr>
-  <p:timing>
-    <p:tnLst>
-      <p:par>
-        <p:cTn id="1" dur="indefinite" restart="never" nodeType="tmRoot"/>
-      </p:par>
-    </p:tnLst>
-  </p:timing>
 </p:sld>
 </file>
 
@@ -8656,13 +8607,6 @@
   <p:clrMapOvr>
     <a:masterClrMapping/>
   </p:clrMapOvr>
-  <p:timing>
-    <p:tnLst>
-      <p:par>
-        <p:cTn id="1" dur="indefinite" restart="never" nodeType="tmRoot"/>
-      </p:par>
-    </p:tnLst>
-  </p:timing>
 </p:sld>
 </file>
 
@@ -8807,13 +8751,6 @@
   <p:clrMapOvr>
     <a:masterClrMapping/>
   </p:clrMapOvr>
-  <p:timing>
-    <p:tnLst>
-      <p:par>
-        <p:cTn id="1" dur="indefinite" restart="never" nodeType="tmRoot"/>
-      </p:par>
-    </p:tnLst>
-  </p:timing>
 </p:sld>
 </file>
 
@@ -9998,13 +9935,6 @@
       <p:transition spd="slow" advTm="6530"/>
     </mc:Fallback>
   </mc:AlternateContent>
-  <p:timing>
-    <p:tnLst>
-      <p:par>
-        <p:cTn id="1" dur="indefinite" restart="never" nodeType="tmRoot"/>
-      </p:par>
-    </p:tnLst>
-  </p:timing>
 </p:sld>
 </file>
 
@@ -10062,13 +9992,6 @@
   <p:clrMapOvr>
     <a:masterClrMapping/>
   </p:clrMapOvr>
-  <p:timing>
-    <p:tnLst>
-      <p:par>
-        <p:cTn id="1" dur="indefinite" restart="never" nodeType="tmRoot"/>
-      </p:par>
-    </p:tnLst>
-  </p:timing>
 </p:sld>
 </file>
 
@@ -10126,13 +10049,6 @@
   <p:clrMapOvr>
     <a:masterClrMapping/>
   </p:clrMapOvr>
-  <p:timing>
-    <p:tnLst>
-      <p:par>
-        <p:cTn id="1" dur="indefinite" restart="never" nodeType="tmRoot"/>
-      </p:par>
-    </p:tnLst>
-  </p:timing>
 </p:sld>
 </file>
 
@@ -10190,13 +10106,6 @@
   <p:clrMapOvr>
     <a:masterClrMapping/>
   </p:clrMapOvr>
-  <p:timing>
-    <p:tnLst>
-      <p:par>
-        <p:cTn id="1" dur="indefinite" restart="never" nodeType="tmRoot"/>
-      </p:par>
-    </p:tnLst>
-  </p:timing>
 </p:sld>
 </file>
 
@@ -10254,13 +10163,6 @@
   <p:clrMapOvr>
     <a:masterClrMapping/>
   </p:clrMapOvr>
-  <p:timing>
-    <p:tnLst>
-      <p:par>
-        <p:cTn id="1" dur="indefinite" restart="never" nodeType="tmRoot"/>
-      </p:par>
-    </p:tnLst>
-  </p:timing>
 </p:sld>
 </file>
 
@@ -10329,7 +10231,7 @@
           <p:cNvPr id="3" name="Picture 2">
             <a:extLst>
               <a:ext uri="{FF2B5EF4-FFF2-40B4-BE49-F238E27FC236}">
-                <a16:creationId xmlns:a16="http://schemas.microsoft.com/office/drawing/2014/main" xmlns="" id="{2FD0C8F4-A507-445E-9821-858136A1599F}"/>
+                <a16:creationId xmlns:a16="http://schemas.microsoft.com/office/drawing/2014/main" id="{2FD0C8F4-A507-445E-9821-858136A1599F}"/>
               </a:ext>
             </a:extLst>
           </p:cNvPr>
@@ -10359,7 +10261,7 @@
           <p:cNvPr id="5" name="Picture 4">
             <a:extLst>
               <a:ext uri="{FF2B5EF4-FFF2-40B4-BE49-F238E27FC236}">
-                <a16:creationId xmlns:a16="http://schemas.microsoft.com/office/drawing/2014/main" xmlns="" id="{6B4D8733-5363-48B4-9433-1124C5C444F7}"/>
+                <a16:creationId xmlns:a16="http://schemas.microsoft.com/office/drawing/2014/main" id="{6B4D8733-5363-48B4-9433-1124C5C444F7}"/>
               </a:ext>
             </a:extLst>
           </p:cNvPr>
@@ -10400,13 +10302,6 @@
   <p:clrMapOvr>
     <a:masterClrMapping/>
   </p:clrMapOvr>
-  <p:timing>
-    <p:tnLst>
-      <p:par>
-        <p:cTn id="1" dur="indefinite" restart="never" nodeType="tmRoot"/>
-      </p:par>
-    </p:tnLst>
-  </p:timing>
 </p:sld>
 </file>
 
@@ -10496,7 +10391,7 @@
           <p:cNvPr id="4" name="Picture 3">
             <a:extLst>
               <a:ext uri="{FF2B5EF4-FFF2-40B4-BE49-F238E27FC236}">
-                <a16:creationId xmlns:a16="http://schemas.microsoft.com/office/drawing/2014/main" xmlns="" id="{524CA5FB-138C-4901-AC8E-634E5877EB7F}"/>
+                <a16:creationId xmlns:a16="http://schemas.microsoft.com/office/drawing/2014/main" id="{524CA5FB-138C-4901-AC8E-634E5877EB7F}"/>
               </a:ext>
             </a:extLst>
           </p:cNvPr>
@@ -10526,7 +10421,7 @@
           <p:cNvPr id="5" name="Picture 4">
             <a:extLst>
               <a:ext uri="{FF2B5EF4-FFF2-40B4-BE49-F238E27FC236}">
-                <a16:creationId xmlns:a16="http://schemas.microsoft.com/office/drawing/2014/main" xmlns="" id="{8BA63D1D-E9E1-45E9-847D-AA99E7709A64}"/>
+                <a16:creationId xmlns:a16="http://schemas.microsoft.com/office/drawing/2014/main" id="{8BA63D1D-E9E1-45E9-847D-AA99E7709A64}"/>
               </a:ext>
             </a:extLst>
           </p:cNvPr>
@@ -10556,7 +10451,7 @@
           <p:cNvPr id="6" name="Picture 5">
             <a:extLst>
               <a:ext uri="{FF2B5EF4-FFF2-40B4-BE49-F238E27FC236}">
-                <a16:creationId xmlns:a16="http://schemas.microsoft.com/office/drawing/2014/main" xmlns="" id="{1A80A57A-5ABD-42D7-914D-13D7A0EF4336}"/>
+                <a16:creationId xmlns:a16="http://schemas.microsoft.com/office/drawing/2014/main" id="{1A80A57A-5ABD-42D7-914D-13D7A0EF4336}"/>
               </a:ext>
             </a:extLst>
           </p:cNvPr>
@@ -10597,13 +10492,6 @@
   <p:clrMapOvr>
     <a:masterClrMapping/>
   </p:clrMapOvr>
-  <p:timing>
-    <p:tnLst>
-      <p:par>
-        <p:cTn id="1" dur="indefinite" restart="never" nodeType="tmRoot"/>
-      </p:par>
-    </p:tnLst>
-  </p:timing>
 </p:sld>
 </file>
 
@@ -10708,13 +10596,6 @@
   <p:clrMapOvr>
     <a:masterClrMapping/>
   </p:clrMapOvr>
-  <p:timing>
-    <p:tnLst>
-      <p:par>
-        <p:cTn id="1" dur="indefinite" restart="never" nodeType="tmRoot"/>
-      </p:par>
-    </p:tnLst>
-  </p:timing>
 </p:sld>
 </file>
 
@@ -10762,12 +10643,6 @@
               </a:rPr>
               <a:t>Cool countries tend to be rich, hot countries poor - 2000</a:t>
             </a:r>
-            <a:r>
-              <a:rPr lang="en-GB" sz="3600" dirty="0">
-                <a:latin typeface="Candara" panose="020E0502030303020204" pitchFamily="34" charset="0"/>
-              </a:rPr>
-              <a:t/>
-            </a:r>
             <a:br>
               <a:rPr lang="en-GB" sz="3600" dirty="0">
                 <a:latin typeface="Candara" panose="020E0502030303020204" pitchFamily="34" charset="0"/>
@@ -10784,7 +10659,7 @@
           <p:cNvPr id="3" name="Picture 2">
             <a:extLst>
               <a:ext uri="{FF2B5EF4-FFF2-40B4-BE49-F238E27FC236}">
-                <a16:creationId xmlns:a16="http://schemas.microsoft.com/office/drawing/2014/main" xmlns="" id="{97BE0587-11D8-465B-BF9F-EADEDE676567}"/>
+                <a16:creationId xmlns:a16="http://schemas.microsoft.com/office/drawing/2014/main" id="{97BE0587-11D8-465B-BF9F-EADEDE676567}"/>
               </a:ext>
             </a:extLst>
           </p:cNvPr>
@@ -10825,13 +10700,6 @@
   <p:clrMapOvr>
     <a:masterClrMapping/>
   </p:clrMapOvr>
-  <p:timing>
-    <p:tnLst>
-      <p:par>
-        <p:cTn id="1" dur="indefinite" restart="never" nodeType="tmRoot"/>
-      </p:par>
-    </p:tnLst>
-  </p:timing>
 </p:sld>
 </file>
 
@@ -10879,12 +10747,6 @@
               </a:rPr>
               <a:t>Cool countries tend to be rich, hot countries poor - 1950</a:t>
             </a:r>
-            <a:r>
-              <a:rPr lang="en-GB" sz="3600" dirty="0">
-                <a:latin typeface="Candara" panose="020E0502030303020204" pitchFamily="34" charset="0"/>
-              </a:rPr>
-              <a:t/>
-            </a:r>
             <a:br>
               <a:rPr lang="en-GB" sz="3600" dirty="0">
                 <a:latin typeface="Candara" panose="020E0502030303020204" pitchFamily="34" charset="0"/>
@@ -10901,7 +10763,7 @@
           <p:cNvPr id="4" name="Picture 3">
             <a:extLst>
               <a:ext uri="{FF2B5EF4-FFF2-40B4-BE49-F238E27FC236}">
-                <a16:creationId xmlns:a16="http://schemas.microsoft.com/office/drawing/2014/main" xmlns="" id="{359BC42C-178D-482E-BC00-7B7357BC5F81}"/>
+                <a16:creationId xmlns:a16="http://schemas.microsoft.com/office/drawing/2014/main" id="{359BC42C-178D-482E-BC00-7B7357BC5F81}"/>
               </a:ext>
             </a:extLst>
           </p:cNvPr>
@@ -10942,13 +10804,6 @@
   <p:clrMapOvr>
     <a:masterClrMapping/>
   </p:clrMapOvr>
-  <p:timing>
-    <p:tnLst>
-      <p:par>
-        <p:cTn id="1" dur="indefinite" restart="never" nodeType="tmRoot"/>
-      </p:par>
-    </p:tnLst>
-  </p:timing>
 </p:sld>
 </file>
 
@@ -10996,12 +10851,6 @@
               </a:rPr>
               <a:t>Cool countries tend to be rich, hot countries poor - 1913</a:t>
             </a:r>
-            <a:r>
-              <a:rPr lang="en-GB" sz="3600" dirty="0">
-                <a:latin typeface="Candara" panose="020E0502030303020204" pitchFamily="34" charset="0"/>
-              </a:rPr>
-              <a:t/>
-            </a:r>
             <a:br>
               <a:rPr lang="en-GB" sz="3600" dirty="0">
                 <a:latin typeface="Candara" panose="020E0502030303020204" pitchFamily="34" charset="0"/>
@@ -11018,7 +10867,7 @@
           <p:cNvPr id="3" name="Picture 2">
             <a:extLst>
               <a:ext uri="{FF2B5EF4-FFF2-40B4-BE49-F238E27FC236}">
-                <a16:creationId xmlns:a16="http://schemas.microsoft.com/office/drawing/2014/main" xmlns="" id="{70612DAF-5611-444F-B4F5-5C44659244DF}"/>
+                <a16:creationId xmlns:a16="http://schemas.microsoft.com/office/drawing/2014/main" id="{70612DAF-5611-444F-B4F5-5C44659244DF}"/>
               </a:ext>
             </a:extLst>
           </p:cNvPr>
@@ -11059,13 +10908,6 @@
   <p:clrMapOvr>
     <a:masterClrMapping/>
   </p:clrMapOvr>
-  <p:timing>
-    <p:tnLst>
-      <p:par>
-        <p:cTn id="1" dur="indefinite" restart="never" nodeType="tmRoot"/>
-      </p:par>
-    </p:tnLst>
-  </p:timing>
 </p:sld>
 </file>
 
@@ -11115,13 +10957,6 @@
   <p:clrMapOvr>
     <a:masterClrMapping/>
   </p:clrMapOvr>
-  <p:timing>
-    <p:tnLst>
-      <p:par>
-        <p:cTn id="1" dur="indefinite" restart="never" nodeType="tmRoot"/>
-      </p:par>
-    </p:tnLst>
-  </p:timing>
 </p:sld>
 </file>
 
@@ -11169,12 +11004,6 @@
               </a:rPr>
               <a:t>Cool countries tend to be rich, hot countries poor - 1900</a:t>
             </a:r>
-            <a:r>
-              <a:rPr lang="en-GB" sz="3600" dirty="0">
-                <a:latin typeface="Candara" panose="020E0502030303020204" pitchFamily="34" charset="0"/>
-              </a:rPr>
-              <a:t/>
-            </a:r>
             <a:br>
               <a:rPr lang="en-GB" sz="3600" dirty="0">
                 <a:latin typeface="Candara" panose="020E0502030303020204" pitchFamily="34" charset="0"/>
@@ -11191,7 +11020,7 @@
           <p:cNvPr id="4" name="Picture 3">
             <a:extLst>
               <a:ext uri="{FF2B5EF4-FFF2-40B4-BE49-F238E27FC236}">
-                <a16:creationId xmlns:a16="http://schemas.microsoft.com/office/drawing/2014/main" xmlns="" id="{006E4506-3C6A-4E67-A472-3F3DD0940646}"/>
+                <a16:creationId xmlns:a16="http://schemas.microsoft.com/office/drawing/2014/main" id="{006E4506-3C6A-4E67-A472-3F3DD0940646}"/>
               </a:ext>
             </a:extLst>
           </p:cNvPr>
@@ -11232,13 +11061,6 @@
   <p:clrMapOvr>
     <a:masterClrMapping/>
   </p:clrMapOvr>
-  <p:timing>
-    <p:tnLst>
-      <p:par>
-        <p:cTn id="1" dur="indefinite" restart="never" nodeType="tmRoot"/>
-      </p:par>
-    </p:tnLst>
-  </p:timing>
 </p:sld>
 </file>
 
@@ -11286,12 +11108,6 @@
               </a:rPr>
               <a:t>Cool countries tend to be rich, hot countries poor - 1870</a:t>
             </a:r>
-            <a:r>
-              <a:rPr lang="en-GB" sz="3600" dirty="0">
-                <a:latin typeface="Candara" panose="020E0502030303020204" pitchFamily="34" charset="0"/>
-              </a:rPr>
-              <a:t/>
-            </a:r>
             <a:br>
               <a:rPr lang="en-GB" sz="3600" dirty="0">
                 <a:latin typeface="Candara" panose="020E0502030303020204" pitchFamily="34" charset="0"/>
@@ -11308,7 +11124,7 @@
           <p:cNvPr id="3" name="Picture 2">
             <a:extLst>
               <a:ext uri="{FF2B5EF4-FFF2-40B4-BE49-F238E27FC236}">
-                <a16:creationId xmlns:a16="http://schemas.microsoft.com/office/drawing/2014/main" xmlns="" id="{04ABF806-A3D2-48DD-AD6D-E949794A50BA}"/>
+                <a16:creationId xmlns:a16="http://schemas.microsoft.com/office/drawing/2014/main" id="{04ABF806-A3D2-48DD-AD6D-E949794A50BA}"/>
               </a:ext>
             </a:extLst>
           </p:cNvPr>
@@ -11349,13 +11165,6 @@
   <p:clrMapOvr>
     <a:masterClrMapping/>
   </p:clrMapOvr>
-  <p:timing>
-    <p:tnLst>
-      <p:par>
-        <p:cTn id="1" dur="indefinite" restart="never" nodeType="tmRoot"/>
-      </p:par>
-    </p:tnLst>
-  </p:timing>
 </p:sld>
 </file>
 
@@ -11403,12 +11212,6 @@
               </a:rPr>
               <a:t>Cool countries tend to be rich, hot countries poor - 1820</a:t>
             </a:r>
-            <a:r>
-              <a:rPr lang="en-GB" sz="3600" dirty="0">
-                <a:latin typeface="Candara" panose="020E0502030303020204" pitchFamily="34" charset="0"/>
-              </a:rPr>
-              <a:t/>
-            </a:r>
             <a:br>
               <a:rPr lang="en-GB" sz="3600" dirty="0">
                 <a:latin typeface="Candara" panose="020E0502030303020204" pitchFamily="34" charset="0"/>
@@ -11425,7 +11228,7 @@
           <p:cNvPr id="6" name="Picture 5">
             <a:extLst>
               <a:ext uri="{FF2B5EF4-FFF2-40B4-BE49-F238E27FC236}">
-                <a16:creationId xmlns:a16="http://schemas.microsoft.com/office/drawing/2014/main" xmlns="" id="{F119B9A6-464B-401E-B53B-772844A7C402}"/>
+                <a16:creationId xmlns:a16="http://schemas.microsoft.com/office/drawing/2014/main" id="{F119B9A6-464B-401E-B53B-772844A7C402}"/>
               </a:ext>
             </a:extLst>
           </p:cNvPr>
@@ -11466,13 +11269,6 @@
   <p:clrMapOvr>
     <a:masterClrMapping/>
   </p:clrMapOvr>
-  <p:timing>
-    <p:tnLst>
-      <p:par>
-        <p:cTn id="1" dur="indefinite" restart="never" nodeType="tmRoot"/>
-      </p:par>
-    </p:tnLst>
-  </p:timing>
 </p:sld>
 </file>
 
@@ -11520,12 +11316,6 @@
               </a:rPr>
               <a:t>Cool countries tend to be rich, hot countries poor - 1800</a:t>
             </a:r>
-            <a:r>
-              <a:rPr lang="en-GB" sz="3600" dirty="0">
-                <a:latin typeface="Candara" panose="020E0502030303020204" pitchFamily="34" charset="0"/>
-              </a:rPr>
-              <a:t/>
-            </a:r>
             <a:br>
               <a:rPr lang="en-GB" sz="3600" dirty="0">
                 <a:latin typeface="Candara" panose="020E0502030303020204" pitchFamily="34" charset="0"/>
@@ -11542,7 +11332,7 @@
           <p:cNvPr id="3" name="Picture 2">
             <a:extLst>
               <a:ext uri="{FF2B5EF4-FFF2-40B4-BE49-F238E27FC236}">
-                <a16:creationId xmlns:a16="http://schemas.microsoft.com/office/drawing/2014/main" xmlns="" id="{69BAB2A1-4C40-4B52-A640-6F9616C37BB1}"/>
+                <a16:creationId xmlns:a16="http://schemas.microsoft.com/office/drawing/2014/main" id="{69BAB2A1-4C40-4B52-A640-6F9616C37BB1}"/>
               </a:ext>
             </a:extLst>
           </p:cNvPr>
@@ -11583,13 +11373,6 @@
   <p:clrMapOvr>
     <a:masterClrMapping/>
   </p:clrMapOvr>
-  <p:timing>
-    <p:tnLst>
-      <p:par>
-        <p:cTn id="1" dur="indefinite" restart="never" nodeType="tmRoot"/>
-      </p:par>
-    </p:tnLst>
-  </p:timing>
 </p:sld>
 </file>
 
@@ -11637,12 +11420,6 @@
               </a:rPr>
               <a:t>Cool countries tend to be poor, hot countries rich - 1750</a:t>
             </a:r>
-            <a:r>
-              <a:rPr lang="en-GB" sz="3600" dirty="0">
-                <a:latin typeface="Candara" panose="020E0502030303020204" pitchFamily="34" charset="0"/>
-              </a:rPr>
-              <a:t/>
-            </a:r>
             <a:br>
               <a:rPr lang="en-GB" sz="3600" dirty="0">
                 <a:latin typeface="Candara" panose="020E0502030303020204" pitchFamily="34" charset="0"/>
@@ -11659,7 +11436,7 @@
           <p:cNvPr id="4" name="Picture 3">
             <a:extLst>
               <a:ext uri="{FF2B5EF4-FFF2-40B4-BE49-F238E27FC236}">
-                <a16:creationId xmlns:a16="http://schemas.microsoft.com/office/drawing/2014/main" xmlns="" id="{6BFBF553-9284-4281-B85B-D2C5425994EB}"/>
+                <a16:creationId xmlns:a16="http://schemas.microsoft.com/office/drawing/2014/main" id="{6BFBF553-9284-4281-B85B-D2C5425994EB}"/>
               </a:ext>
             </a:extLst>
           </p:cNvPr>
@@ -11700,13 +11477,6 @@
   <p:clrMapOvr>
     <a:masterClrMapping/>
   </p:clrMapOvr>
-  <p:timing>
-    <p:tnLst>
-      <p:par>
-        <p:cTn id="1" dur="indefinite" restart="never" nodeType="tmRoot"/>
-      </p:par>
-    </p:tnLst>
-  </p:timing>
 </p:sld>
 </file>
 
@@ -11754,12 +11524,6 @@
               </a:rPr>
               <a:t>Cool countries tend to be poor, hot countries rich - 1700</a:t>
             </a:r>
-            <a:r>
-              <a:rPr lang="en-GB" sz="3600" dirty="0">
-                <a:latin typeface="Candara" panose="020E0502030303020204" pitchFamily="34" charset="0"/>
-              </a:rPr>
-              <a:t/>
-            </a:r>
             <a:br>
               <a:rPr lang="en-GB" sz="3600" dirty="0">
                 <a:latin typeface="Candara" panose="020E0502030303020204" pitchFamily="34" charset="0"/>
@@ -11776,7 +11540,7 @@
           <p:cNvPr id="3" name="Picture 2">
             <a:extLst>
               <a:ext uri="{FF2B5EF4-FFF2-40B4-BE49-F238E27FC236}">
-                <a16:creationId xmlns:a16="http://schemas.microsoft.com/office/drawing/2014/main" xmlns="" id="{D748682A-5B18-4F7E-A197-3A5C17B7A6DB}"/>
+                <a16:creationId xmlns:a16="http://schemas.microsoft.com/office/drawing/2014/main" id="{D748682A-5B18-4F7E-A197-3A5C17B7A6DB}"/>
               </a:ext>
             </a:extLst>
           </p:cNvPr>
@@ -11817,13 +11581,6 @@
   <p:clrMapOvr>
     <a:masterClrMapping/>
   </p:clrMapOvr>
-  <p:timing>
-    <p:tnLst>
-      <p:par>
-        <p:cTn id="1" dur="indefinite" restart="never" nodeType="tmRoot"/>
-      </p:par>
-    </p:tnLst>
-  </p:timing>
 </p:sld>
 </file>
 
@@ -11871,12 +11628,6 @@
               </a:rPr>
               <a:t>Cool countries tend to be poor, hot countries rich - 1650</a:t>
             </a:r>
-            <a:r>
-              <a:rPr lang="en-GB" sz="3600" dirty="0">
-                <a:latin typeface="Candara" panose="020E0502030303020204" pitchFamily="34" charset="0"/>
-              </a:rPr>
-              <a:t/>
-            </a:r>
             <a:br>
               <a:rPr lang="en-GB" sz="3600" dirty="0">
                 <a:latin typeface="Candara" panose="020E0502030303020204" pitchFamily="34" charset="0"/>
@@ -11893,7 +11644,7 @@
           <p:cNvPr id="4" name="Picture 3">
             <a:extLst>
               <a:ext uri="{FF2B5EF4-FFF2-40B4-BE49-F238E27FC236}">
-                <a16:creationId xmlns:a16="http://schemas.microsoft.com/office/drawing/2014/main" xmlns="" id="{4A5D01B8-F0C0-4A40-AC7B-4B73E41A4C4F}"/>
+                <a16:creationId xmlns:a16="http://schemas.microsoft.com/office/drawing/2014/main" id="{4A5D01B8-F0C0-4A40-AC7B-4B73E41A4C4F}"/>
               </a:ext>
             </a:extLst>
           </p:cNvPr>
@@ -11934,13 +11685,6 @@
   <p:clrMapOvr>
     <a:masterClrMapping/>
   </p:clrMapOvr>
-  <p:timing>
-    <p:tnLst>
-      <p:par>
-        <p:cTn id="1" dur="indefinite" restart="never" nodeType="tmRoot"/>
-      </p:par>
-    </p:tnLst>
-  </p:timing>
 </p:sld>
 </file>
 
@@ -11988,12 +11732,6 @@
               </a:rPr>
               <a:t>Cool countries tend to be poor, hot countries rich - 1600</a:t>
             </a:r>
-            <a:r>
-              <a:rPr lang="en-GB" sz="3600" dirty="0">
-                <a:latin typeface="Candara" panose="020E0502030303020204" pitchFamily="34" charset="0"/>
-              </a:rPr>
-              <a:t/>
-            </a:r>
             <a:br>
               <a:rPr lang="en-GB" sz="3600" dirty="0">
                 <a:latin typeface="Candara" panose="020E0502030303020204" pitchFamily="34" charset="0"/>
@@ -12010,7 +11748,7 @@
           <p:cNvPr id="3" name="Picture 2">
             <a:extLst>
               <a:ext uri="{FF2B5EF4-FFF2-40B4-BE49-F238E27FC236}">
-                <a16:creationId xmlns:a16="http://schemas.microsoft.com/office/drawing/2014/main" xmlns="" id="{DFA9A916-B581-428E-9982-F2E489C40A36}"/>
+                <a16:creationId xmlns:a16="http://schemas.microsoft.com/office/drawing/2014/main" id="{DFA9A916-B581-428E-9982-F2E489C40A36}"/>
               </a:ext>
             </a:extLst>
           </p:cNvPr>
@@ -12051,13 +11789,6 @@
   <p:clrMapOvr>
     <a:masterClrMapping/>
   </p:clrMapOvr>
-  <p:timing>
-    <p:tnLst>
-      <p:par>
-        <p:cTn id="1" dur="indefinite" restart="never" nodeType="tmRoot"/>
-      </p:par>
-    </p:tnLst>
-  </p:timing>
 </p:sld>
 </file>
 
@@ -12105,12 +11836,6 @@
               </a:rPr>
               <a:t>Cool countries tend to be poor, hot countries rich - 0</a:t>
             </a:r>
-            <a:r>
-              <a:rPr lang="en-GB" sz="3600" dirty="0">
-                <a:latin typeface="Candara" panose="020E0502030303020204" pitchFamily="34" charset="0"/>
-              </a:rPr>
-              <a:t/>
-            </a:r>
             <a:br>
               <a:rPr lang="en-GB" sz="3600" dirty="0">
                 <a:latin typeface="Candara" panose="020E0502030303020204" pitchFamily="34" charset="0"/>
@@ -12127,7 +11852,7 @@
           <p:cNvPr id="6" name="Picture 5">
             <a:extLst>
               <a:ext uri="{FF2B5EF4-FFF2-40B4-BE49-F238E27FC236}">
-                <a16:creationId xmlns:a16="http://schemas.microsoft.com/office/drawing/2014/main" xmlns="" id="{31280DAA-6A3E-40E9-87C0-B6763A8C3140}"/>
+                <a16:creationId xmlns:a16="http://schemas.microsoft.com/office/drawing/2014/main" id="{31280DAA-6A3E-40E9-87C0-B6763A8C3140}"/>
               </a:ext>
             </a:extLst>
           </p:cNvPr>
@@ -12168,13 +11893,6 @@
   <p:clrMapOvr>
     <a:masterClrMapping/>
   </p:clrMapOvr>
-  <p:timing>
-    <p:tnLst>
-      <p:par>
-        <p:cTn id="1" dur="indefinite" restart="never" nodeType="tmRoot"/>
-      </p:par>
-    </p:tnLst>
-  </p:timing>
 </p:sld>
 </file>
 
@@ -12282,13 +12000,6 @@
   <p:clrMapOvr>
     <a:masterClrMapping/>
   </p:clrMapOvr>
-  <p:timing>
-    <p:tnLst>
-      <p:par>
-        <p:cTn id="1" dur="indefinite" restart="never" nodeType="tmRoot"/>
-      </p:par>
-    </p:tnLst>
-  </p:timing>
 </p:sld>
 </file>
 
@@ -12408,13 +12119,6 @@
   <p:clrMapOvr>
     <a:masterClrMapping/>
   </p:clrMapOvr>
-  <p:timing>
-    <p:tnLst>
-      <p:par>
-        <p:cTn id="1" dur="indefinite" restart="never" nodeType="tmRoot"/>
-      </p:par>
-    </p:tnLst>
-  </p:timing>
 </p:sld>
 </file>
 
@@ -12540,7 +12244,7 @@
           <p:cNvPr id="5" name="Picture 4">
             <a:extLst>
               <a:ext uri="{FF2B5EF4-FFF2-40B4-BE49-F238E27FC236}">
-                <a16:creationId xmlns:a16="http://schemas.microsoft.com/office/drawing/2014/main" xmlns="" id="{33C7A8CF-CDF3-4B68-BB34-69D9C6FD38DF}"/>
+                <a16:creationId xmlns:a16="http://schemas.microsoft.com/office/drawing/2014/main" id="{33C7A8CF-CDF3-4B68-BB34-69D9C6FD38DF}"/>
               </a:ext>
             </a:extLst>
           </p:cNvPr>
@@ -12581,13 +12285,6 @@
   <p:clrMapOvr>
     <a:masterClrMapping/>
   </p:clrMapOvr>
-  <p:timing>
-    <p:tnLst>
-      <p:par>
-        <p:cTn id="1" dur="indefinite" restart="never" nodeType="tmRoot"/>
-      </p:par>
-    </p:tnLst>
-  </p:timing>
 </p:sld>
 </file>
 
@@ -12656,7 +12353,7 @@
           <p:cNvPr id="5" name="Picture 4">
             <a:extLst>
               <a:ext uri="{FF2B5EF4-FFF2-40B4-BE49-F238E27FC236}">
-                <a16:creationId xmlns:a16="http://schemas.microsoft.com/office/drawing/2014/main" xmlns="" id="{ECDDFC96-2FED-4255-8A8A-32071272481B}"/>
+                <a16:creationId xmlns:a16="http://schemas.microsoft.com/office/drawing/2014/main" id="{ECDDFC96-2FED-4255-8A8A-32071272481B}"/>
               </a:ext>
             </a:extLst>
           </p:cNvPr>
@@ -12691,13 +12388,6 @@
   <p:clrMapOvr>
     <a:masterClrMapping/>
   </p:clrMapOvr>
-  <p:timing>
-    <p:tnLst>
-      <p:par>
-        <p:cTn id="1" dur="indefinite" restart="never" nodeType="tmRoot"/>
-      </p:par>
-    </p:tnLst>
-  </p:timing>
 </p:sld>
 </file>
 
@@ -12836,7 +12526,7 @@
           <p:cNvPr id="3" name="Picture 2">
             <a:extLst>
               <a:ext uri="{FF2B5EF4-FFF2-40B4-BE49-F238E27FC236}">
-                <a16:creationId xmlns:a16="http://schemas.microsoft.com/office/drawing/2014/main" xmlns="" id="{CFBC5111-7E33-4EBD-BF4B-6E8403ED30F6}"/>
+                <a16:creationId xmlns:a16="http://schemas.microsoft.com/office/drawing/2014/main" id="{CFBC5111-7E33-4EBD-BF4B-6E8403ED30F6}"/>
               </a:ext>
             </a:extLst>
           </p:cNvPr>
@@ -12877,13 +12567,6 @@
   <p:clrMapOvr>
     <a:masterClrMapping/>
   </p:clrMapOvr>
-  <p:timing>
-    <p:tnLst>
-      <p:par>
-        <p:cTn id="1" dur="indefinite" restart="never" nodeType="tmRoot"/>
-      </p:par>
-    </p:tnLst>
-  </p:timing>
 </p:sld>
 </file>
 
@@ -12909,7 +12592,7 @@
           <p:cNvPr id="2" name="Picture 1">
             <a:extLst>
               <a:ext uri="{FF2B5EF4-FFF2-40B4-BE49-F238E27FC236}">
-                <a16:creationId xmlns:a16="http://schemas.microsoft.com/office/drawing/2014/main" xmlns="" id="{920C4AA1-27DE-4CD1-BC18-26597C04BB0C}"/>
+                <a16:creationId xmlns:a16="http://schemas.microsoft.com/office/drawing/2014/main" id="{920C4AA1-27DE-4CD1-BC18-26597C04BB0C}"/>
               </a:ext>
             </a:extLst>
           </p:cNvPr>
@@ -12939,7 +12622,7 @@
           <p:cNvPr id="4" name="TextBox 3">
             <a:extLst>
               <a:ext uri="{FF2B5EF4-FFF2-40B4-BE49-F238E27FC236}">
-                <a16:creationId xmlns:a16="http://schemas.microsoft.com/office/drawing/2014/main" xmlns="" id="{7E3F93CF-436B-49C4-B5A5-1B000075CC2A}"/>
+                <a16:creationId xmlns:a16="http://schemas.microsoft.com/office/drawing/2014/main" id="{7E3F93CF-436B-49C4-B5A5-1B000075CC2A}"/>
               </a:ext>
             </a:extLst>
           </p:cNvPr>
@@ -12981,13 +12664,6 @@
   <p:clrMapOvr>
     <a:masterClrMapping/>
   </p:clrMapOvr>
-  <p:timing>
-    <p:tnLst>
-      <p:par>
-        <p:cTn id="1" dur="indefinite" restart="never" nodeType="tmRoot"/>
-      </p:par>
-    </p:tnLst>
-  </p:timing>
 </p:sld>
 </file>
 
@@ -13145,7 +12821,7 @@
           <p:cNvPr id="3" name="Picture 2">
             <a:extLst>
               <a:ext uri="{FF2B5EF4-FFF2-40B4-BE49-F238E27FC236}">
-                <a16:creationId xmlns:a16="http://schemas.microsoft.com/office/drawing/2014/main" xmlns="" id="{84C91638-0968-40FC-AFD8-788813D7A2C5}"/>
+                <a16:creationId xmlns:a16="http://schemas.microsoft.com/office/drawing/2014/main" id="{84C91638-0968-40FC-AFD8-788813D7A2C5}"/>
               </a:ext>
             </a:extLst>
           </p:cNvPr>
@@ -13186,13 +12862,6 @@
   <p:clrMapOvr>
     <a:masterClrMapping/>
   </p:clrMapOvr>
-  <p:timing>
-    <p:tnLst>
-      <p:par>
-        <p:cTn id="1" dur="indefinite" restart="never" nodeType="tmRoot"/>
-      </p:par>
-    </p:tnLst>
-  </p:timing>
 </p:sld>
 </file>
 
@@ -13255,7 +12924,7 @@
           <p:cNvPr id="4" name="Picture 3">
             <a:extLst>
               <a:ext uri="{FF2B5EF4-FFF2-40B4-BE49-F238E27FC236}">
-                <a16:creationId xmlns:a16="http://schemas.microsoft.com/office/drawing/2014/main" xmlns="" id="{DE867AA1-0CF8-4A4E-AE9E-E044A8831C83}"/>
+                <a16:creationId xmlns:a16="http://schemas.microsoft.com/office/drawing/2014/main" id="{DE867AA1-0CF8-4A4E-AE9E-E044A8831C83}"/>
               </a:ext>
             </a:extLst>
           </p:cNvPr>
@@ -13290,13 +12959,6 @@
   <p:clrMapOvr>
     <a:masterClrMapping/>
   </p:clrMapOvr>
-  <p:timing>
-    <p:tnLst>
-      <p:par>
-        <p:cTn id="1" dur="indefinite" restart="never" nodeType="tmRoot"/>
-      </p:par>
-    </p:tnLst>
-  </p:timing>
 </p:sld>
 </file>
 
@@ -13491,19 +13153,7 @@
               <a:rPr lang="en-GB" sz="2800" dirty="0">
                 <a:latin typeface="Candara" panose="020E0502030303020204" pitchFamily="34" charset="0"/>
               </a:rPr>
-              <a:t> did </a:t>
-            </a:r>
-            <a:r>
-              <a:rPr lang="en-GB" sz="2800" dirty="0" smtClean="0">
-                <a:latin typeface="Candara" panose="020E0502030303020204" pitchFamily="34" charset="0"/>
-              </a:rPr>
-              <a:t>it (in th</a:t>
-            </a:r>
-            <a:r>
-              <a:rPr lang="en-GB" sz="2800" dirty="0" smtClean="0">
-                <a:latin typeface="Candara" panose="020E0502030303020204" pitchFamily="34" charset="0"/>
-              </a:rPr>
-              <a:t>e past)</a:t>
+              <a:t> did it (in the past)</a:t>
             </a:r>
             <a:endParaRPr lang="en-GB" sz="2400" dirty="0">
               <a:latin typeface="Comic Sans MS" pitchFamily="66" charset="0"/>
@@ -13516,7 +13166,7 @@
           <p:cNvPr id="3" name="Picture 2">
             <a:extLst>
               <a:ext uri="{FF2B5EF4-FFF2-40B4-BE49-F238E27FC236}">
-                <a16:creationId xmlns:a16="http://schemas.microsoft.com/office/drawing/2014/main" xmlns="" id="{F2A4C04A-256D-42FF-AF19-3D4A8F908C9D}"/>
+                <a16:creationId xmlns:a16="http://schemas.microsoft.com/office/drawing/2014/main" id="{F2A4C04A-256D-42FF-AF19-3D4A8F908C9D}"/>
               </a:ext>
             </a:extLst>
           </p:cNvPr>
@@ -13557,13 +13207,6 @@
   <p:clrMapOvr>
     <a:masterClrMapping/>
   </p:clrMapOvr>
-  <p:timing>
-    <p:tnLst>
-      <p:par>
-        <p:cTn id="1" dur="indefinite" restart="never" nodeType="tmRoot"/>
-      </p:par>
-    </p:tnLst>
-  </p:timing>
 </p:sld>
 </file>
 
@@ -14461,13 +14104,6 @@
   <p:clrMapOvr>
     <a:masterClrMapping/>
   </p:clrMapOvr>
-  <p:timing>
-    <p:tnLst>
-      <p:par>
-        <p:cTn id="1" dur="indefinite" restart="never" nodeType="tmRoot"/>
-      </p:par>
-    </p:tnLst>
-  </p:timing>
 </p:sld>
 </file>
 
@@ -15217,13 +14853,6 @@
   <p:clrMapOvr>
     <a:masterClrMapping/>
   </p:clrMapOvr>
-  <p:timing>
-    <p:tnLst>
-      <p:par>
-        <p:cTn id="1" dur="indefinite" restart="never" nodeType="tmRoot"/>
-      </p:par>
-    </p:tnLst>
-  </p:timing>
 </p:sld>
 </file>
 
@@ -15313,13 +14942,6 @@
   <p:clrMapOvr>
     <a:masterClrMapping/>
   </p:clrMapOvr>
-  <p:timing>
-    <p:tnLst>
-      <p:par>
-        <p:cTn id="1" dur="indefinite" restart="never" nodeType="tmRoot"/>
-      </p:par>
-    </p:tnLst>
-  </p:timing>
 </p:sld>
 </file>
 

--- a/cceug7 development.pptx
+++ b/cceug7 development.pptx
@@ -5,60 +5,65 @@
     <p:sldMasterId id="2147483648" r:id="rId1"/>
   </p:sldMasterIdLst>
   <p:notesMasterIdLst>
-    <p:notesMasterId r:id="rId50"/>
+    <p:notesMasterId r:id="rId55"/>
   </p:notesMasterIdLst>
   <p:handoutMasterIdLst>
-    <p:handoutMasterId r:id="rId51"/>
+    <p:handoutMasterId r:id="rId56"/>
   </p:handoutMasterIdLst>
   <p:sldIdLst>
     <p:sldId id="257" r:id="rId2"/>
     <p:sldId id="279" r:id="rId3"/>
-    <p:sldId id="348" r:id="rId4"/>
-    <p:sldId id="350" r:id="rId5"/>
-    <p:sldId id="376" r:id="rId6"/>
-    <p:sldId id="377" r:id="rId7"/>
-    <p:sldId id="351" r:id="rId8"/>
-    <p:sldId id="352" r:id="rId9"/>
-    <p:sldId id="353" r:id="rId10"/>
-    <p:sldId id="354" r:id="rId11"/>
-    <p:sldId id="355" r:id="rId12"/>
-    <p:sldId id="378" r:id="rId13"/>
-    <p:sldId id="356" r:id="rId14"/>
-    <p:sldId id="380" r:id="rId15"/>
-    <p:sldId id="381" r:id="rId16"/>
-    <p:sldId id="357" r:id="rId17"/>
-    <p:sldId id="358" r:id="rId18"/>
-    <p:sldId id="359" r:id="rId19"/>
-    <p:sldId id="360" r:id="rId20"/>
-    <p:sldId id="361" r:id="rId21"/>
-    <p:sldId id="362" r:id="rId22"/>
-    <p:sldId id="363" r:id="rId23"/>
-    <p:sldId id="364" r:id="rId24"/>
-    <p:sldId id="382" r:id="rId25"/>
-    <p:sldId id="383" r:id="rId26"/>
-    <p:sldId id="384" r:id="rId27"/>
-    <p:sldId id="385" r:id="rId28"/>
-    <p:sldId id="386" r:id="rId29"/>
-    <p:sldId id="387" r:id="rId30"/>
-    <p:sldId id="388" r:id="rId31"/>
-    <p:sldId id="389" r:id="rId32"/>
-    <p:sldId id="390" r:id="rId33"/>
-    <p:sldId id="391" r:id="rId34"/>
-    <p:sldId id="392" r:id="rId35"/>
-    <p:sldId id="393" r:id="rId36"/>
-    <p:sldId id="394" r:id="rId37"/>
-    <p:sldId id="395" r:id="rId38"/>
-    <p:sldId id="396" r:id="rId39"/>
-    <p:sldId id="397" r:id="rId40"/>
-    <p:sldId id="398" r:id="rId41"/>
-    <p:sldId id="399" r:id="rId42"/>
-    <p:sldId id="400" r:id="rId43"/>
-    <p:sldId id="401" r:id="rId44"/>
-    <p:sldId id="402" r:id="rId45"/>
-    <p:sldId id="403" r:id="rId46"/>
-    <p:sldId id="404" r:id="rId47"/>
-    <p:sldId id="405" r:id="rId48"/>
-    <p:sldId id="406" r:id="rId49"/>
+    <p:sldId id="407" r:id="rId4"/>
+    <p:sldId id="348" r:id="rId5"/>
+    <p:sldId id="350" r:id="rId6"/>
+    <p:sldId id="376" r:id="rId7"/>
+    <p:sldId id="377" r:id="rId8"/>
+    <p:sldId id="379" r:id="rId9"/>
+    <p:sldId id="408" r:id="rId10"/>
+    <p:sldId id="352" r:id="rId11"/>
+    <p:sldId id="353" r:id="rId12"/>
+    <p:sldId id="354" r:id="rId13"/>
+    <p:sldId id="355" r:id="rId14"/>
+    <p:sldId id="378" r:id="rId15"/>
+    <p:sldId id="409" r:id="rId16"/>
+    <p:sldId id="356" r:id="rId17"/>
+    <p:sldId id="380" r:id="rId18"/>
+    <p:sldId id="381" r:id="rId19"/>
+    <p:sldId id="357" r:id="rId20"/>
+    <p:sldId id="358" r:id="rId21"/>
+    <p:sldId id="410" r:id="rId22"/>
+    <p:sldId id="359" r:id="rId23"/>
+    <p:sldId id="360" r:id="rId24"/>
+    <p:sldId id="361" r:id="rId25"/>
+    <p:sldId id="362" r:id="rId26"/>
+    <p:sldId id="363" r:id="rId27"/>
+    <p:sldId id="364" r:id="rId28"/>
+    <p:sldId id="382" r:id="rId29"/>
+    <p:sldId id="383" r:id="rId30"/>
+    <p:sldId id="411" r:id="rId31"/>
+    <p:sldId id="384" r:id="rId32"/>
+    <p:sldId id="385" r:id="rId33"/>
+    <p:sldId id="386" r:id="rId34"/>
+    <p:sldId id="387" r:id="rId35"/>
+    <p:sldId id="388" r:id="rId36"/>
+    <p:sldId id="389" r:id="rId37"/>
+    <p:sldId id="390" r:id="rId38"/>
+    <p:sldId id="391" r:id="rId39"/>
+    <p:sldId id="392" r:id="rId40"/>
+    <p:sldId id="393" r:id="rId41"/>
+    <p:sldId id="394" r:id="rId42"/>
+    <p:sldId id="395" r:id="rId43"/>
+    <p:sldId id="396" r:id="rId44"/>
+    <p:sldId id="397" r:id="rId45"/>
+    <p:sldId id="398" r:id="rId46"/>
+    <p:sldId id="399" r:id="rId47"/>
+    <p:sldId id="400" r:id="rId48"/>
+    <p:sldId id="401" r:id="rId49"/>
+    <p:sldId id="402" r:id="rId50"/>
+    <p:sldId id="403" r:id="rId51"/>
+    <p:sldId id="404" r:id="rId52"/>
+    <p:sldId id="405" r:id="rId53"/>
+    <p:sldId id="406" r:id="rId54"/>
   </p:sldIdLst>
   <p:sldSz cx="9144000" cy="6858000" type="screen4x3"/>
   <p:notesSz cx="6797675" cy="9874250"/>
@@ -994,7 +999,7 @@
       </p:grpSpPr>
       <p:sp>
         <p:nvSpPr>
-          <p:cNvPr id="33794" name="Rectangle 7"/>
+          <p:cNvPr id="36866" name="Rectangle 7"/>
           <p:cNvSpPr>
             <a:spLocks noGrp="1" noChangeArrowheads="1"/>
           </p:cNvSpPr>
@@ -1009,7 +1014,7 @@
           <a:bodyPr/>
           <a:lstStyle/>
           <a:p>
-            <a:fld id="{6DCF9E58-4C92-4C71-BF02-669DAFB73847}" type="slidenum">
+            <a:fld id="{9A02CFDF-E5BC-49E4-BED3-29502E4C2E5C}" type="slidenum">
               <a:rPr lang="en-GB"/>
               <a:pPr/>
               <a:t>13</a:t>
@@ -1020,7 +1025,7 @@
       </p:sp>
       <p:sp>
         <p:nvSpPr>
-          <p:cNvPr id="33795" name="Rectangle 2"/>
+          <p:cNvPr id="36867" name="Rectangle 2"/>
           <p:cNvSpPr>
             <a:spLocks noGrp="1" noRot="1" noChangeAspect="1" noChangeArrowheads="1" noTextEdit="1"/>
           </p:cNvSpPr>
@@ -1034,7 +1039,7 @@
       </p:sp>
       <p:sp>
         <p:nvSpPr>
-          <p:cNvPr id="33796" name="Rectangle 3"/>
+          <p:cNvPr id="36868" name="Rectangle 3"/>
           <p:cNvSpPr>
             <a:spLocks noGrp="1" noChangeArrowheads="1"/>
           </p:cNvSpPr>
@@ -1058,7 +1063,7 @@
     </p:spTree>
     <p:extLst>
       <p:ext uri="{BB962C8B-B14F-4D97-AF65-F5344CB8AC3E}">
-        <p14:creationId xmlns:p14="http://schemas.microsoft.com/office/powerpoint/2010/main" val="1421922453"/>
+        <p14:creationId xmlns:p14="http://schemas.microsoft.com/office/powerpoint/2010/main" val="3414806279"/>
       </p:ext>
     </p:extLst>
   </p:cSld>
@@ -1087,7 +1092,7 @@
       </p:grpSpPr>
       <p:sp>
         <p:nvSpPr>
-          <p:cNvPr id="33794" name="Rectangle 7"/>
+          <p:cNvPr id="25602" name="Rectangle 7"/>
           <p:cNvSpPr>
             <a:spLocks noGrp="1" noChangeArrowheads="1"/>
           </p:cNvSpPr>
@@ -1102,10 +1107,10 @@
           <a:bodyPr/>
           <a:lstStyle/>
           <a:p>
-            <a:fld id="{6DCF9E58-4C92-4C71-BF02-669DAFB73847}" type="slidenum">
+            <a:fld id="{AAE8AFE3-17D1-45EA-BE56-0864919F65F7}" type="slidenum">
               <a:rPr lang="en-GB"/>
               <a:pPr/>
-              <a:t>14</a:t>
+              <a:t>15</a:t>
             </a:fld>
             <a:endParaRPr lang="en-GB"/>
           </a:p>
@@ -1113,7 +1118,7 @@
       </p:sp>
       <p:sp>
         <p:nvSpPr>
-          <p:cNvPr id="33795" name="Rectangle 2"/>
+          <p:cNvPr id="25603" name="Rectangle 2"/>
           <p:cNvSpPr>
             <a:spLocks noGrp="1" noRot="1" noChangeAspect="1" noChangeArrowheads="1" noTextEdit="1"/>
           </p:cNvSpPr>
@@ -1127,7 +1132,7 @@
       </p:sp>
       <p:sp>
         <p:nvSpPr>
-          <p:cNvPr id="33796" name="Rectangle 3"/>
+          <p:cNvPr id="25604" name="Rectangle 3"/>
           <p:cNvSpPr>
             <a:spLocks noGrp="1" noChangeArrowheads="1"/>
           </p:cNvSpPr>
@@ -1151,7 +1156,7 @@
     </p:spTree>
     <p:extLst>
       <p:ext uri="{BB962C8B-B14F-4D97-AF65-F5344CB8AC3E}">
-        <p14:creationId xmlns:p14="http://schemas.microsoft.com/office/powerpoint/2010/main" val="465561968"/>
+        <p14:creationId xmlns:p14="http://schemas.microsoft.com/office/powerpoint/2010/main" val="2353474616"/>
       </p:ext>
     </p:extLst>
   </p:cSld>
@@ -1244,7 +1249,7 @@
     </p:spTree>
     <p:extLst>
       <p:ext uri="{BB962C8B-B14F-4D97-AF65-F5344CB8AC3E}">
-        <p14:creationId xmlns:p14="http://schemas.microsoft.com/office/powerpoint/2010/main" val="1382500029"/>
+        <p14:creationId xmlns:p14="http://schemas.microsoft.com/office/powerpoint/2010/main" val="1421922453"/>
       </p:ext>
     </p:extLst>
   </p:cSld>
@@ -1337,7 +1342,7 @@
     </p:spTree>
     <p:extLst>
       <p:ext uri="{BB962C8B-B14F-4D97-AF65-F5344CB8AC3E}">
-        <p14:creationId xmlns:p14="http://schemas.microsoft.com/office/powerpoint/2010/main" val="1453654926"/>
+        <p14:creationId xmlns:p14="http://schemas.microsoft.com/office/powerpoint/2010/main" val="465561968"/>
       </p:ext>
     </p:extLst>
   </p:cSld>
@@ -1366,7 +1371,7 @@
       </p:grpSpPr>
       <p:sp>
         <p:nvSpPr>
-          <p:cNvPr id="32770" name="Rectangle 7"/>
+          <p:cNvPr id="33794" name="Rectangle 7"/>
           <p:cNvSpPr>
             <a:spLocks noGrp="1" noChangeArrowheads="1"/>
           </p:cNvSpPr>
@@ -1381,10 +1386,10 @@
           <a:bodyPr/>
           <a:lstStyle/>
           <a:p>
-            <a:fld id="{45B667DC-6F9A-49B3-A8A3-1AF3CCE0D4AA}" type="slidenum">
+            <a:fld id="{6DCF9E58-4C92-4C71-BF02-669DAFB73847}" type="slidenum">
               <a:rPr lang="en-GB"/>
               <a:pPr/>
-              <a:t>18</a:t>
+              <a:t>19</a:t>
             </a:fld>
             <a:endParaRPr lang="en-GB"/>
           </a:p>
@@ -1392,7 +1397,7 @@
       </p:sp>
       <p:sp>
         <p:nvSpPr>
-          <p:cNvPr id="32771" name="Rectangle 2"/>
+          <p:cNvPr id="33795" name="Rectangle 2"/>
           <p:cNvSpPr>
             <a:spLocks noGrp="1" noRot="1" noChangeAspect="1" noChangeArrowheads="1" noTextEdit="1"/>
           </p:cNvSpPr>
@@ -1401,16 +1406,12 @@
           </p:nvPr>
         </p:nvSpPr>
         <p:spPr>
-          <a:xfrm>
-            <a:off x="931863" y="741363"/>
-            <a:ext cx="4935537" cy="3702050"/>
-          </a:xfrm>
           <a:ln/>
         </p:spPr>
       </p:sp>
       <p:sp>
         <p:nvSpPr>
-          <p:cNvPr id="32772" name="Rectangle 3"/>
+          <p:cNvPr id="33796" name="Rectangle 3"/>
           <p:cNvSpPr>
             <a:spLocks noGrp="1" noChangeArrowheads="1"/>
           </p:cNvSpPr>
@@ -1419,10 +1420,6 @@
           </p:nvPr>
         </p:nvSpPr>
         <p:spPr>
-          <a:xfrm>
-            <a:off x="906463" y="4691063"/>
-            <a:ext cx="4984750" cy="4443412"/>
-          </a:xfrm>
           <a:noFill/>
           <a:ln/>
         </p:spPr>
@@ -1438,7 +1435,7 @@
     </p:spTree>
     <p:extLst>
       <p:ext uri="{BB962C8B-B14F-4D97-AF65-F5344CB8AC3E}">
-        <p14:creationId xmlns:p14="http://schemas.microsoft.com/office/powerpoint/2010/main" val="3106175411"/>
+        <p14:creationId xmlns:p14="http://schemas.microsoft.com/office/powerpoint/2010/main" val="1382500029"/>
       </p:ext>
     </p:extLst>
   </p:cSld>
@@ -1467,7 +1464,7 @@
       </p:grpSpPr>
       <p:sp>
         <p:nvSpPr>
-          <p:cNvPr id="32770" name="Rectangle 7"/>
+          <p:cNvPr id="33794" name="Rectangle 7"/>
           <p:cNvSpPr>
             <a:spLocks noGrp="1" noChangeArrowheads="1"/>
           </p:cNvSpPr>
@@ -1482,10 +1479,10 @@
           <a:bodyPr/>
           <a:lstStyle/>
           <a:p>
-            <a:fld id="{45B667DC-6F9A-49B3-A8A3-1AF3CCE0D4AA}" type="slidenum">
+            <a:fld id="{6DCF9E58-4C92-4C71-BF02-669DAFB73847}" type="slidenum">
               <a:rPr lang="en-GB"/>
               <a:pPr/>
-              <a:t>19</a:t>
+              <a:t>20</a:t>
             </a:fld>
             <a:endParaRPr lang="en-GB"/>
           </a:p>
@@ -1493,7 +1490,7 @@
       </p:sp>
       <p:sp>
         <p:nvSpPr>
-          <p:cNvPr id="32771" name="Rectangle 2"/>
+          <p:cNvPr id="33795" name="Rectangle 2"/>
           <p:cNvSpPr>
             <a:spLocks noGrp="1" noRot="1" noChangeAspect="1" noChangeArrowheads="1" noTextEdit="1"/>
           </p:cNvSpPr>
@@ -1502,16 +1499,12 @@
           </p:nvPr>
         </p:nvSpPr>
         <p:spPr>
-          <a:xfrm>
-            <a:off x="931863" y="741363"/>
-            <a:ext cx="4935537" cy="3702050"/>
-          </a:xfrm>
           <a:ln/>
         </p:spPr>
       </p:sp>
       <p:sp>
         <p:nvSpPr>
-          <p:cNvPr id="32772" name="Rectangle 3"/>
+          <p:cNvPr id="33796" name="Rectangle 3"/>
           <p:cNvSpPr>
             <a:spLocks noGrp="1" noChangeArrowheads="1"/>
           </p:cNvSpPr>
@@ -1520,10 +1513,6 @@
           </p:nvPr>
         </p:nvSpPr>
         <p:spPr>
-          <a:xfrm>
-            <a:off x="906463" y="4691063"/>
-            <a:ext cx="4984750" cy="4443412"/>
-          </a:xfrm>
           <a:noFill/>
           <a:ln/>
         </p:spPr>
@@ -1539,7 +1528,7 @@
     </p:spTree>
     <p:extLst>
       <p:ext uri="{BB962C8B-B14F-4D97-AF65-F5344CB8AC3E}">
-        <p14:creationId xmlns:p14="http://schemas.microsoft.com/office/powerpoint/2010/main" val="3337760428"/>
+        <p14:creationId xmlns:p14="http://schemas.microsoft.com/office/powerpoint/2010/main" val="1453654926"/>
       </p:ext>
     </p:extLst>
   </p:cSld>
@@ -1568,7 +1557,7 @@
       </p:grpSpPr>
       <p:sp>
         <p:nvSpPr>
-          <p:cNvPr id="32770" name="Rectangle 7"/>
+          <p:cNvPr id="25602" name="Rectangle 7"/>
           <p:cNvSpPr>
             <a:spLocks noGrp="1" noChangeArrowheads="1"/>
           </p:cNvSpPr>
@@ -1583,10 +1572,10 @@
           <a:bodyPr/>
           <a:lstStyle/>
           <a:p>
-            <a:fld id="{45B667DC-6F9A-49B3-A8A3-1AF3CCE0D4AA}" type="slidenum">
+            <a:fld id="{AAE8AFE3-17D1-45EA-BE56-0864919F65F7}" type="slidenum">
               <a:rPr lang="en-GB"/>
               <a:pPr/>
-              <a:t>26</a:t>
+              <a:t>21</a:t>
             </a:fld>
             <a:endParaRPr lang="en-GB"/>
           </a:p>
@@ -1594,7 +1583,7 @@
       </p:sp>
       <p:sp>
         <p:nvSpPr>
-          <p:cNvPr id="32771" name="Rectangle 2"/>
+          <p:cNvPr id="25603" name="Rectangle 2"/>
           <p:cNvSpPr>
             <a:spLocks noGrp="1" noRot="1" noChangeAspect="1" noChangeArrowheads="1" noTextEdit="1"/>
           </p:cNvSpPr>
@@ -1603,16 +1592,12 @@
           </p:nvPr>
         </p:nvSpPr>
         <p:spPr>
-          <a:xfrm>
-            <a:off x="931863" y="741363"/>
-            <a:ext cx="4935537" cy="3702050"/>
-          </a:xfrm>
           <a:ln/>
         </p:spPr>
       </p:sp>
       <p:sp>
         <p:nvSpPr>
-          <p:cNvPr id="32772" name="Rectangle 3"/>
+          <p:cNvPr id="25604" name="Rectangle 3"/>
           <p:cNvSpPr>
             <a:spLocks noGrp="1" noChangeArrowheads="1"/>
           </p:cNvSpPr>
@@ -1621,10 +1606,6 @@
           </p:nvPr>
         </p:nvSpPr>
         <p:spPr>
-          <a:xfrm>
-            <a:off x="906463" y="4691063"/>
-            <a:ext cx="4984750" cy="4443412"/>
-          </a:xfrm>
           <a:noFill/>
           <a:ln/>
         </p:spPr>
@@ -1640,7 +1621,7 @@
     </p:spTree>
     <p:extLst>
       <p:ext uri="{BB962C8B-B14F-4D97-AF65-F5344CB8AC3E}">
-        <p14:creationId xmlns:p14="http://schemas.microsoft.com/office/powerpoint/2010/main" val="1323165680"/>
+        <p14:creationId xmlns:p14="http://schemas.microsoft.com/office/powerpoint/2010/main" val="2219266049"/>
       </p:ext>
     </p:extLst>
   </p:cSld>
@@ -1687,7 +1668,7 @@
             <a:fld id="{45B667DC-6F9A-49B3-A8A3-1AF3CCE0D4AA}" type="slidenum">
               <a:rPr lang="en-GB"/>
               <a:pPr/>
-              <a:t>27</a:t>
+              <a:t>22</a:t>
             </a:fld>
             <a:endParaRPr lang="en-GB"/>
           </a:p>
@@ -1741,7 +1722,7 @@
     </p:spTree>
     <p:extLst>
       <p:ext uri="{BB962C8B-B14F-4D97-AF65-F5344CB8AC3E}">
-        <p14:creationId xmlns:p14="http://schemas.microsoft.com/office/powerpoint/2010/main" val="1215748482"/>
+        <p14:creationId xmlns:p14="http://schemas.microsoft.com/office/powerpoint/2010/main" val="3106175411"/>
       </p:ext>
     </p:extLst>
   </p:cSld>
@@ -1788,7 +1769,7 @@
             <a:fld id="{45B667DC-6F9A-49B3-A8A3-1AF3CCE0D4AA}" type="slidenum">
               <a:rPr lang="en-GB"/>
               <a:pPr/>
-              <a:t>28</a:t>
+              <a:t>23</a:t>
             </a:fld>
             <a:endParaRPr lang="en-GB"/>
           </a:p>
@@ -1842,7 +1823,7 @@
     </p:spTree>
     <p:extLst>
       <p:ext uri="{BB962C8B-B14F-4D97-AF65-F5344CB8AC3E}">
-        <p14:creationId xmlns:p14="http://schemas.microsoft.com/office/powerpoint/2010/main" val="957273211"/>
+        <p14:creationId xmlns:p14="http://schemas.microsoft.com/office/powerpoint/2010/main" val="3337760428"/>
       </p:ext>
     </p:extLst>
   </p:cSld>
@@ -1871,7 +1852,7 @@
       </p:grpSpPr>
       <p:sp>
         <p:nvSpPr>
-          <p:cNvPr id="32770" name="Rectangle 7"/>
+          <p:cNvPr id="25602" name="Rectangle 7"/>
           <p:cNvSpPr>
             <a:spLocks noGrp="1" noChangeArrowheads="1"/>
           </p:cNvSpPr>
@@ -1886,10 +1867,10 @@
           <a:bodyPr/>
           <a:lstStyle/>
           <a:p>
-            <a:fld id="{45B667DC-6F9A-49B3-A8A3-1AF3CCE0D4AA}" type="slidenum">
+            <a:fld id="{AAE8AFE3-17D1-45EA-BE56-0864919F65F7}" type="slidenum">
               <a:rPr lang="en-GB"/>
               <a:pPr/>
-              <a:t>29</a:t>
+              <a:t>30</a:t>
             </a:fld>
             <a:endParaRPr lang="en-GB"/>
           </a:p>
@@ -1897,7 +1878,7 @@
       </p:sp>
       <p:sp>
         <p:nvSpPr>
-          <p:cNvPr id="32771" name="Rectangle 2"/>
+          <p:cNvPr id="25603" name="Rectangle 2"/>
           <p:cNvSpPr>
             <a:spLocks noGrp="1" noRot="1" noChangeAspect="1" noChangeArrowheads="1" noTextEdit="1"/>
           </p:cNvSpPr>
@@ -1906,16 +1887,12 @@
           </p:nvPr>
         </p:nvSpPr>
         <p:spPr>
-          <a:xfrm>
-            <a:off x="931863" y="741363"/>
-            <a:ext cx="4935537" cy="3702050"/>
-          </a:xfrm>
           <a:ln/>
         </p:spPr>
       </p:sp>
       <p:sp>
         <p:nvSpPr>
-          <p:cNvPr id="32772" name="Rectangle 3"/>
+          <p:cNvPr id="25604" name="Rectangle 3"/>
           <p:cNvSpPr>
             <a:spLocks noGrp="1" noChangeArrowheads="1"/>
           </p:cNvSpPr>
@@ -1924,10 +1901,6 @@
           </p:nvPr>
         </p:nvSpPr>
         <p:spPr>
-          <a:xfrm>
-            <a:off x="906463" y="4691063"/>
-            <a:ext cx="4984750" cy="4443412"/>
-          </a:xfrm>
           <a:noFill/>
           <a:ln/>
         </p:spPr>
@@ -1943,7 +1916,7 @@
     </p:spTree>
     <p:extLst>
       <p:ext uri="{BB962C8B-B14F-4D97-AF65-F5344CB8AC3E}">
-        <p14:creationId xmlns:p14="http://schemas.microsoft.com/office/powerpoint/2010/main" val="3518670981"/>
+        <p14:creationId xmlns:p14="http://schemas.microsoft.com/office/powerpoint/2010/main" val="329444119"/>
       </p:ext>
     </p:extLst>
   </p:cSld>
@@ -2079,7 +2052,7 @@
             <a:fld id="{45B667DC-6F9A-49B3-A8A3-1AF3CCE0D4AA}" type="slidenum">
               <a:rPr lang="en-GB"/>
               <a:pPr/>
-              <a:t>30</a:t>
+              <a:t>31</a:t>
             </a:fld>
             <a:endParaRPr lang="en-GB"/>
           </a:p>
@@ -2133,7 +2106,7 @@
     </p:spTree>
     <p:extLst>
       <p:ext uri="{BB962C8B-B14F-4D97-AF65-F5344CB8AC3E}">
-        <p14:creationId xmlns:p14="http://schemas.microsoft.com/office/powerpoint/2010/main" val="1401684727"/>
+        <p14:creationId xmlns:p14="http://schemas.microsoft.com/office/powerpoint/2010/main" val="1323165680"/>
       </p:ext>
     </p:extLst>
   </p:cSld>
@@ -2180,7 +2153,7 @@
             <a:fld id="{45B667DC-6F9A-49B3-A8A3-1AF3CCE0D4AA}" type="slidenum">
               <a:rPr lang="en-GB"/>
               <a:pPr/>
-              <a:t>31</a:t>
+              <a:t>32</a:t>
             </a:fld>
             <a:endParaRPr lang="en-GB"/>
           </a:p>
@@ -2234,7 +2207,7 @@
     </p:spTree>
     <p:extLst>
       <p:ext uri="{BB962C8B-B14F-4D97-AF65-F5344CB8AC3E}">
-        <p14:creationId xmlns:p14="http://schemas.microsoft.com/office/powerpoint/2010/main" val="1999143694"/>
+        <p14:creationId xmlns:p14="http://schemas.microsoft.com/office/powerpoint/2010/main" val="1215748482"/>
       </p:ext>
     </p:extLst>
   </p:cSld>
@@ -2281,7 +2254,7 @@
             <a:fld id="{45B667DC-6F9A-49B3-A8A3-1AF3CCE0D4AA}" type="slidenum">
               <a:rPr lang="en-GB"/>
               <a:pPr/>
-              <a:t>32</a:t>
+              <a:t>33</a:t>
             </a:fld>
             <a:endParaRPr lang="en-GB"/>
           </a:p>
@@ -2335,7 +2308,7 @@
     </p:spTree>
     <p:extLst>
       <p:ext uri="{BB962C8B-B14F-4D97-AF65-F5344CB8AC3E}">
-        <p14:creationId xmlns:p14="http://schemas.microsoft.com/office/powerpoint/2010/main" val="3913480283"/>
+        <p14:creationId xmlns:p14="http://schemas.microsoft.com/office/powerpoint/2010/main" val="957273211"/>
       </p:ext>
     </p:extLst>
   </p:cSld>
@@ -2382,7 +2355,7 @@
             <a:fld id="{45B667DC-6F9A-49B3-A8A3-1AF3CCE0D4AA}" type="slidenum">
               <a:rPr lang="en-GB"/>
               <a:pPr/>
-              <a:t>33</a:t>
+              <a:t>34</a:t>
             </a:fld>
             <a:endParaRPr lang="en-GB"/>
           </a:p>
@@ -2436,7 +2409,7 @@
     </p:spTree>
     <p:extLst>
       <p:ext uri="{BB962C8B-B14F-4D97-AF65-F5344CB8AC3E}">
-        <p14:creationId xmlns:p14="http://schemas.microsoft.com/office/powerpoint/2010/main" val="3970013859"/>
+        <p14:creationId xmlns:p14="http://schemas.microsoft.com/office/powerpoint/2010/main" val="3518670981"/>
       </p:ext>
     </p:extLst>
   </p:cSld>
@@ -2483,7 +2456,7 @@
             <a:fld id="{45B667DC-6F9A-49B3-A8A3-1AF3CCE0D4AA}" type="slidenum">
               <a:rPr lang="en-GB"/>
               <a:pPr/>
-              <a:t>34</a:t>
+              <a:t>35</a:t>
             </a:fld>
             <a:endParaRPr lang="en-GB"/>
           </a:p>
@@ -2537,7 +2510,7 @@
     </p:spTree>
     <p:extLst>
       <p:ext uri="{BB962C8B-B14F-4D97-AF65-F5344CB8AC3E}">
-        <p14:creationId xmlns:p14="http://schemas.microsoft.com/office/powerpoint/2010/main" val="1377521320"/>
+        <p14:creationId xmlns:p14="http://schemas.microsoft.com/office/powerpoint/2010/main" val="1401684727"/>
       </p:ext>
     </p:extLst>
   </p:cSld>
@@ -2584,7 +2557,7 @@
             <a:fld id="{45B667DC-6F9A-49B3-A8A3-1AF3CCE0D4AA}" type="slidenum">
               <a:rPr lang="en-GB"/>
               <a:pPr/>
-              <a:t>35</a:t>
+              <a:t>36</a:t>
             </a:fld>
             <a:endParaRPr lang="en-GB"/>
           </a:p>
@@ -2638,7 +2611,7 @@
     </p:spTree>
     <p:extLst>
       <p:ext uri="{BB962C8B-B14F-4D97-AF65-F5344CB8AC3E}">
-        <p14:creationId xmlns:p14="http://schemas.microsoft.com/office/powerpoint/2010/main" val="1820667451"/>
+        <p14:creationId xmlns:p14="http://schemas.microsoft.com/office/powerpoint/2010/main" val="1999143694"/>
       </p:ext>
     </p:extLst>
   </p:cSld>
@@ -2685,7 +2658,7 @@
             <a:fld id="{45B667DC-6F9A-49B3-A8A3-1AF3CCE0D4AA}" type="slidenum">
               <a:rPr lang="en-GB"/>
               <a:pPr/>
-              <a:t>36</a:t>
+              <a:t>37</a:t>
             </a:fld>
             <a:endParaRPr lang="en-GB"/>
           </a:p>
@@ -2739,7 +2712,7 @@
     </p:spTree>
     <p:extLst>
       <p:ext uri="{BB962C8B-B14F-4D97-AF65-F5344CB8AC3E}">
-        <p14:creationId xmlns:p14="http://schemas.microsoft.com/office/powerpoint/2010/main" val="4010678898"/>
+        <p14:creationId xmlns:p14="http://schemas.microsoft.com/office/powerpoint/2010/main" val="3913480283"/>
       </p:ext>
     </p:extLst>
   </p:cSld>
@@ -2786,7 +2759,7 @@
             <a:fld id="{45B667DC-6F9A-49B3-A8A3-1AF3CCE0D4AA}" type="slidenum">
               <a:rPr lang="en-GB"/>
               <a:pPr/>
-              <a:t>37</a:t>
+              <a:t>38</a:t>
             </a:fld>
             <a:endParaRPr lang="en-GB"/>
           </a:p>
@@ -2840,7 +2813,7 @@
     </p:spTree>
     <p:extLst>
       <p:ext uri="{BB962C8B-B14F-4D97-AF65-F5344CB8AC3E}">
-        <p14:creationId xmlns:p14="http://schemas.microsoft.com/office/powerpoint/2010/main" val="2889489898"/>
+        <p14:creationId xmlns:p14="http://schemas.microsoft.com/office/powerpoint/2010/main" val="3970013859"/>
       </p:ext>
     </p:extLst>
   </p:cSld>
@@ -2887,7 +2860,7 @@
             <a:fld id="{45B667DC-6F9A-49B3-A8A3-1AF3CCE0D4AA}" type="slidenum">
               <a:rPr lang="en-GB"/>
               <a:pPr/>
-              <a:t>38</a:t>
+              <a:t>39</a:t>
             </a:fld>
             <a:endParaRPr lang="en-GB"/>
           </a:p>
@@ -2941,7 +2914,7 @@
     </p:spTree>
     <p:extLst>
       <p:ext uri="{BB962C8B-B14F-4D97-AF65-F5344CB8AC3E}">
-        <p14:creationId xmlns:p14="http://schemas.microsoft.com/office/powerpoint/2010/main" val="2119334982"/>
+        <p14:creationId xmlns:p14="http://schemas.microsoft.com/office/powerpoint/2010/main" val="1377521320"/>
       </p:ext>
     </p:extLst>
   </p:cSld>
@@ -2988,7 +2961,7 @@
             <a:fld id="{45B667DC-6F9A-49B3-A8A3-1AF3CCE0D4AA}" type="slidenum">
               <a:rPr lang="en-GB"/>
               <a:pPr/>
-              <a:t>39</a:t>
+              <a:t>40</a:t>
             </a:fld>
             <a:endParaRPr lang="en-GB"/>
           </a:p>
@@ -3042,7 +3015,7 @@
     </p:spTree>
     <p:extLst>
       <p:ext uri="{BB962C8B-B14F-4D97-AF65-F5344CB8AC3E}">
-        <p14:creationId xmlns:p14="http://schemas.microsoft.com/office/powerpoint/2010/main" val="3125361138"/>
+        <p14:creationId xmlns:p14="http://schemas.microsoft.com/office/powerpoint/2010/main" val="1820667451"/>
       </p:ext>
     </p:extLst>
   </p:cSld>
@@ -3071,7 +3044,7 @@
       </p:grpSpPr>
       <p:sp>
         <p:nvSpPr>
-          <p:cNvPr id="31746" name="Rectangle 7"/>
+          <p:cNvPr id="25602" name="Rectangle 7"/>
           <p:cNvSpPr>
             <a:spLocks noGrp="1" noChangeArrowheads="1"/>
           </p:cNvSpPr>
@@ -3086,10 +3059,10 @@
           <a:bodyPr/>
           <a:lstStyle/>
           <a:p>
-            <a:fld id="{6887CDCE-5188-4824-BF84-115D2A12DEFF}" type="slidenum">
+            <a:fld id="{AAE8AFE3-17D1-45EA-BE56-0864919F65F7}" type="slidenum">
               <a:rPr lang="en-GB"/>
               <a:pPr/>
-              <a:t>4</a:t>
+              <a:t>3</a:t>
             </a:fld>
             <a:endParaRPr lang="en-GB"/>
           </a:p>
@@ -3097,7 +3070,7 @@
       </p:sp>
       <p:sp>
         <p:nvSpPr>
-          <p:cNvPr id="31747" name="Rectangle 2"/>
+          <p:cNvPr id="25603" name="Rectangle 2"/>
           <p:cNvSpPr>
             <a:spLocks noGrp="1" noRot="1" noChangeAspect="1" noChangeArrowheads="1" noTextEdit="1"/>
           </p:cNvSpPr>
@@ -3106,16 +3079,12 @@
           </p:nvPr>
         </p:nvSpPr>
         <p:spPr>
-          <a:xfrm>
-            <a:off x="931863" y="741363"/>
-            <a:ext cx="4935537" cy="3702050"/>
-          </a:xfrm>
           <a:ln/>
         </p:spPr>
       </p:sp>
       <p:sp>
         <p:nvSpPr>
-          <p:cNvPr id="31748" name="Rectangle 3"/>
+          <p:cNvPr id="25604" name="Rectangle 3"/>
           <p:cNvSpPr>
             <a:spLocks noGrp="1" noChangeArrowheads="1"/>
           </p:cNvSpPr>
@@ -3124,10 +3093,6 @@
           </p:nvPr>
         </p:nvSpPr>
         <p:spPr>
-          <a:xfrm>
-            <a:off x="679450" y="4691063"/>
-            <a:ext cx="5438775" cy="4443412"/>
-          </a:xfrm>
           <a:noFill/>
           <a:ln/>
         </p:spPr>
@@ -3143,7 +3108,7 @@
     </p:spTree>
     <p:extLst>
       <p:ext uri="{BB962C8B-B14F-4D97-AF65-F5344CB8AC3E}">
-        <p14:creationId xmlns:p14="http://schemas.microsoft.com/office/powerpoint/2010/main" val="3067444116"/>
+        <p14:creationId xmlns:p14="http://schemas.microsoft.com/office/powerpoint/2010/main" val="2097743773"/>
       </p:ext>
     </p:extLst>
   </p:cSld>
@@ -3190,7 +3155,7 @@
             <a:fld id="{45B667DC-6F9A-49B3-A8A3-1AF3CCE0D4AA}" type="slidenum">
               <a:rPr lang="en-GB"/>
               <a:pPr/>
-              <a:t>40</a:t>
+              <a:t>41</a:t>
             </a:fld>
             <a:endParaRPr lang="en-GB"/>
           </a:p>
@@ -3244,7 +3209,7 @@
     </p:spTree>
     <p:extLst>
       <p:ext uri="{BB962C8B-B14F-4D97-AF65-F5344CB8AC3E}">
-        <p14:creationId xmlns:p14="http://schemas.microsoft.com/office/powerpoint/2010/main" val="3510970879"/>
+        <p14:creationId xmlns:p14="http://schemas.microsoft.com/office/powerpoint/2010/main" val="4010678898"/>
       </p:ext>
     </p:extLst>
   </p:cSld>
@@ -3273,68 +3238,79 @@
       </p:grpSpPr>
       <p:sp>
         <p:nvSpPr>
-          <p:cNvPr id="2" name="Slide Image Placeholder 1"/>
-          <p:cNvSpPr>
-            <a:spLocks noGrp="1" noRot="1" noChangeAspect="1"/>
-          </p:cNvSpPr>
-          <p:nvPr>
-            <p:ph type="sldImg"/>
-          </p:nvPr>
-        </p:nvSpPr>
-        <p:spPr/>
-      </p:sp>
-      <p:sp>
-        <p:nvSpPr>
-          <p:cNvPr id="3" name="Notes Placeholder 2"/>
-          <p:cNvSpPr>
-            <a:spLocks noGrp="1"/>
-          </p:cNvSpPr>
-          <p:nvPr>
-            <p:ph type="body" idx="1"/>
-          </p:nvPr>
-        </p:nvSpPr>
-        <p:spPr/>
+          <p:cNvPr id="32770" name="Rectangle 7"/>
+          <p:cNvSpPr>
+            <a:spLocks noGrp="1" noChangeArrowheads="1"/>
+          </p:cNvSpPr>
+          <p:nvPr>
+            <p:ph type="sldNum" sz="quarter" idx="5"/>
+          </p:nvPr>
+        </p:nvSpPr>
+        <p:spPr>
+          <a:noFill/>
+        </p:spPr>
         <p:txBody>
           <a:bodyPr/>
           <a:lstStyle/>
           <a:p>
-            <a:endParaRPr lang="en-GB" dirty="0"/>
-          </a:p>
-        </p:txBody>
-      </p:sp>
-      <p:sp>
-        <p:nvSpPr>
-          <p:cNvPr id="4" name="Slide Number Placeholder 3"/>
-          <p:cNvSpPr>
-            <a:spLocks noGrp="1"/>
-          </p:cNvSpPr>
-          <p:nvPr>
-            <p:ph type="sldNum" sz="quarter" idx="5"/>
-          </p:nvPr>
-        </p:nvSpPr>
-        <p:spPr/>
-        <p:txBody>
-          <a:bodyPr/>
-          <a:lstStyle/>
-          <a:p>
-            <a:pPr>
-              <a:defRPr/>
-            </a:pPr>
-            <a:fld id="{FB4ABEFE-E9C9-4327-B9CD-DA178A9DD711}" type="slidenum">
-              <a:rPr lang="en-GB" smtClean="0"/>
-              <a:pPr>
-                <a:defRPr/>
-              </a:pPr>
-              <a:t>41</a:t>
+            <a:fld id="{45B667DC-6F9A-49B3-A8A3-1AF3CCE0D4AA}" type="slidenum">
+              <a:rPr lang="en-GB"/>
+              <a:pPr/>
+              <a:t>42</a:t>
             </a:fld>
             <a:endParaRPr lang="en-GB"/>
+          </a:p>
+        </p:txBody>
+      </p:sp>
+      <p:sp>
+        <p:nvSpPr>
+          <p:cNvPr id="32771" name="Rectangle 2"/>
+          <p:cNvSpPr>
+            <a:spLocks noGrp="1" noRot="1" noChangeAspect="1" noChangeArrowheads="1" noTextEdit="1"/>
+          </p:cNvSpPr>
+          <p:nvPr>
+            <p:ph type="sldImg"/>
+          </p:nvPr>
+        </p:nvSpPr>
+        <p:spPr>
+          <a:xfrm>
+            <a:off x="931863" y="741363"/>
+            <a:ext cx="4935537" cy="3702050"/>
+          </a:xfrm>
+          <a:ln/>
+        </p:spPr>
+      </p:sp>
+      <p:sp>
+        <p:nvSpPr>
+          <p:cNvPr id="32772" name="Rectangle 3"/>
+          <p:cNvSpPr>
+            <a:spLocks noGrp="1" noChangeArrowheads="1"/>
+          </p:cNvSpPr>
+          <p:nvPr>
+            <p:ph type="body" idx="1"/>
+          </p:nvPr>
+        </p:nvSpPr>
+        <p:spPr>
+          <a:xfrm>
+            <a:off x="906463" y="4691063"/>
+            <a:ext cx="4984750" cy="4443412"/>
+          </a:xfrm>
+          <a:noFill/>
+          <a:ln/>
+        </p:spPr>
+        <p:txBody>
+          <a:bodyPr/>
+          <a:lstStyle/>
+          <a:p>
+            <a:pPr eaLnBrk="1" hangingPunct="1"/>
+            <a:endParaRPr lang="en-US"/>
           </a:p>
         </p:txBody>
       </p:sp>
     </p:spTree>
     <p:extLst>
       <p:ext uri="{BB962C8B-B14F-4D97-AF65-F5344CB8AC3E}">
-        <p14:creationId xmlns:p14="http://schemas.microsoft.com/office/powerpoint/2010/main" val="3468764170"/>
+        <p14:creationId xmlns:p14="http://schemas.microsoft.com/office/powerpoint/2010/main" val="2889489898"/>
       </p:ext>
     </p:extLst>
   </p:cSld>
@@ -3381,7 +3357,7 @@
             <a:fld id="{45B667DC-6F9A-49B3-A8A3-1AF3CCE0D4AA}" type="slidenum">
               <a:rPr lang="en-GB"/>
               <a:pPr/>
-              <a:t>42</a:t>
+              <a:t>43</a:t>
             </a:fld>
             <a:endParaRPr lang="en-GB"/>
           </a:p>
@@ -3435,7 +3411,7 @@
     </p:spTree>
     <p:extLst>
       <p:ext uri="{BB962C8B-B14F-4D97-AF65-F5344CB8AC3E}">
-        <p14:creationId xmlns:p14="http://schemas.microsoft.com/office/powerpoint/2010/main" val="3181381280"/>
+        <p14:creationId xmlns:p14="http://schemas.microsoft.com/office/powerpoint/2010/main" val="2119334982"/>
       </p:ext>
     </p:extLst>
   </p:cSld>
@@ -3536,7 +3512,7 @@
     </p:spTree>
     <p:extLst>
       <p:ext uri="{BB962C8B-B14F-4D97-AF65-F5344CB8AC3E}">
-        <p14:creationId xmlns:p14="http://schemas.microsoft.com/office/powerpoint/2010/main" val="2075829526"/>
+        <p14:creationId xmlns:p14="http://schemas.microsoft.com/office/powerpoint/2010/main" val="3125361138"/>
       </p:ext>
     </p:extLst>
   </p:cSld>
@@ -3565,68 +3541,79 @@
       </p:grpSpPr>
       <p:sp>
         <p:nvSpPr>
-          <p:cNvPr id="2" name="Slide Image Placeholder 1"/>
-          <p:cNvSpPr>
-            <a:spLocks noGrp="1" noRot="1" noChangeAspect="1"/>
-          </p:cNvSpPr>
-          <p:nvPr>
-            <p:ph type="sldImg"/>
-          </p:nvPr>
-        </p:nvSpPr>
-        <p:spPr/>
-      </p:sp>
-      <p:sp>
-        <p:nvSpPr>
-          <p:cNvPr id="3" name="Notes Placeholder 2"/>
-          <p:cNvSpPr>
-            <a:spLocks noGrp="1"/>
-          </p:cNvSpPr>
-          <p:nvPr>
-            <p:ph type="body" idx="1"/>
-          </p:nvPr>
-        </p:nvSpPr>
-        <p:spPr/>
+          <p:cNvPr id="32770" name="Rectangle 7"/>
+          <p:cNvSpPr>
+            <a:spLocks noGrp="1" noChangeArrowheads="1"/>
+          </p:cNvSpPr>
+          <p:nvPr>
+            <p:ph type="sldNum" sz="quarter" idx="5"/>
+          </p:nvPr>
+        </p:nvSpPr>
+        <p:spPr>
+          <a:noFill/>
+        </p:spPr>
         <p:txBody>
           <a:bodyPr/>
           <a:lstStyle/>
           <a:p>
-            <a:endParaRPr lang="en-GB" dirty="0"/>
-          </a:p>
-        </p:txBody>
-      </p:sp>
-      <p:sp>
-        <p:nvSpPr>
-          <p:cNvPr id="4" name="Slide Number Placeholder 3"/>
-          <p:cNvSpPr>
-            <a:spLocks noGrp="1"/>
-          </p:cNvSpPr>
-          <p:nvPr>
-            <p:ph type="sldNum" sz="quarter" idx="5"/>
-          </p:nvPr>
-        </p:nvSpPr>
-        <p:spPr/>
-        <p:txBody>
-          <a:bodyPr/>
-          <a:lstStyle/>
-          <a:p>
-            <a:pPr>
-              <a:defRPr/>
-            </a:pPr>
-            <a:fld id="{FB4ABEFE-E9C9-4327-B9CD-DA178A9DD711}" type="slidenum">
-              <a:rPr lang="en-GB" smtClean="0"/>
-              <a:pPr>
-                <a:defRPr/>
-              </a:pPr>
+            <a:fld id="{45B667DC-6F9A-49B3-A8A3-1AF3CCE0D4AA}" type="slidenum">
+              <a:rPr lang="en-GB"/>
+              <a:pPr/>
               <a:t>45</a:t>
             </a:fld>
             <a:endParaRPr lang="en-GB"/>
           </a:p>
         </p:txBody>
       </p:sp>
+      <p:sp>
+        <p:nvSpPr>
+          <p:cNvPr id="32771" name="Rectangle 2"/>
+          <p:cNvSpPr>
+            <a:spLocks noGrp="1" noRot="1" noChangeAspect="1" noChangeArrowheads="1" noTextEdit="1"/>
+          </p:cNvSpPr>
+          <p:nvPr>
+            <p:ph type="sldImg"/>
+          </p:nvPr>
+        </p:nvSpPr>
+        <p:spPr>
+          <a:xfrm>
+            <a:off x="931863" y="741363"/>
+            <a:ext cx="4935537" cy="3702050"/>
+          </a:xfrm>
+          <a:ln/>
+        </p:spPr>
+      </p:sp>
+      <p:sp>
+        <p:nvSpPr>
+          <p:cNvPr id="32772" name="Rectangle 3"/>
+          <p:cNvSpPr>
+            <a:spLocks noGrp="1" noChangeArrowheads="1"/>
+          </p:cNvSpPr>
+          <p:nvPr>
+            <p:ph type="body" idx="1"/>
+          </p:nvPr>
+        </p:nvSpPr>
+        <p:spPr>
+          <a:xfrm>
+            <a:off x="906463" y="4691063"/>
+            <a:ext cx="4984750" cy="4443412"/>
+          </a:xfrm>
+          <a:noFill/>
+          <a:ln/>
+        </p:spPr>
+        <p:txBody>
+          <a:bodyPr/>
+          <a:lstStyle/>
+          <a:p>
+            <a:pPr eaLnBrk="1" hangingPunct="1"/>
+            <a:endParaRPr lang="en-US"/>
+          </a:p>
+        </p:txBody>
+      </p:sp>
     </p:spTree>
     <p:extLst>
       <p:ext uri="{BB962C8B-B14F-4D97-AF65-F5344CB8AC3E}">
-        <p14:creationId xmlns:p14="http://schemas.microsoft.com/office/powerpoint/2010/main" val="289173392"/>
+        <p14:creationId xmlns:p14="http://schemas.microsoft.com/office/powerpoint/2010/main" val="3510970879"/>
       </p:ext>
     </p:extLst>
   </p:cSld>
@@ -3655,79 +3642,68 @@
       </p:grpSpPr>
       <p:sp>
         <p:nvSpPr>
-          <p:cNvPr id="32770" name="Rectangle 7"/>
-          <p:cNvSpPr>
-            <a:spLocks noGrp="1" noChangeArrowheads="1"/>
+          <p:cNvPr id="2" name="Slide Image Placeholder 1"/>
+          <p:cNvSpPr>
+            <a:spLocks noGrp="1" noRot="1" noChangeAspect="1"/>
+          </p:cNvSpPr>
+          <p:nvPr>
+            <p:ph type="sldImg"/>
+          </p:nvPr>
+        </p:nvSpPr>
+        <p:spPr/>
+      </p:sp>
+      <p:sp>
+        <p:nvSpPr>
+          <p:cNvPr id="3" name="Notes Placeholder 2"/>
+          <p:cNvSpPr>
+            <a:spLocks noGrp="1"/>
+          </p:cNvSpPr>
+          <p:nvPr>
+            <p:ph type="body" idx="1"/>
+          </p:nvPr>
+        </p:nvSpPr>
+        <p:spPr/>
+        <p:txBody>
+          <a:bodyPr/>
+          <a:lstStyle/>
+          <a:p>
+            <a:endParaRPr lang="en-GB" dirty="0"/>
+          </a:p>
+        </p:txBody>
+      </p:sp>
+      <p:sp>
+        <p:nvSpPr>
+          <p:cNvPr id="4" name="Slide Number Placeholder 3"/>
+          <p:cNvSpPr>
+            <a:spLocks noGrp="1"/>
           </p:cNvSpPr>
           <p:nvPr>
             <p:ph type="sldNum" sz="quarter" idx="5"/>
           </p:nvPr>
         </p:nvSpPr>
-        <p:spPr>
-          <a:noFill/>
-        </p:spPr>
+        <p:spPr/>
         <p:txBody>
           <a:bodyPr/>
           <a:lstStyle/>
           <a:p>
-            <a:fld id="{45B667DC-6F9A-49B3-A8A3-1AF3CCE0D4AA}" type="slidenum">
-              <a:rPr lang="en-GB"/>
-              <a:pPr/>
+            <a:pPr>
+              <a:defRPr/>
+            </a:pPr>
+            <a:fld id="{FB4ABEFE-E9C9-4327-B9CD-DA178A9DD711}" type="slidenum">
+              <a:rPr lang="en-GB" smtClean="0"/>
+              <a:pPr>
+                <a:defRPr/>
+              </a:pPr>
               <a:t>46</a:t>
             </a:fld>
             <a:endParaRPr lang="en-GB"/>
           </a:p>
         </p:txBody>
       </p:sp>
-      <p:sp>
-        <p:nvSpPr>
-          <p:cNvPr id="32771" name="Rectangle 2"/>
-          <p:cNvSpPr>
-            <a:spLocks noGrp="1" noRot="1" noChangeAspect="1" noChangeArrowheads="1" noTextEdit="1"/>
-          </p:cNvSpPr>
-          <p:nvPr>
-            <p:ph type="sldImg"/>
-          </p:nvPr>
-        </p:nvSpPr>
-        <p:spPr>
-          <a:xfrm>
-            <a:off x="931863" y="741363"/>
-            <a:ext cx="4935537" cy="3702050"/>
-          </a:xfrm>
-          <a:ln/>
-        </p:spPr>
-      </p:sp>
-      <p:sp>
-        <p:nvSpPr>
-          <p:cNvPr id="32772" name="Rectangle 3"/>
-          <p:cNvSpPr>
-            <a:spLocks noGrp="1" noChangeArrowheads="1"/>
-          </p:cNvSpPr>
-          <p:nvPr>
-            <p:ph type="body" idx="1"/>
-          </p:nvPr>
-        </p:nvSpPr>
-        <p:spPr>
-          <a:xfrm>
-            <a:off x="906463" y="4691063"/>
-            <a:ext cx="4984750" cy="4443412"/>
-          </a:xfrm>
-          <a:noFill/>
-          <a:ln/>
-        </p:spPr>
-        <p:txBody>
-          <a:bodyPr/>
-          <a:lstStyle/>
-          <a:p>
-            <a:pPr eaLnBrk="1" hangingPunct="1"/>
-            <a:endParaRPr lang="en-US"/>
-          </a:p>
-        </p:txBody>
-      </p:sp>
     </p:spTree>
     <p:extLst>
       <p:ext uri="{BB962C8B-B14F-4D97-AF65-F5344CB8AC3E}">
-        <p14:creationId xmlns:p14="http://schemas.microsoft.com/office/powerpoint/2010/main" val="1213850638"/>
+        <p14:creationId xmlns:p14="http://schemas.microsoft.com/office/powerpoint/2010/main" val="3468764170"/>
       </p:ext>
     </p:extLst>
   </p:cSld>
@@ -3828,7 +3804,7 @@
     </p:spTree>
     <p:extLst>
       <p:ext uri="{BB962C8B-B14F-4D97-AF65-F5344CB8AC3E}">
-        <p14:creationId xmlns:p14="http://schemas.microsoft.com/office/powerpoint/2010/main" val="3069160629"/>
+        <p14:creationId xmlns:p14="http://schemas.microsoft.com/office/powerpoint/2010/main" val="3181381280"/>
       </p:ext>
     </p:extLst>
   </p:cSld>
@@ -3875,7 +3851,7 @@
             <a:fld id="{45B667DC-6F9A-49B3-A8A3-1AF3CCE0D4AA}" type="slidenum">
               <a:rPr lang="en-GB"/>
               <a:pPr/>
-              <a:t>48</a:t>
+              <a:t>49</a:t>
             </a:fld>
             <a:endParaRPr lang="en-GB"/>
           </a:p>
@@ -3929,7 +3905,198 @@
     </p:spTree>
     <p:extLst>
       <p:ext uri="{BB962C8B-B14F-4D97-AF65-F5344CB8AC3E}">
-        <p14:creationId xmlns:p14="http://schemas.microsoft.com/office/powerpoint/2010/main" val="3988854935"/>
+        <p14:creationId xmlns:p14="http://schemas.microsoft.com/office/powerpoint/2010/main" val="2075829526"/>
+      </p:ext>
+    </p:extLst>
+  </p:cSld>
+  <p:clrMapOvr>
+    <a:masterClrMapping/>
+  </p:clrMapOvr>
+</p:notes>
+</file>
+
+<file path=ppt/notesSlides/notesSlide38.xml><?xml version="1.0" encoding="utf-8"?>
+<p:notes xmlns:a="http://schemas.openxmlformats.org/drawingml/2006/main" xmlns:r="http://schemas.openxmlformats.org/officeDocument/2006/relationships" xmlns:p="http://schemas.openxmlformats.org/presentationml/2006/main">
+  <p:cSld>
+    <p:spTree>
+      <p:nvGrpSpPr>
+        <p:cNvPr id="1" name=""/>
+        <p:cNvGrpSpPr/>
+        <p:nvPr/>
+      </p:nvGrpSpPr>
+      <p:grpSpPr>
+        <a:xfrm>
+          <a:off x="0" y="0"/>
+          <a:ext cx="0" cy="0"/>
+          <a:chOff x="0" y="0"/>
+          <a:chExt cx="0" cy="0"/>
+        </a:xfrm>
+      </p:grpSpPr>
+      <p:sp>
+        <p:nvSpPr>
+          <p:cNvPr id="2" name="Slide Image Placeholder 1"/>
+          <p:cNvSpPr>
+            <a:spLocks noGrp="1" noRot="1" noChangeAspect="1"/>
+          </p:cNvSpPr>
+          <p:nvPr>
+            <p:ph type="sldImg"/>
+          </p:nvPr>
+        </p:nvSpPr>
+        <p:spPr/>
+      </p:sp>
+      <p:sp>
+        <p:nvSpPr>
+          <p:cNvPr id="3" name="Notes Placeholder 2"/>
+          <p:cNvSpPr>
+            <a:spLocks noGrp="1"/>
+          </p:cNvSpPr>
+          <p:nvPr>
+            <p:ph type="body" idx="1"/>
+          </p:nvPr>
+        </p:nvSpPr>
+        <p:spPr/>
+        <p:txBody>
+          <a:bodyPr/>
+          <a:lstStyle/>
+          <a:p>
+            <a:endParaRPr lang="en-GB" dirty="0"/>
+          </a:p>
+        </p:txBody>
+      </p:sp>
+      <p:sp>
+        <p:nvSpPr>
+          <p:cNvPr id="4" name="Slide Number Placeholder 3"/>
+          <p:cNvSpPr>
+            <a:spLocks noGrp="1"/>
+          </p:cNvSpPr>
+          <p:nvPr>
+            <p:ph type="sldNum" sz="quarter" idx="5"/>
+          </p:nvPr>
+        </p:nvSpPr>
+        <p:spPr/>
+        <p:txBody>
+          <a:bodyPr/>
+          <a:lstStyle/>
+          <a:p>
+            <a:pPr>
+              <a:defRPr/>
+            </a:pPr>
+            <a:fld id="{FB4ABEFE-E9C9-4327-B9CD-DA178A9DD711}" type="slidenum">
+              <a:rPr lang="en-GB" smtClean="0"/>
+              <a:pPr>
+                <a:defRPr/>
+              </a:pPr>
+              <a:t>50</a:t>
+            </a:fld>
+            <a:endParaRPr lang="en-GB"/>
+          </a:p>
+        </p:txBody>
+      </p:sp>
+    </p:spTree>
+    <p:extLst>
+      <p:ext uri="{BB962C8B-B14F-4D97-AF65-F5344CB8AC3E}">
+        <p14:creationId xmlns:p14="http://schemas.microsoft.com/office/powerpoint/2010/main" val="289173392"/>
+      </p:ext>
+    </p:extLst>
+  </p:cSld>
+  <p:clrMapOvr>
+    <a:masterClrMapping/>
+  </p:clrMapOvr>
+</p:notes>
+</file>
+
+<file path=ppt/notesSlides/notesSlide39.xml><?xml version="1.0" encoding="utf-8"?>
+<p:notes xmlns:a="http://schemas.openxmlformats.org/drawingml/2006/main" xmlns:r="http://schemas.openxmlformats.org/officeDocument/2006/relationships" xmlns:p="http://schemas.openxmlformats.org/presentationml/2006/main">
+  <p:cSld>
+    <p:spTree>
+      <p:nvGrpSpPr>
+        <p:cNvPr id="1" name=""/>
+        <p:cNvGrpSpPr/>
+        <p:nvPr/>
+      </p:nvGrpSpPr>
+      <p:grpSpPr>
+        <a:xfrm>
+          <a:off x="0" y="0"/>
+          <a:ext cx="0" cy="0"/>
+          <a:chOff x="0" y="0"/>
+          <a:chExt cx="0" cy="0"/>
+        </a:xfrm>
+      </p:grpSpPr>
+      <p:sp>
+        <p:nvSpPr>
+          <p:cNvPr id="32770" name="Rectangle 7"/>
+          <p:cNvSpPr>
+            <a:spLocks noGrp="1" noChangeArrowheads="1"/>
+          </p:cNvSpPr>
+          <p:nvPr>
+            <p:ph type="sldNum" sz="quarter" idx="5"/>
+          </p:nvPr>
+        </p:nvSpPr>
+        <p:spPr>
+          <a:noFill/>
+        </p:spPr>
+        <p:txBody>
+          <a:bodyPr/>
+          <a:lstStyle/>
+          <a:p>
+            <a:fld id="{45B667DC-6F9A-49B3-A8A3-1AF3CCE0D4AA}" type="slidenum">
+              <a:rPr lang="en-GB"/>
+              <a:pPr/>
+              <a:t>51</a:t>
+            </a:fld>
+            <a:endParaRPr lang="en-GB"/>
+          </a:p>
+        </p:txBody>
+      </p:sp>
+      <p:sp>
+        <p:nvSpPr>
+          <p:cNvPr id="32771" name="Rectangle 2"/>
+          <p:cNvSpPr>
+            <a:spLocks noGrp="1" noRot="1" noChangeAspect="1" noChangeArrowheads="1" noTextEdit="1"/>
+          </p:cNvSpPr>
+          <p:nvPr>
+            <p:ph type="sldImg"/>
+          </p:nvPr>
+        </p:nvSpPr>
+        <p:spPr>
+          <a:xfrm>
+            <a:off x="931863" y="741363"/>
+            <a:ext cx="4935537" cy="3702050"/>
+          </a:xfrm>
+          <a:ln/>
+        </p:spPr>
+      </p:sp>
+      <p:sp>
+        <p:nvSpPr>
+          <p:cNvPr id="32772" name="Rectangle 3"/>
+          <p:cNvSpPr>
+            <a:spLocks noGrp="1" noChangeArrowheads="1"/>
+          </p:cNvSpPr>
+          <p:nvPr>
+            <p:ph type="body" idx="1"/>
+          </p:nvPr>
+        </p:nvSpPr>
+        <p:spPr>
+          <a:xfrm>
+            <a:off x="906463" y="4691063"/>
+            <a:ext cx="4984750" cy="4443412"/>
+          </a:xfrm>
+          <a:noFill/>
+          <a:ln/>
+        </p:spPr>
+        <p:txBody>
+          <a:bodyPr/>
+          <a:lstStyle/>
+          <a:p>
+            <a:pPr eaLnBrk="1" hangingPunct="1"/>
+            <a:endParaRPr lang="en-US"/>
+          </a:p>
+        </p:txBody>
+      </p:sp>
+    </p:spTree>
+    <p:extLst>
+      <p:ext uri="{BB962C8B-B14F-4D97-AF65-F5344CB8AC3E}">
+        <p14:creationId xmlns:p14="http://schemas.microsoft.com/office/powerpoint/2010/main" val="1213850638"/>
       </p:ext>
     </p:extLst>
   </p:cSld>
@@ -3976,7 +4143,7 @@
             <a:fld id="{6887CDCE-5188-4824-BF84-115D2A12DEFF}" type="slidenum">
               <a:rPr lang="en-GB"/>
               <a:pPr/>
-              <a:t>6</a:t>
+              <a:t>5</a:t>
             </a:fld>
             <a:endParaRPr lang="en-GB"/>
           </a:p>
@@ -4030,7 +4197,209 @@
     </p:spTree>
     <p:extLst>
       <p:ext uri="{BB962C8B-B14F-4D97-AF65-F5344CB8AC3E}">
-        <p14:creationId xmlns:p14="http://schemas.microsoft.com/office/powerpoint/2010/main" val="1365955560"/>
+        <p14:creationId xmlns:p14="http://schemas.microsoft.com/office/powerpoint/2010/main" val="3067444116"/>
+      </p:ext>
+    </p:extLst>
+  </p:cSld>
+  <p:clrMapOvr>
+    <a:masterClrMapping/>
+  </p:clrMapOvr>
+</p:notes>
+</file>
+
+<file path=ppt/notesSlides/notesSlide40.xml><?xml version="1.0" encoding="utf-8"?>
+<p:notes xmlns:a="http://schemas.openxmlformats.org/drawingml/2006/main" xmlns:r="http://schemas.openxmlformats.org/officeDocument/2006/relationships" xmlns:p="http://schemas.openxmlformats.org/presentationml/2006/main">
+  <p:cSld>
+    <p:spTree>
+      <p:nvGrpSpPr>
+        <p:cNvPr id="1" name=""/>
+        <p:cNvGrpSpPr/>
+        <p:nvPr/>
+      </p:nvGrpSpPr>
+      <p:grpSpPr>
+        <a:xfrm>
+          <a:off x="0" y="0"/>
+          <a:ext cx="0" cy="0"/>
+          <a:chOff x="0" y="0"/>
+          <a:chExt cx="0" cy="0"/>
+        </a:xfrm>
+      </p:grpSpPr>
+      <p:sp>
+        <p:nvSpPr>
+          <p:cNvPr id="32770" name="Rectangle 7"/>
+          <p:cNvSpPr>
+            <a:spLocks noGrp="1" noChangeArrowheads="1"/>
+          </p:cNvSpPr>
+          <p:nvPr>
+            <p:ph type="sldNum" sz="quarter" idx="5"/>
+          </p:nvPr>
+        </p:nvSpPr>
+        <p:spPr>
+          <a:noFill/>
+        </p:spPr>
+        <p:txBody>
+          <a:bodyPr/>
+          <a:lstStyle/>
+          <a:p>
+            <a:fld id="{45B667DC-6F9A-49B3-A8A3-1AF3CCE0D4AA}" type="slidenum">
+              <a:rPr lang="en-GB"/>
+              <a:pPr/>
+              <a:t>52</a:t>
+            </a:fld>
+            <a:endParaRPr lang="en-GB"/>
+          </a:p>
+        </p:txBody>
+      </p:sp>
+      <p:sp>
+        <p:nvSpPr>
+          <p:cNvPr id="32771" name="Rectangle 2"/>
+          <p:cNvSpPr>
+            <a:spLocks noGrp="1" noRot="1" noChangeAspect="1" noChangeArrowheads="1" noTextEdit="1"/>
+          </p:cNvSpPr>
+          <p:nvPr>
+            <p:ph type="sldImg"/>
+          </p:nvPr>
+        </p:nvSpPr>
+        <p:spPr>
+          <a:xfrm>
+            <a:off x="931863" y="741363"/>
+            <a:ext cx="4935537" cy="3702050"/>
+          </a:xfrm>
+          <a:ln/>
+        </p:spPr>
+      </p:sp>
+      <p:sp>
+        <p:nvSpPr>
+          <p:cNvPr id="32772" name="Rectangle 3"/>
+          <p:cNvSpPr>
+            <a:spLocks noGrp="1" noChangeArrowheads="1"/>
+          </p:cNvSpPr>
+          <p:nvPr>
+            <p:ph type="body" idx="1"/>
+          </p:nvPr>
+        </p:nvSpPr>
+        <p:spPr>
+          <a:xfrm>
+            <a:off x="906463" y="4691063"/>
+            <a:ext cx="4984750" cy="4443412"/>
+          </a:xfrm>
+          <a:noFill/>
+          <a:ln/>
+        </p:spPr>
+        <p:txBody>
+          <a:bodyPr/>
+          <a:lstStyle/>
+          <a:p>
+            <a:pPr eaLnBrk="1" hangingPunct="1"/>
+            <a:endParaRPr lang="en-US"/>
+          </a:p>
+        </p:txBody>
+      </p:sp>
+    </p:spTree>
+    <p:extLst>
+      <p:ext uri="{BB962C8B-B14F-4D97-AF65-F5344CB8AC3E}">
+        <p14:creationId xmlns:p14="http://schemas.microsoft.com/office/powerpoint/2010/main" val="3069160629"/>
+      </p:ext>
+    </p:extLst>
+  </p:cSld>
+  <p:clrMapOvr>
+    <a:masterClrMapping/>
+  </p:clrMapOvr>
+</p:notes>
+</file>
+
+<file path=ppt/notesSlides/notesSlide41.xml><?xml version="1.0" encoding="utf-8"?>
+<p:notes xmlns:a="http://schemas.openxmlformats.org/drawingml/2006/main" xmlns:r="http://schemas.openxmlformats.org/officeDocument/2006/relationships" xmlns:p="http://schemas.openxmlformats.org/presentationml/2006/main">
+  <p:cSld>
+    <p:spTree>
+      <p:nvGrpSpPr>
+        <p:cNvPr id="1" name=""/>
+        <p:cNvGrpSpPr/>
+        <p:nvPr/>
+      </p:nvGrpSpPr>
+      <p:grpSpPr>
+        <a:xfrm>
+          <a:off x="0" y="0"/>
+          <a:ext cx="0" cy="0"/>
+          <a:chOff x="0" y="0"/>
+          <a:chExt cx="0" cy="0"/>
+        </a:xfrm>
+      </p:grpSpPr>
+      <p:sp>
+        <p:nvSpPr>
+          <p:cNvPr id="32770" name="Rectangle 7"/>
+          <p:cNvSpPr>
+            <a:spLocks noGrp="1" noChangeArrowheads="1"/>
+          </p:cNvSpPr>
+          <p:nvPr>
+            <p:ph type="sldNum" sz="quarter" idx="5"/>
+          </p:nvPr>
+        </p:nvSpPr>
+        <p:spPr>
+          <a:noFill/>
+        </p:spPr>
+        <p:txBody>
+          <a:bodyPr/>
+          <a:lstStyle/>
+          <a:p>
+            <a:fld id="{45B667DC-6F9A-49B3-A8A3-1AF3CCE0D4AA}" type="slidenum">
+              <a:rPr lang="en-GB"/>
+              <a:pPr/>
+              <a:t>53</a:t>
+            </a:fld>
+            <a:endParaRPr lang="en-GB"/>
+          </a:p>
+        </p:txBody>
+      </p:sp>
+      <p:sp>
+        <p:nvSpPr>
+          <p:cNvPr id="32771" name="Rectangle 2"/>
+          <p:cNvSpPr>
+            <a:spLocks noGrp="1" noRot="1" noChangeAspect="1" noChangeArrowheads="1" noTextEdit="1"/>
+          </p:cNvSpPr>
+          <p:nvPr>
+            <p:ph type="sldImg"/>
+          </p:nvPr>
+        </p:nvSpPr>
+        <p:spPr>
+          <a:xfrm>
+            <a:off x="931863" y="741363"/>
+            <a:ext cx="4935537" cy="3702050"/>
+          </a:xfrm>
+          <a:ln/>
+        </p:spPr>
+      </p:sp>
+      <p:sp>
+        <p:nvSpPr>
+          <p:cNvPr id="32772" name="Rectangle 3"/>
+          <p:cNvSpPr>
+            <a:spLocks noGrp="1" noChangeArrowheads="1"/>
+          </p:cNvSpPr>
+          <p:nvPr>
+            <p:ph type="body" idx="1"/>
+          </p:nvPr>
+        </p:nvSpPr>
+        <p:spPr>
+          <a:xfrm>
+            <a:off x="906463" y="4691063"/>
+            <a:ext cx="4984750" cy="4443412"/>
+          </a:xfrm>
+          <a:noFill/>
+          <a:ln/>
+        </p:spPr>
+        <p:txBody>
+          <a:bodyPr/>
+          <a:lstStyle/>
+          <a:p>
+            <a:pPr eaLnBrk="1" hangingPunct="1"/>
+            <a:endParaRPr lang="en-US"/>
+          </a:p>
+        </p:txBody>
+      </p:sp>
+    </p:spTree>
+    <p:extLst>
+      <p:ext uri="{BB962C8B-B14F-4D97-AF65-F5344CB8AC3E}">
+        <p14:creationId xmlns:p14="http://schemas.microsoft.com/office/powerpoint/2010/main" val="3988854935"/>
       </p:ext>
     </p:extLst>
   </p:cSld>
@@ -4059,7 +4428,7 @@
       </p:grpSpPr>
       <p:sp>
         <p:nvSpPr>
-          <p:cNvPr id="32770" name="Rectangle 7"/>
+          <p:cNvPr id="31746" name="Rectangle 7"/>
           <p:cNvSpPr>
             <a:spLocks noGrp="1" noChangeArrowheads="1"/>
           </p:cNvSpPr>
@@ -4074,7 +4443,7 @@
           <a:bodyPr/>
           <a:lstStyle/>
           <a:p>
-            <a:fld id="{45B667DC-6F9A-49B3-A8A3-1AF3CCE0D4AA}" type="slidenum">
+            <a:fld id="{6887CDCE-5188-4824-BF84-115D2A12DEFF}" type="slidenum">
               <a:rPr lang="en-GB"/>
               <a:pPr/>
               <a:t>7</a:t>
@@ -4085,7 +4454,7 @@
       </p:sp>
       <p:sp>
         <p:nvSpPr>
-          <p:cNvPr id="32771" name="Rectangle 2"/>
+          <p:cNvPr id="31747" name="Rectangle 2"/>
           <p:cNvSpPr>
             <a:spLocks noGrp="1" noRot="1" noChangeAspect="1" noChangeArrowheads="1" noTextEdit="1"/>
           </p:cNvSpPr>
@@ -4103,7 +4472,7 @@
       </p:sp>
       <p:sp>
         <p:nvSpPr>
-          <p:cNvPr id="32772" name="Rectangle 3"/>
+          <p:cNvPr id="31748" name="Rectangle 3"/>
           <p:cNvSpPr>
             <a:spLocks noGrp="1" noChangeArrowheads="1"/>
           </p:cNvSpPr>
@@ -4113,8 +4482,8 @@
         </p:nvSpPr>
         <p:spPr>
           <a:xfrm>
-            <a:off x="906463" y="4691063"/>
-            <a:ext cx="4984750" cy="4443412"/>
+            <a:off x="679450" y="4691063"/>
+            <a:ext cx="5438775" cy="4443412"/>
           </a:xfrm>
           <a:noFill/>
           <a:ln/>
@@ -4131,7 +4500,7 @@
     </p:spTree>
     <p:extLst>
       <p:ext uri="{BB962C8B-B14F-4D97-AF65-F5344CB8AC3E}">
-        <p14:creationId xmlns:p14="http://schemas.microsoft.com/office/powerpoint/2010/main" val="875366529"/>
+        <p14:creationId xmlns:p14="http://schemas.microsoft.com/office/powerpoint/2010/main" val="1365955560"/>
       </p:ext>
     </p:extLst>
   </p:cSld>
@@ -4160,7 +4529,7 @@
       </p:grpSpPr>
       <p:sp>
         <p:nvSpPr>
-          <p:cNvPr id="33794" name="Rectangle 7"/>
+          <p:cNvPr id="25602" name="Rectangle 7"/>
           <p:cNvSpPr>
             <a:spLocks noGrp="1" noChangeArrowheads="1"/>
           </p:cNvSpPr>
@@ -4175,10 +4544,10 @@
           <a:bodyPr/>
           <a:lstStyle/>
           <a:p>
-            <a:fld id="{6DCF9E58-4C92-4C71-BF02-669DAFB73847}" type="slidenum">
+            <a:fld id="{AAE8AFE3-17D1-45EA-BE56-0864919F65F7}" type="slidenum">
               <a:rPr lang="en-GB"/>
               <a:pPr/>
-              <a:t>8</a:t>
+              <a:t>9</a:t>
             </a:fld>
             <a:endParaRPr lang="en-GB"/>
           </a:p>
@@ -4186,7 +4555,7 @@
       </p:sp>
       <p:sp>
         <p:nvSpPr>
-          <p:cNvPr id="33795" name="Rectangle 2"/>
+          <p:cNvPr id="25603" name="Rectangle 2"/>
           <p:cNvSpPr>
             <a:spLocks noGrp="1" noRot="1" noChangeAspect="1" noChangeArrowheads="1" noTextEdit="1"/>
           </p:cNvSpPr>
@@ -4200,7 +4569,7 @@
       </p:sp>
       <p:sp>
         <p:nvSpPr>
-          <p:cNvPr id="33796" name="Rectangle 3"/>
+          <p:cNvPr id="25604" name="Rectangle 3"/>
           <p:cNvSpPr>
             <a:spLocks noGrp="1" noChangeArrowheads="1"/>
           </p:cNvSpPr>
@@ -4224,7 +4593,7 @@
     </p:spTree>
     <p:extLst>
       <p:ext uri="{BB962C8B-B14F-4D97-AF65-F5344CB8AC3E}">
-        <p14:creationId xmlns:p14="http://schemas.microsoft.com/office/powerpoint/2010/main" val="3779626369"/>
+        <p14:creationId xmlns:p14="http://schemas.microsoft.com/office/powerpoint/2010/main" val="1311115449"/>
       </p:ext>
     </p:extLst>
   </p:cSld>
@@ -4253,7 +4622,7 @@
       </p:grpSpPr>
       <p:sp>
         <p:nvSpPr>
-          <p:cNvPr id="34818" name="Rectangle 7"/>
+          <p:cNvPr id="33794" name="Rectangle 7"/>
           <p:cNvSpPr>
             <a:spLocks noGrp="1" noChangeArrowheads="1"/>
           </p:cNvSpPr>
@@ -4268,10 +4637,10 @@
           <a:bodyPr/>
           <a:lstStyle/>
           <a:p>
-            <a:fld id="{39E3D088-B433-4458-BFB3-90445CCC1FCB}" type="slidenum">
+            <a:fld id="{6DCF9E58-4C92-4C71-BF02-669DAFB73847}" type="slidenum">
               <a:rPr lang="en-GB"/>
               <a:pPr/>
-              <a:t>9</a:t>
+              <a:t>10</a:t>
             </a:fld>
             <a:endParaRPr lang="en-GB"/>
           </a:p>
@@ -4279,7 +4648,7 @@
       </p:sp>
       <p:sp>
         <p:nvSpPr>
-          <p:cNvPr id="34819" name="Rectangle 2"/>
+          <p:cNvPr id="33795" name="Rectangle 2"/>
           <p:cNvSpPr>
             <a:spLocks noGrp="1" noRot="1" noChangeAspect="1" noChangeArrowheads="1" noTextEdit="1"/>
           </p:cNvSpPr>
@@ -4293,7 +4662,7 @@
       </p:sp>
       <p:sp>
         <p:nvSpPr>
-          <p:cNvPr id="34820" name="Rectangle 3"/>
+          <p:cNvPr id="33796" name="Rectangle 3"/>
           <p:cNvSpPr>
             <a:spLocks noGrp="1" noChangeArrowheads="1"/>
           </p:cNvSpPr>
@@ -4317,7 +4686,7 @@
     </p:spTree>
     <p:extLst>
       <p:ext uri="{BB962C8B-B14F-4D97-AF65-F5344CB8AC3E}">
-        <p14:creationId xmlns:p14="http://schemas.microsoft.com/office/powerpoint/2010/main" val="1423985053"/>
+        <p14:creationId xmlns:p14="http://schemas.microsoft.com/office/powerpoint/2010/main" val="3779626369"/>
       </p:ext>
     </p:extLst>
   </p:cSld>
@@ -4346,7 +4715,7 @@
       </p:grpSpPr>
       <p:sp>
         <p:nvSpPr>
-          <p:cNvPr id="35842" name="Rectangle 7"/>
+          <p:cNvPr id="34818" name="Rectangle 7"/>
           <p:cNvSpPr>
             <a:spLocks noGrp="1" noChangeArrowheads="1"/>
           </p:cNvSpPr>
@@ -4361,10 +4730,10 @@
           <a:bodyPr/>
           <a:lstStyle/>
           <a:p>
-            <a:fld id="{8AA701DD-D37C-4418-93C2-BD931A0237D4}" type="slidenum">
+            <a:fld id="{39E3D088-B433-4458-BFB3-90445CCC1FCB}" type="slidenum">
               <a:rPr lang="en-GB"/>
               <a:pPr/>
-              <a:t>10</a:t>
+              <a:t>11</a:t>
             </a:fld>
             <a:endParaRPr lang="en-GB"/>
           </a:p>
@@ -4372,7 +4741,7 @@
       </p:sp>
       <p:sp>
         <p:nvSpPr>
-          <p:cNvPr id="35843" name="Rectangle 2"/>
+          <p:cNvPr id="34819" name="Rectangle 2"/>
           <p:cNvSpPr>
             <a:spLocks noGrp="1" noRot="1" noChangeAspect="1" noChangeArrowheads="1" noTextEdit="1"/>
           </p:cNvSpPr>
@@ -4386,7 +4755,7 @@
       </p:sp>
       <p:sp>
         <p:nvSpPr>
-          <p:cNvPr id="35844" name="Rectangle 3"/>
+          <p:cNvPr id="34820" name="Rectangle 3"/>
           <p:cNvSpPr>
             <a:spLocks noGrp="1" noChangeArrowheads="1"/>
           </p:cNvSpPr>
@@ -4410,7 +4779,7 @@
     </p:spTree>
     <p:extLst>
       <p:ext uri="{BB962C8B-B14F-4D97-AF65-F5344CB8AC3E}">
-        <p14:creationId xmlns:p14="http://schemas.microsoft.com/office/powerpoint/2010/main" val="3954347355"/>
+        <p14:creationId xmlns:p14="http://schemas.microsoft.com/office/powerpoint/2010/main" val="1423985053"/>
       </p:ext>
     </p:extLst>
   </p:cSld>
@@ -4439,7 +4808,7 @@
       </p:grpSpPr>
       <p:sp>
         <p:nvSpPr>
-          <p:cNvPr id="36866" name="Rectangle 7"/>
+          <p:cNvPr id="35842" name="Rectangle 7"/>
           <p:cNvSpPr>
             <a:spLocks noGrp="1" noChangeArrowheads="1"/>
           </p:cNvSpPr>
@@ -4454,10 +4823,10 @@
           <a:bodyPr/>
           <a:lstStyle/>
           <a:p>
-            <a:fld id="{9A02CFDF-E5BC-49E4-BED3-29502E4C2E5C}" type="slidenum">
+            <a:fld id="{8AA701DD-D37C-4418-93C2-BD931A0237D4}" type="slidenum">
               <a:rPr lang="en-GB"/>
               <a:pPr/>
-              <a:t>11</a:t>
+              <a:t>12</a:t>
             </a:fld>
             <a:endParaRPr lang="en-GB"/>
           </a:p>
@@ -4465,7 +4834,7 @@
       </p:sp>
       <p:sp>
         <p:nvSpPr>
-          <p:cNvPr id="36867" name="Rectangle 2"/>
+          <p:cNvPr id="35843" name="Rectangle 2"/>
           <p:cNvSpPr>
             <a:spLocks noGrp="1" noRot="1" noChangeAspect="1" noChangeArrowheads="1" noTextEdit="1"/>
           </p:cNvSpPr>
@@ -4479,7 +4848,7 @@
       </p:sp>
       <p:sp>
         <p:nvSpPr>
-          <p:cNvPr id="36868" name="Rectangle 3"/>
+          <p:cNvPr id="35844" name="Rectangle 3"/>
           <p:cNvSpPr>
             <a:spLocks noGrp="1" noChangeArrowheads="1"/>
           </p:cNvSpPr>
@@ -4503,7 +4872,7 @@
     </p:spTree>
     <p:extLst>
       <p:ext uri="{BB962C8B-B14F-4D97-AF65-F5344CB8AC3E}">
-        <p14:creationId xmlns:p14="http://schemas.microsoft.com/office/powerpoint/2010/main" val="3414806279"/>
+        <p14:creationId xmlns:p14="http://schemas.microsoft.com/office/powerpoint/2010/main" val="3954347355"/>
       </p:ext>
     </p:extLst>
   </p:cSld>
@@ -7825,7 +8194,7 @@
               <a:rPr lang="de-DE" sz="2800" dirty="0">
                 <a:latin typeface="Candara" panose="020E0502030303020204" pitchFamily="34" charset="0"/>
               </a:rPr>
-              <a:t>Distribution of impacts</a:t>
+              <a:t>Recap of distribution of impacts</a:t>
             </a:r>
           </a:p>
           <a:p>
@@ -7876,6 +8245,229 @@
 </file>
 
 <file path=ppt/slides/slide10.xml><?xml version="1.0" encoding="utf-8"?>
+<p:sld xmlns:a="http://schemas.openxmlformats.org/drawingml/2006/main" xmlns:r="http://schemas.openxmlformats.org/officeDocument/2006/relationships" xmlns:p="http://schemas.openxmlformats.org/presentationml/2006/main" showMasterPhAnim="0">
+  <p:cSld>
+    <p:spTree>
+      <p:nvGrpSpPr>
+        <p:cNvPr id="1" name=""/>
+        <p:cNvGrpSpPr/>
+        <p:nvPr/>
+      </p:nvGrpSpPr>
+      <p:grpSpPr>
+        <a:xfrm>
+          <a:off x="0" y="0"/>
+          <a:ext cx="0" cy="0"/>
+          <a:chOff x="0" y="0"/>
+          <a:chExt cx="0" cy="0"/>
+        </a:xfrm>
+      </p:grpSpPr>
+      <p:sp>
+        <p:nvSpPr>
+          <p:cNvPr id="15362" name="Rectangle 2"/>
+          <p:cNvSpPr>
+            <a:spLocks noGrp="1" noChangeArrowheads="1"/>
+          </p:cNvSpPr>
+          <p:nvPr>
+            <p:ph type="title"/>
+          </p:nvPr>
+        </p:nvSpPr>
+        <p:spPr>
+          <a:xfrm>
+            <a:off x="762000" y="0"/>
+            <a:ext cx="7772400" cy="1143000"/>
+          </a:xfrm>
+        </p:spPr>
+        <p:txBody>
+          <a:bodyPr/>
+          <a:lstStyle/>
+          <a:p>
+            <a:pPr eaLnBrk="1" hangingPunct="1"/>
+            <a:r>
+              <a:rPr lang="de-DE" sz="3600" dirty="0">
+                <a:latin typeface="Candara" panose="020E0502030303020204" pitchFamily="34" charset="0"/>
+              </a:rPr>
+              <a:t>Dynamics</a:t>
+            </a:r>
+            <a:endParaRPr lang="en-GB" sz="3600" dirty="0">
+              <a:latin typeface="Candara" panose="020E0502030303020204" pitchFamily="34" charset="0"/>
+            </a:endParaRPr>
+          </a:p>
+        </p:txBody>
+      </p:sp>
+      <p:sp>
+        <p:nvSpPr>
+          <p:cNvPr id="203779" name="Rectangle 3"/>
+          <p:cNvSpPr>
+            <a:spLocks noGrp="1" noChangeArrowheads="1"/>
+          </p:cNvSpPr>
+          <p:nvPr>
+            <p:ph type="body" idx="1"/>
+          </p:nvPr>
+        </p:nvSpPr>
+        <p:spPr>
+          <a:xfrm>
+            <a:off x="685800" y="1066800"/>
+            <a:ext cx="7772400" cy="4114800"/>
+          </a:xfrm>
+        </p:spPr>
+        <p:txBody>
+          <a:bodyPr/>
+          <a:lstStyle/>
+          <a:p>
+            <a:pPr eaLnBrk="1" hangingPunct="1">
+              <a:lnSpc>
+                <a:spcPct val="90000"/>
+              </a:lnSpc>
+            </a:pPr>
+            <a:r>
+              <a:rPr lang="de-DE" sz="2800" dirty="0">
+                <a:latin typeface="Candara" panose="020E0502030303020204" pitchFamily="34" charset="0"/>
+              </a:rPr>
+              <a:t>Vulnerability to climate change is a function of exposure and adaptive capacity, both of which depend on development status</a:t>
+            </a:r>
+          </a:p>
+          <a:p>
+            <a:pPr eaLnBrk="1" hangingPunct="1">
+              <a:lnSpc>
+                <a:spcPct val="90000"/>
+              </a:lnSpc>
+            </a:pPr>
+            <a:r>
+              <a:rPr lang="de-DE" sz="2800" dirty="0">
+                <a:latin typeface="Candara" panose="020E0502030303020204" pitchFamily="34" charset="0"/>
+              </a:rPr>
+              <a:t>Future vulnerability will be very different from current vulnerability</a:t>
+            </a:r>
+          </a:p>
+          <a:p>
+            <a:pPr eaLnBrk="1" hangingPunct="1">
+              <a:lnSpc>
+                <a:spcPct val="90000"/>
+              </a:lnSpc>
+            </a:pPr>
+            <a:r>
+              <a:rPr lang="de-DE" sz="2800" dirty="0">
+                <a:latin typeface="Candara" panose="020E0502030303020204" pitchFamily="34" charset="0"/>
+              </a:rPr>
+              <a:t>Not only is future development uncertain, but also the link between development, exposure and adaptive capacity is unclear</a:t>
+            </a:r>
+          </a:p>
+          <a:p>
+            <a:pPr eaLnBrk="1" hangingPunct="1">
+              <a:lnSpc>
+                <a:spcPct val="90000"/>
+              </a:lnSpc>
+            </a:pPr>
+            <a:r>
+              <a:rPr lang="de-DE" sz="2800" dirty="0">
+                <a:latin typeface="Candara" panose="020E0502030303020204" pitchFamily="34" charset="0"/>
+              </a:rPr>
+              <a:t>I will illustrate this with the case of malaria</a:t>
+            </a:r>
+            <a:endParaRPr lang="en-GB" sz="2800" dirty="0">
+              <a:latin typeface="Candara" panose="020E0502030303020204" pitchFamily="34" charset="0"/>
+            </a:endParaRPr>
+          </a:p>
+        </p:txBody>
+      </p:sp>
+    </p:spTree>
+  </p:cSld>
+  <p:clrMapOvr>
+    <a:masterClrMapping/>
+  </p:clrMapOvr>
+</p:sld>
+</file>
+
+<file path=ppt/slides/slide11.xml><?xml version="1.0" encoding="utf-8"?>
+<p:sld xmlns:a="http://schemas.openxmlformats.org/drawingml/2006/main" xmlns:r="http://schemas.openxmlformats.org/officeDocument/2006/relationships" xmlns:p="http://schemas.openxmlformats.org/presentationml/2006/main">
+  <p:cSld>
+    <p:spTree>
+      <p:nvGrpSpPr>
+        <p:cNvPr id="1" name=""/>
+        <p:cNvGrpSpPr/>
+        <p:nvPr/>
+      </p:nvGrpSpPr>
+      <p:grpSpPr>
+        <a:xfrm>
+          <a:off x="0" y="0"/>
+          <a:ext cx="0" cy="0"/>
+          <a:chOff x="0" y="0"/>
+          <a:chExt cx="0" cy="0"/>
+        </a:xfrm>
+      </p:grpSpPr>
+      <p:pic>
+        <p:nvPicPr>
+          <p:cNvPr id="16386" name="Picture 2" descr="martensfig6a"/>
+          <p:cNvPicPr>
+            <a:picLocks noChangeAspect="1" noChangeArrowheads="1"/>
+          </p:cNvPicPr>
+          <p:nvPr/>
+        </p:nvPicPr>
+        <p:blipFill>
+          <a:blip r:embed="rId3" cstate="print"/>
+          <a:srcRect/>
+          <a:stretch>
+            <a:fillRect/>
+          </a:stretch>
+        </p:blipFill>
+        <p:spPr bwMode="auto">
+          <a:xfrm>
+            <a:off x="0" y="-22225"/>
+            <a:ext cx="9144000" cy="5086350"/>
+          </a:xfrm>
+          <a:prstGeom prst="rect">
+            <a:avLst/>
+          </a:prstGeom>
+          <a:noFill/>
+          <a:ln w="9525">
+            <a:noFill/>
+            <a:miter lim="800000"/>
+            <a:headEnd/>
+            <a:tailEnd/>
+          </a:ln>
+        </p:spPr>
+      </p:pic>
+      <p:pic>
+        <p:nvPicPr>
+          <p:cNvPr id="16387" name="Picture 3" descr="martensfig6b"/>
+          <p:cNvPicPr>
+            <a:picLocks noChangeAspect="1" noChangeArrowheads="1"/>
+          </p:cNvPicPr>
+          <p:nvPr/>
+        </p:nvPicPr>
+        <p:blipFill>
+          <a:blip r:embed="rId4" cstate="print"/>
+          <a:srcRect/>
+          <a:stretch>
+            <a:fillRect/>
+          </a:stretch>
+        </p:blipFill>
+        <p:spPr bwMode="auto">
+          <a:xfrm>
+            <a:off x="0" y="1676400"/>
+            <a:ext cx="1490663" cy="2724150"/>
+          </a:xfrm>
+          <a:prstGeom prst="rect">
+            <a:avLst/>
+          </a:prstGeom>
+          <a:noFill/>
+          <a:ln w="9525">
+            <a:noFill/>
+            <a:miter lim="800000"/>
+            <a:headEnd/>
+            <a:tailEnd/>
+          </a:ln>
+        </p:spPr>
+      </p:pic>
+    </p:spTree>
+  </p:cSld>
+  <p:clrMapOvr>
+    <a:masterClrMapping/>
+  </p:clrMapOvr>
+</p:sld>
+</file>
+
+<file path=ppt/slides/slide12.xml><?xml version="1.0" encoding="utf-8"?>
 <p:sld xmlns:a="http://schemas.openxmlformats.org/drawingml/2006/main" xmlns:r="http://schemas.openxmlformats.org/officeDocument/2006/relationships" xmlns:p="http://schemas.openxmlformats.org/presentationml/2006/main">
   <p:cSld>
     <p:spTree>
@@ -7964,7 +8556,7 @@
 </p:sld>
 </file>
 
-<file path=ppt/slides/slide11.xml><?xml version="1.0" encoding="utf-8"?>
+<file path=ppt/slides/slide13.xml><?xml version="1.0" encoding="utf-8"?>
 <p:sld xmlns:a="http://schemas.openxmlformats.org/drawingml/2006/main" xmlns:r="http://schemas.openxmlformats.org/officeDocument/2006/relationships" xmlns:p="http://schemas.openxmlformats.org/presentationml/2006/main">
   <p:cSld>
     <p:spTree>
@@ -7997,12 +8589,12 @@
           <a:graphicData uri="http://schemas.openxmlformats.org/presentationml/2006/ole">
             <mc:AlternateContent xmlns:mc="http://schemas.openxmlformats.org/markup-compatibility/2006">
               <mc:Choice xmlns:v="urn:schemas-microsoft-com:vml" Requires="v">
-                <p:oleObj name="Diagramm" r:id="rId3" imgW="9349920" imgH="5290560" progId="Excel.Sheet.8">
+                <p:oleObj spid="_x0000_s1029" name="Diagramm" r:id="rId4" imgW="9349920" imgH="5290560" progId="Excel.Sheet.8">
                   <p:embed/>
                 </p:oleObj>
               </mc:Choice>
               <mc:Fallback>
-                <p:oleObj name="Diagramm" r:id="rId3" imgW="9349920" imgH="5290560" progId="Excel.Sheet.8">
+                <p:oleObj name="Diagramm" r:id="rId4" imgW="9349920" imgH="5290560" progId="Excel.Sheet.8">
                   <p:embed/>
                   <p:pic>
                     <p:nvPicPr>
@@ -8013,7 +8605,7 @@
                       <p:nvPr/>
                     </p:nvPicPr>
                     <p:blipFill>
-                      <a:blip r:embed="rId4">
+                      <a:blip r:embed="rId5">
                         <a:extLst>
                           <a:ext uri="{28A0092B-C50C-407E-A947-70E740481C1C}">
                             <a14:useLocalDpi xmlns:a14="http://schemas.microsoft.com/office/drawing/2010/main" val="0"/>
@@ -8082,7 +8674,7 @@
 </p:sld>
 </file>
 
-<file path=ppt/slides/slide12.xml><?xml version="1.0" encoding="utf-8"?>
+<file path=ppt/slides/slide14.xml><?xml version="1.0" encoding="utf-8"?>
 <p:sld xmlns:a="http://schemas.openxmlformats.org/drawingml/2006/main" xmlns:r="http://schemas.openxmlformats.org/officeDocument/2006/relationships" xmlns:p="http://schemas.openxmlformats.org/presentationml/2006/main">
   <p:cSld>
     <p:spTree>
@@ -8142,7 +8734,136 @@
 </p:sld>
 </file>
 
-<file path=ppt/slides/slide13.xml><?xml version="1.0" encoding="utf-8"?>
+<file path=ppt/slides/slide15.xml><?xml version="1.0" encoding="utf-8"?>
+<p:sld xmlns:a="http://schemas.openxmlformats.org/drawingml/2006/main" xmlns:r="http://schemas.openxmlformats.org/officeDocument/2006/relationships" xmlns:p="http://schemas.openxmlformats.org/presentationml/2006/main">
+  <p:cSld>
+    <p:spTree>
+      <p:nvGrpSpPr>
+        <p:cNvPr id="1" name=""/>
+        <p:cNvGrpSpPr/>
+        <p:nvPr/>
+      </p:nvGrpSpPr>
+      <p:grpSpPr>
+        <a:xfrm>
+          <a:off x="0" y="0"/>
+          <a:ext cx="0" cy="0"/>
+          <a:chOff x="0" y="0"/>
+          <a:chExt cx="0" cy="0"/>
+        </a:xfrm>
+      </p:grpSpPr>
+      <p:sp>
+        <p:nvSpPr>
+          <p:cNvPr id="7170" name="Rectangle 2"/>
+          <p:cNvSpPr>
+            <a:spLocks noGrp="1" noChangeArrowheads="1"/>
+          </p:cNvSpPr>
+          <p:nvPr>
+            <p:ph type="title"/>
+          </p:nvPr>
+        </p:nvSpPr>
+        <p:spPr>
+          <a:xfrm>
+            <a:off x="685800" y="304800"/>
+            <a:ext cx="7772400" cy="1143000"/>
+          </a:xfrm>
+        </p:spPr>
+        <p:txBody>
+          <a:bodyPr/>
+          <a:lstStyle/>
+          <a:p>
+            <a:pPr eaLnBrk="1" hangingPunct="1"/>
+            <a:r>
+              <a:rPr lang="de-DE" sz="4000" dirty="0">
+                <a:latin typeface="Candara" panose="020E0502030303020204" pitchFamily="34" charset="0"/>
+              </a:rPr>
+              <a:t>Climate and Development</a:t>
+            </a:r>
+            <a:endParaRPr lang="en-GB" sz="4000" dirty="0">
+              <a:latin typeface="Candara" panose="020E0502030303020204" pitchFamily="34" charset="0"/>
+            </a:endParaRPr>
+          </a:p>
+        </p:txBody>
+      </p:sp>
+      <p:sp>
+        <p:nvSpPr>
+          <p:cNvPr id="7171" name="Rectangle 3"/>
+          <p:cNvSpPr>
+            <a:spLocks noGrp="1" noChangeArrowheads="1"/>
+          </p:cNvSpPr>
+          <p:nvPr>
+            <p:ph type="body" idx="1"/>
+          </p:nvPr>
+        </p:nvSpPr>
+        <p:spPr>
+          <a:xfrm>
+            <a:off x="685800" y="1600200"/>
+            <a:ext cx="7772400" cy="4114800"/>
+          </a:xfrm>
+        </p:spPr>
+        <p:txBody>
+          <a:bodyPr/>
+          <a:lstStyle/>
+          <a:p>
+            <a:r>
+              <a:rPr lang="de-DE" sz="2800" dirty="0">
+                <a:latin typeface="Candara" panose="020E0502030303020204" pitchFamily="34" charset="0"/>
+              </a:rPr>
+              <a:t>Recap of distribution of impacts</a:t>
+            </a:r>
+          </a:p>
+          <a:p>
+            <a:r>
+              <a:rPr lang="de-DE" sz="2800" dirty="0">
+                <a:latin typeface="Candara" panose="020E0502030303020204" pitchFamily="34" charset="0"/>
+              </a:rPr>
+              <a:t>Dynamic vulnerability</a:t>
+            </a:r>
+          </a:p>
+          <a:p>
+            <a:r>
+              <a:rPr lang="de-DE" sz="2800" b="1" dirty="0">
+                <a:latin typeface="Candara" panose="020E0502030303020204" pitchFamily="34" charset="0"/>
+              </a:rPr>
+              <a:t>Schelling Conjecture</a:t>
+            </a:r>
+          </a:p>
+          <a:p>
+            <a:r>
+              <a:rPr lang="de-DE" sz="2800" dirty="0">
+                <a:latin typeface="Candara" panose="020E0502030303020204" pitchFamily="34" charset="0"/>
+              </a:rPr>
+              <a:t>Climate and growth</a:t>
+            </a:r>
+          </a:p>
+          <a:p>
+            <a:r>
+              <a:rPr lang="de-DE" sz="2800" dirty="0">
+                <a:latin typeface="Candara" panose="020E0502030303020204" pitchFamily="34" charset="0"/>
+              </a:rPr>
+              <a:t>Climate and development</a:t>
+            </a:r>
+          </a:p>
+          <a:p>
+            <a:endParaRPr lang="de-DE" sz="2800" dirty="0">
+              <a:latin typeface="Comic Sans MS" pitchFamily="66" charset="0"/>
+            </a:endParaRPr>
+          </a:p>
+        </p:txBody>
+      </p:sp>
+    </p:spTree>
+    <p:extLst>
+      <p:ext uri="{BB962C8B-B14F-4D97-AF65-F5344CB8AC3E}">
+        <p14:creationId xmlns:p14="http://schemas.microsoft.com/office/powerpoint/2010/main" val="1450421941"/>
+      </p:ext>
+    </p:extLst>
+  </p:cSld>
+  <p:clrMapOvr>
+    <a:masterClrMapping/>
+  </p:clrMapOvr>
+</p:sld>
+</file>
+
+<file path=ppt/slides/slide16.xml><?xml version="1.0" encoding="utf-8"?>
 <p:sld xmlns:a="http://schemas.openxmlformats.org/drawingml/2006/main" xmlns:r="http://schemas.openxmlformats.org/officeDocument/2006/relationships" xmlns:p="http://schemas.openxmlformats.org/presentationml/2006/main" showMasterPhAnim="0">
   <p:cSld>
     <p:spTree>
@@ -8277,7 +8998,7 @@
 </p:sld>
 </file>
 
-<file path=ppt/slides/slide14.xml><?xml version="1.0" encoding="utf-8"?>
+<file path=ppt/slides/slide17.xml><?xml version="1.0" encoding="utf-8"?>
 <p:sld xmlns:a="http://schemas.openxmlformats.org/drawingml/2006/main" xmlns:r="http://schemas.openxmlformats.org/officeDocument/2006/relationships" xmlns:p="http://schemas.openxmlformats.org/presentationml/2006/main" showMasterPhAnim="0">
   <p:cSld>
     <p:spTree>
@@ -8418,7 +9139,7 @@
 </p:sld>
 </file>
 
-<file path=ppt/slides/slide15.xml><?xml version="1.0" encoding="utf-8"?>
+<file path=ppt/slides/slide18.xml><?xml version="1.0" encoding="utf-8"?>
 <p:sld xmlns:a="http://schemas.openxmlformats.org/drawingml/2006/main" xmlns:r="http://schemas.openxmlformats.org/officeDocument/2006/relationships" xmlns:p="http://schemas.openxmlformats.org/presentationml/2006/main">
   <p:cSld>
     <p:spTree>
@@ -8479,7 +9200,7 @@
 </p:sld>
 </file>
 
-<file path=ppt/slides/slide16.xml><?xml version="1.0" encoding="utf-8"?>
+<file path=ppt/slides/slide19.xml><?xml version="1.0" encoding="utf-8"?>
 <p:sld xmlns:a="http://schemas.openxmlformats.org/drawingml/2006/main" xmlns:r="http://schemas.openxmlformats.org/officeDocument/2006/relationships" xmlns:p="http://schemas.openxmlformats.org/presentationml/2006/main" showMasterPhAnim="0">
   <p:cSld>
     <p:spTree>
@@ -8610,7 +9331,223 @@
 </p:sld>
 </file>
 
-<file path=ppt/slides/slide17.xml><?xml version="1.0" encoding="utf-8"?>
+<file path=ppt/slides/slide2.xml><?xml version="1.0" encoding="utf-8"?>
+<p:sld xmlns:a="http://schemas.openxmlformats.org/drawingml/2006/main" xmlns:r="http://schemas.openxmlformats.org/officeDocument/2006/relationships" xmlns:p="http://schemas.openxmlformats.org/presentationml/2006/main">
+  <p:cSld>
+    <p:spTree>
+      <p:nvGrpSpPr>
+        <p:cNvPr id="1" name=""/>
+        <p:cNvGrpSpPr/>
+        <p:nvPr/>
+      </p:nvGrpSpPr>
+      <p:grpSpPr>
+        <a:xfrm>
+          <a:off x="0" y="0"/>
+          <a:ext cx="0" cy="0"/>
+          <a:chOff x="0" y="0"/>
+          <a:chExt cx="0" cy="0"/>
+        </a:xfrm>
+      </p:grpSpPr>
+      <p:sp>
+        <p:nvSpPr>
+          <p:cNvPr id="190466" name="Rectangle 2"/>
+          <p:cNvSpPr>
+            <a:spLocks noGrp="1" noChangeArrowheads="1"/>
+          </p:cNvSpPr>
+          <p:nvPr>
+            <p:ph type="title"/>
+          </p:nvPr>
+        </p:nvSpPr>
+        <p:spPr>
+          <a:xfrm>
+            <a:off x="762000" y="-76200"/>
+            <a:ext cx="7772400" cy="1143000"/>
+          </a:xfrm>
+        </p:spPr>
+        <p:txBody>
+          <a:bodyPr/>
+          <a:lstStyle/>
+          <a:p>
+            <a:r>
+              <a:rPr lang="de-DE" sz="3200" dirty="0">
+                <a:latin typeface="Candara" panose="020E0502030303020204" pitchFamily="34" charset="0"/>
+              </a:rPr>
+              <a:t>Lectures</a:t>
+            </a:r>
+            <a:endParaRPr lang="en-GB" sz="3200" dirty="0">
+              <a:latin typeface="Candara" panose="020E0502030303020204" pitchFamily="34" charset="0"/>
+            </a:endParaRPr>
+          </a:p>
+        </p:txBody>
+      </p:sp>
+      <p:sp>
+        <p:nvSpPr>
+          <p:cNvPr id="190467" name="Rectangle 3"/>
+          <p:cNvSpPr>
+            <a:spLocks noGrp="1" noChangeArrowheads="1"/>
+          </p:cNvSpPr>
+          <p:nvPr>
+            <p:ph type="body" idx="1"/>
+          </p:nvPr>
+        </p:nvSpPr>
+        <p:spPr>
+          <a:xfrm>
+            <a:off x="685800" y="838200"/>
+            <a:ext cx="7772400" cy="5486400"/>
+          </a:xfrm>
+        </p:spPr>
+        <p:txBody>
+          <a:bodyPr/>
+          <a:lstStyle/>
+          <a:p>
+            <a:pPr>
+              <a:lnSpc>
+                <a:spcPct val="90000"/>
+              </a:lnSpc>
+            </a:pPr>
+            <a:r>
+              <a:rPr lang="en-US" sz="2800" dirty="0">
+                <a:latin typeface="Candara" panose="020E0502030303020204" pitchFamily="34" charset="0"/>
+              </a:rPr>
+              <a:t>Science</a:t>
+            </a:r>
+          </a:p>
+          <a:p>
+            <a:pPr>
+              <a:lnSpc>
+                <a:spcPct val="90000"/>
+              </a:lnSpc>
+            </a:pPr>
+            <a:r>
+              <a:rPr lang="en-US" sz="2800" dirty="0">
+                <a:latin typeface="Candara" panose="020E0502030303020204" pitchFamily="34" charset="0"/>
+              </a:rPr>
+              <a:t>Scenarios &amp; emission reduction options</a:t>
+            </a:r>
+          </a:p>
+          <a:p>
+            <a:pPr>
+              <a:lnSpc>
+                <a:spcPct val="90000"/>
+              </a:lnSpc>
+            </a:pPr>
+            <a:r>
+              <a:rPr lang="en-US" sz="2800" dirty="0">
+                <a:latin typeface="Candara" panose="020E0502030303020204" pitchFamily="34" charset="0"/>
+              </a:rPr>
+              <a:t>Costs of emission reduction</a:t>
+            </a:r>
+          </a:p>
+          <a:p>
+            <a:pPr>
+              <a:lnSpc>
+                <a:spcPct val="90000"/>
+              </a:lnSpc>
+            </a:pPr>
+            <a:r>
+              <a:rPr lang="en-US" sz="2800" dirty="0">
+                <a:latin typeface="Candara" panose="020E0502030303020204" pitchFamily="34" charset="0"/>
+              </a:rPr>
+              <a:t>Instruments for emission reduction</a:t>
+            </a:r>
+          </a:p>
+          <a:p>
+            <a:pPr>
+              <a:lnSpc>
+                <a:spcPct val="90000"/>
+              </a:lnSpc>
+            </a:pPr>
+            <a:r>
+              <a:rPr lang="en-US" sz="2800" dirty="0">
+                <a:latin typeface="Candara" panose="020E0502030303020204" pitchFamily="34" charset="0"/>
+              </a:rPr>
+              <a:t>Impacts of climate change &amp; adaptation</a:t>
+            </a:r>
+          </a:p>
+          <a:p>
+            <a:pPr>
+              <a:lnSpc>
+                <a:spcPct val="90000"/>
+              </a:lnSpc>
+            </a:pPr>
+            <a:r>
+              <a:rPr lang="en-US" sz="2800" dirty="0">
+                <a:latin typeface="Candara" panose="020E0502030303020204" pitchFamily="34" charset="0"/>
+              </a:rPr>
+              <a:t>Economic impacts of climate change</a:t>
+            </a:r>
+          </a:p>
+          <a:p>
+            <a:pPr>
+              <a:lnSpc>
+                <a:spcPct val="90000"/>
+              </a:lnSpc>
+            </a:pPr>
+            <a:r>
+              <a:rPr lang="en-US" b="1" dirty="0">
+                <a:latin typeface="Candara" panose="020E0502030303020204" pitchFamily="34" charset="0"/>
+              </a:rPr>
+              <a:t>Climate and development</a:t>
+            </a:r>
+          </a:p>
+          <a:p>
+            <a:pPr>
+              <a:lnSpc>
+                <a:spcPct val="90000"/>
+              </a:lnSpc>
+            </a:pPr>
+            <a:r>
+              <a:rPr lang="en-US" sz="2800" dirty="0">
+                <a:latin typeface="Candara" panose="020E0502030303020204" pitchFamily="34" charset="0"/>
+              </a:rPr>
+              <a:t>Optimal emission reduction</a:t>
+            </a:r>
+          </a:p>
+          <a:p>
+            <a:pPr>
+              <a:lnSpc>
+                <a:spcPct val="90000"/>
+              </a:lnSpc>
+            </a:pPr>
+            <a:r>
+              <a:rPr lang="en-US" sz="2800" dirty="0">
+                <a:latin typeface="Candara" panose="020E0502030303020204" pitchFamily="34" charset="0"/>
+              </a:rPr>
+              <a:t>Discounting, uncertainty, equity</a:t>
+            </a:r>
+          </a:p>
+          <a:p>
+            <a:pPr>
+              <a:lnSpc>
+                <a:spcPct val="90000"/>
+              </a:lnSpc>
+            </a:pPr>
+            <a:r>
+              <a:rPr lang="en-US" sz="2800" dirty="0">
+                <a:latin typeface="Candara" panose="020E0502030303020204" pitchFamily="34" charset="0"/>
+              </a:rPr>
+              <a:t>International environmental agreements</a:t>
+            </a:r>
+          </a:p>
+        </p:txBody>
+      </p:sp>
+    </p:spTree>
+  </p:cSld>
+  <p:clrMapOvr>
+    <a:masterClrMapping/>
+  </p:clrMapOvr>
+  <mc:AlternateContent xmlns:mc="http://schemas.openxmlformats.org/markup-compatibility/2006" xmlns:p14="http://schemas.microsoft.com/office/powerpoint/2010/main">
+    <mc:Choice Requires="p14">
+      <p:transition spd="slow" p14:dur="2000" advTm="6530"/>
+    </mc:Choice>
+    <mc:Fallback xmlns="">
+      <p:transition spd="slow" advTm="6530"/>
+    </mc:Fallback>
+  </mc:AlternateContent>
+</p:sld>
+</file>
+
+<file path=ppt/slides/slide20.xml><?xml version="1.0" encoding="utf-8"?>
 <p:sld xmlns:a="http://schemas.openxmlformats.org/drawingml/2006/main" xmlns:r="http://schemas.openxmlformats.org/officeDocument/2006/relationships" xmlns:p="http://schemas.openxmlformats.org/presentationml/2006/main" showMasterPhAnim="0">
   <p:cSld>
     <p:spTree>
@@ -8754,7 +9691,136 @@
 </p:sld>
 </file>
 
-<file path=ppt/slides/slide18.xml><?xml version="1.0" encoding="utf-8"?>
+<file path=ppt/slides/slide21.xml><?xml version="1.0" encoding="utf-8"?>
+<p:sld xmlns:a="http://schemas.openxmlformats.org/drawingml/2006/main" xmlns:r="http://schemas.openxmlformats.org/officeDocument/2006/relationships" xmlns:p="http://schemas.openxmlformats.org/presentationml/2006/main">
+  <p:cSld>
+    <p:spTree>
+      <p:nvGrpSpPr>
+        <p:cNvPr id="1" name=""/>
+        <p:cNvGrpSpPr/>
+        <p:nvPr/>
+      </p:nvGrpSpPr>
+      <p:grpSpPr>
+        <a:xfrm>
+          <a:off x="0" y="0"/>
+          <a:ext cx="0" cy="0"/>
+          <a:chOff x="0" y="0"/>
+          <a:chExt cx="0" cy="0"/>
+        </a:xfrm>
+      </p:grpSpPr>
+      <p:sp>
+        <p:nvSpPr>
+          <p:cNvPr id="7170" name="Rectangle 2"/>
+          <p:cNvSpPr>
+            <a:spLocks noGrp="1" noChangeArrowheads="1"/>
+          </p:cNvSpPr>
+          <p:nvPr>
+            <p:ph type="title"/>
+          </p:nvPr>
+        </p:nvSpPr>
+        <p:spPr>
+          <a:xfrm>
+            <a:off x="685800" y="304800"/>
+            <a:ext cx="7772400" cy="1143000"/>
+          </a:xfrm>
+        </p:spPr>
+        <p:txBody>
+          <a:bodyPr/>
+          <a:lstStyle/>
+          <a:p>
+            <a:pPr eaLnBrk="1" hangingPunct="1"/>
+            <a:r>
+              <a:rPr lang="de-DE" sz="4000" dirty="0">
+                <a:latin typeface="Candara" panose="020E0502030303020204" pitchFamily="34" charset="0"/>
+              </a:rPr>
+              <a:t>Climate and Development</a:t>
+            </a:r>
+            <a:endParaRPr lang="en-GB" sz="4000" dirty="0">
+              <a:latin typeface="Candara" panose="020E0502030303020204" pitchFamily="34" charset="0"/>
+            </a:endParaRPr>
+          </a:p>
+        </p:txBody>
+      </p:sp>
+      <p:sp>
+        <p:nvSpPr>
+          <p:cNvPr id="7171" name="Rectangle 3"/>
+          <p:cNvSpPr>
+            <a:spLocks noGrp="1" noChangeArrowheads="1"/>
+          </p:cNvSpPr>
+          <p:nvPr>
+            <p:ph type="body" idx="1"/>
+          </p:nvPr>
+        </p:nvSpPr>
+        <p:spPr>
+          <a:xfrm>
+            <a:off x="685800" y="1600200"/>
+            <a:ext cx="7772400" cy="4114800"/>
+          </a:xfrm>
+        </p:spPr>
+        <p:txBody>
+          <a:bodyPr/>
+          <a:lstStyle/>
+          <a:p>
+            <a:r>
+              <a:rPr lang="de-DE" sz="2800" dirty="0">
+                <a:latin typeface="Candara" panose="020E0502030303020204" pitchFamily="34" charset="0"/>
+              </a:rPr>
+              <a:t>Recap of distribution of impacts</a:t>
+            </a:r>
+          </a:p>
+          <a:p>
+            <a:r>
+              <a:rPr lang="de-DE" sz="2800" dirty="0">
+                <a:latin typeface="Candara" panose="020E0502030303020204" pitchFamily="34" charset="0"/>
+              </a:rPr>
+              <a:t>Dynamic vulnerability</a:t>
+            </a:r>
+          </a:p>
+          <a:p>
+            <a:r>
+              <a:rPr lang="de-DE" sz="2800" dirty="0">
+                <a:latin typeface="Candara" panose="020E0502030303020204" pitchFamily="34" charset="0"/>
+              </a:rPr>
+              <a:t>Schelling Conjecture</a:t>
+            </a:r>
+          </a:p>
+          <a:p>
+            <a:r>
+              <a:rPr lang="de-DE" sz="2800" b="1" dirty="0">
+                <a:latin typeface="Candara" panose="020E0502030303020204" pitchFamily="34" charset="0"/>
+              </a:rPr>
+              <a:t>Climate and growth</a:t>
+            </a:r>
+          </a:p>
+          <a:p>
+            <a:r>
+              <a:rPr lang="de-DE" sz="2800" dirty="0">
+                <a:latin typeface="Candara" panose="020E0502030303020204" pitchFamily="34" charset="0"/>
+              </a:rPr>
+              <a:t>Climate and development</a:t>
+            </a:r>
+          </a:p>
+          <a:p>
+            <a:endParaRPr lang="de-DE" sz="2800" dirty="0">
+              <a:latin typeface="Comic Sans MS" pitchFamily="66" charset="0"/>
+            </a:endParaRPr>
+          </a:p>
+        </p:txBody>
+      </p:sp>
+    </p:spTree>
+    <p:extLst>
+      <p:ext uri="{BB962C8B-B14F-4D97-AF65-F5344CB8AC3E}">
+        <p14:creationId xmlns:p14="http://schemas.microsoft.com/office/powerpoint/2010/main" val="1237679361"/>
+      </p:ext>
+    </p:extLst>
+  </p:cSld>
+  <p:clrMapOvr>
+    <a:masterClrMapping/>
+  </p:clrMapOvr>
+</p:sld>
+</file>
+
+<file path=ppt/slides/slide22.xml><?xml version="1.0" encoding="utf-8"?>
 <p:sld xmlns:a="http://schemas.openxmlformats.org/drawingml/2006/main" xmlns:r="http://schemas.openxmlformats.org/officeDocument/2006/relationships" xmlns:p="http://schemas.openxmlformats.org/presentationml/2006/main" showMasterPhAnim="0">
   <p:cSld>
     <p:spTree>
@@ -9297,7 +10363,7 @@
 </p:sld>
 </file>
 
-<file path=ppt/slides/slide19.xml><?xml version="1.0" encoding="utf-8"?>
+<file path=ppt/slides/slide23.xml><?xml version="1.0" encoding="utf-8"?>
 <p:sld xmlns:a="http://schemas.openxmlformats.org/drawingml/2006/main" xmlns:r="http://schemas.openxmlformats.org/officeDocument/2006/relationships" xmlns:p="http://schemas.openxmlformats.org/presentationml/2006/main" showMasterPhAnim="0">
   <p:cSld>
     <p:spTree>
@@ -9709,236 +10775,7 @@
 </p:sld>
 </file>
 
-<file path=ppt/slides/slide2.xml><?xml version="1.0" encoding="utf-8"?>
-<p:sld xmlns:a="http://schemas.openxmlformats.org/drawingml/2006/main" xmlns:r="http://schemas.openxmlformats.org/officeDocument/2006/relationships" xmlns:p="http://schemas.openxmlformats.org/presentationml/2006/main">
-  <p:cSld>
-    <p:spTree>
-      <p:nvGrpSpPr>
-        <p:cNvPr id="1" name=""/>
-        <p:cNvGrpSpPr/>
-        <p:nvPr/>
-      </p:nvGrpSpPr>
-      <p:grpSpPr>
-        <a:xfrm>
-          <a:off x="0" y="0"/>
-          <a:ext cx="0" cy="0"/>
-          <a:chOff x="0" y="0"/>
-          <a:chExt cx="0" cy="0"/>
-        </a:xfrm>
-      </p:grpSpPr>
-      <p:sp>
-        <p:nvSpPr>
-          <p:cNvPr id="190466" name="Rectangle 2"/>
-          <p:cNvSpPr>
-            <a:spLocks noGrp="1" noChangeArrowheads="1"/>
-          </p:cNvSpPr>
-          <p:nvPr>
-            <p:ph type="title"/>
-          </p:nvPr>
-        </p:nvSpPr>
-        <p:spPr>
-          <a:xfrm>
-            <a:off x="762000" y="-76200"/>
-            <a:ext cx="7772400" cy="1143000"/>
-          </a:xfrm>
-        </p:spPr>
-        <p:txBody>
-          <a:bodyPr/>
-          <a:lstStyle/>
-          <a:p>
-            <a:r>
-              <a:rPr lang="de-DE" sz="3200" dirty="0">
-                <a:latin typeface="Candara" panose="020E0502030303020204" pitchFamily="34" charset="0"/>
-              </a:rPr>
-              <a:t>Lectures</a:t>
-            </a:r>
-            <a:endParaRPr lang="en-GB" sz="3200" dirty="0">
-              <a:latin typeface="Candara" panose="020E0502030303020204" pitchFamily="34" charset="0"/>
-            </a:endParaRPr>
-          </a:p>
-        </p:txBody>
-      </p:sp>
-      <p:sp>
-        <p:nvSpPr>
-          <p:cNvPr id="190467" name="Rectangle 3"/>
-          <p:cNvSpPr>
-            <a:spLocks noGrp="1" noChangeArrowheads="1"/>
-          </p:cNvSpPr>
-          <p:nvPr>
-            <p:ph type="body" idx="1"/>
-          </p:nvPr>
-        </p:nvSpPr>
-        <p:spPr>
-          <a:xfrm>
-            <a:off x="685800" y="838200"/>
-            <a:ext cx="7772400" cy="5486400"/>
-          </a:xfrm>
-        </p:spPr>
-        <p:txBody>
-          <a:bodyPr/>
-          <a:lstStyle/>
-          <a:p>
-            <a:pPr>
-              <a:lnSpc>
-                <a:spcPct val="90000"/>
-              </a:lnSpc>
-            </a:pPr>
-            <a:r>
-              <a:rPr lang="en-US" sz="2800" dirty="0">
-                <a:latin typeface="Candara" panose="020E0502030303020204" pitchFamily="34" charset="0"/>
-              </a:rPr>
-              <a:t>Science</a:t>
-            </a:r>
-          </a:p>
-          <a:p>
-            <a:pPr>
-              <a:lnSpc>
-                <a:spcPct val="90000"/>
-              </a:lnSpc>
-            </a:pPr>
-            <a:r>
-              <a:rPr lang="en-US" sz="2800" dirty="0">
-                <a:latin typeface="Candara" panose="020E0502030303020204" pitchFamily="34" charset="0"/>
-              </a:rPr>
-              <a:t>Scenarios &amp; emission reduction options</a:t>
-            </a:r>
-          </a:p>
-          <a:p>
-            <a:pPr>
-              <a:lnSpc>
-                <a:spcPct val="90000"/>
-              </a:lnSpc>
-            </a:pPr>
-            <a:r>
-              <a:rPr lang="en-US" sz="2800" dirty="0">
-                <a:latin typeface="Candara" panose="020E0502030303020204" pitchFamily="34" charset="0"/>
-              </a:rPr>
-              <a:t>Costs of emission reduction</a:t>
-            </a:r>
-          </a:p>
-          <a:p>
-            <a:pPr>
-              <a:lnSpc>
-                <a:spcPct val="90000"/>
-              </a:lnSpc>
-            </a:pPr>
-            <a:r>
-              <a:rPr lang="en-US" sz="2800" dirty="0">
-                <a:latin typeface="Candara" panose="020E0502030303020204" pitchFamily="34" charset="0"/>
-              </a:rPr>
-              <a:t>Instruments for emission reduction</a:t>
-            </a:r>
-          </a:p>
-          <a:p>
-            <a:pPr>
-              <a:lnSpc>
-                <a:spcPct val="90000"/>
-              </a:lnSpc>
-            </a:pPr>
-            <a:r>
-              <a:rPr lang="en-US" sz="2800" dirty="0">
-                <a:latin typeface="Candara" panose="020E0502030303020204" pitchFamily="34" charset="0"/>
-              </a:rPr>
-              <a:t>Impacts of climate change &amp; valuation</a:t>
-            </a:r>
-          </a:p>
-          <a:p>
-            <a:pPr>
-              <a:lnSpc>
-                <a:spcPct val="90000"/>
-              </a:lnSpc>
-            </a:pPr>
-            <a:r>
-              <a:rPr lang="en-US" sz="2800" dirty="0">
-                <a:latin typeface="Candara" panose="020E0502030303020204" pitchFamily="34" charset="0"/>
-              </a:rPr>
-              <a:t>Economic impacts of climate change</a:t>
-            </a:r>
-          </a:p>
-          <a:p>
-            <a:pPr>
-              <a:lnSpc>
-                <a:spcPct val="90000"/>
-              </a:lnSpc>
-            </a:pPr>
-            <a:r>
-              <a:rPr lang="en-US" b="1" dirty="0">
-                <a:latin typeface="Candara" panose="020E0502030303020204" pitchFamily="34" charset="0"/>
-              </a:rPr>
-              <a:t>Climate and development</a:t>
-            </a:r>
-          </a:p>
-          <a:p>
-            <a:pPr>
-              <a:lnSpc>
-                <a:spcPct val="90000"/>
-              </a:lnSpc>
-            </a:pPr>
-            <a:r>
-              <a:rPr lang="en-US" sz="2800" strike="sngStrike" dirty="0">
-                <a:latin typeface="Candara" panose="020E0502030303020204" pitchFamily="34" charset="0"/>
-              </a:rPr>
-              <a:t>Adaptation policy</a:t>
-            </a:r>
-          </a:p>
-          <a:p>
-            <a:pPr>
-              <a:lnSpc>
-                <a:spcPct val="90000"/>
-              </a:lnSpc>
-            </a:pPr>
-            <a:r>
-              <a:rPr lang="en-US" sz="2800" dirty="0">
-                <a:latin typeface="Candara" panose="020E0502030303020204" pitchFamily="34" charset="0"/>
-              </a:rPr>
-              <a:t>Optimal emission reduction</a:t>
-            </a:r>
-          </a:p>
-          <a:p>
-            <a:pPr>
-              <a:lnSpc>
-                <a:spcPct val="90000"/>
-              </a:lnSpc>
-            </a:pPr>
-            <a:r>
-              <a:rPr lang="en-US" sz="2800" dirty="0">
-                <a:latin typeface="Candara" panose="020E0502030303020204" pitchFamily="34" charset="0"/>
-              </a:rPr>
-              <a:t>Discounting, uncertainty, equity</a:t>
-            </a:r>
-          </a:p>
-          <a:p>
-            <a:pPr>
-              <a:lnSpc>
-                <a:spcPct val="90000"/>
-              </a:lnSpc>
-            </a:pPr>
-            <a:r>
-              <a:rPr lang="en-US" sz="2800" dirty="0">
-                <a:latin typeface="Candara" panose="020E0502030303020204" pitchFamily="34" charset="0"/>
-              </a:rPr>
-              <a:t>International environmental agreements</a:t>
-            </a:r>
-          </a:p>
-        </p:txBody>
-      </p:sp>
-    </p:spTree>
-  </p:cSld>
-  <p:clrMapOvr>
-    <a:masterClrMapping/>
-  </p:clrMapOvr>
-  <mc:AlternateContent xmlns:mc="http://schemas.openxmlformats.org/markup-compatibility/2006" xmlns:p14="http://schemas.microsoft.com/office/powerpoint/2010/main">
-    <mc:Choice Requires="p14">
-      <p:transition spd="slow" p14:dur="2000" advTm="6530"/>
-    </mc:Choice>
-    <mc:Fallback xmlns="">
-      <p:transition spd="slow" advTm="6530"/>
-    </mc:Fallback>
-  </mc:AlternateContent>
-</p:sld>
-</file>
-
-<file path=ppt/slides/slide20.xml><?xml version="1.0" encoding="utf-8"?>
+<file path=ppt/slides/slide24.xml><?xml version="1.0" encoding="utf-8"?>
 <p:sld xmlns:a="http://schemas.openxmlformats.org/drawingml/2006/main" xmlns:r="http://schemas.openxmlformats.org/officeDocument/2006/relationships" xmlns:p="http://schemas.openxmlformats.org/presentationml/2006/main">
   <p:cSld>
     <p:spTree>
@@ -9995,7 +10832,7 @@
 </p:sld>
 </file>
 
-<file path=ppt/slides/slide21.xml><?xml version="1.0" encoding="utf-8"?>
+<file path=ppt/slides/slide25.xml><?xml version="1.0" encoding="utf-8"?>
 <p:sld xmlns:a="http://schemas.openxmlformats.org/drawingml/2006/main" xmlns:r="http://schemas.openxmlformats.org/officeDocument/2006/relationships" xmlns:p="http://schemas.openxmlformats.org/presentationml/2006/main">
   <p:cSld>
     <p:spTree>
@@ -10052,7 +10889,7 @@
 </p:sld>
 </file>
 
-<file path=ppt/slides/slide22.xml><?xml version="1.0" encoding="utf-8"?>
+<file path=ppt/slides/slide26.xml><?xml version="1.0" encoding="utf-8"?>
 <p:sld xmlns:a="http://schemas.openxmlformats.org/drawingml/2006/main" xmlns:r="http://schemas.openxmlformats.org/officeDocument/2006/relationships" xmlns:p="http://schemas.openxmlformats.org/presentationml/2006/main">
   <p:cSld>
     <p:spTree>
@@ -10109,7 +10946,7 @@
 </p:sld>
 </file>
 
-<file path=ppt/slides/slide23.xml><?xml version="1.0" encoding="utf-8"?>
+<file path=ppt/slides/slide27.xml><?xml version="1.0" encoding="utf-8"?>
 <p:sld xmlns:a="http://schemas.openxmlformats.org/drawingml/2006/main" xmlns:r="http://schemas.openxmlformats.org/officeDocument/2006/relationships" xmlns:p="http://schemas.openxmlformats.org/presentationml/2006/main">
   <p:cSld>
     <p:spTree>
@@ -10166,7 +11003,7 @@
 </p:sld>
 </file>
 
-<file path=ppt/slides/slide24.xml><?xml version="1.0" encoding="utf-8"?>
+<file path=ppt/slides/slide28.xml><?xml version="1.0" encoding="utf-8"?>
 <p:sld xmlns:a="http://schemas.openxmlformats.org/drawingml/2006/main" xmlns:r="http://schemas.openxmlformats.org/officeDocument/2006/relationships" xmlns:p="http://schemas.openxmlformats.org/presentationml/2006/main">
   <p:cSld>
     <p:spTree>
@@ -10305,7 +11142,7 @@
 </p:sld>
 </file>
 
-<file path=ppt/slides/slide25.xml><?xml version="1.0" encoding="utf-8"?>
+<file path=ppt/slides/slide29.xml><?xml version="1.0" encoding="utf-8"?>
 <p:sld xmlns:a="http://schemas.openxmlformats.org/drawingml/2006/main" xmlns:r="http://schemas.openxmlformats.org/officeDocument/2006/relationships" xmlns:p="http://schemas.openxmlformats.org/presentationml/2006/main">
   <p:cSld>
     <p:spTree>
@@ -10495,7 +11332,265 @@
 </p:sld>
 </file>
 
-<file path=ppt/slides/slide26.xml><?xml version="1.0" encoding="utf-8"?>
+<file path=ppt/slides/slide3.xml><?xml version="1.0" encoding="utf-8"?>
+<p:sld xmlns:a="http://schemas.openxmlformats.org/drawingml/2006/main" xmlns:r="http://schemas.openxmlformats.org/officeDocument/2006/relationships" xmlns:p="http://schemas.openxmlformats.org/presentationml/2006/main">
+  <p:cSld>
+    <p:spTree>
+      <p:nvGrpSpPr>
+        <p:cNvPr id="1" name=""/>
+        <p:cNvGrpSpPr/>
+        <p:nvPr/>
+      </p:nvGrpSpPr>
+      <p:grpSpPr>
+        <a:xfrm>
+          <a:off x="0" y="0"/>
+          <a:ext cx="0" cy="0"/>
+          <a:chOff x="0" y="0"/>
+          <a:chExt cx="0" cy="0"/>
+        </a:xfrm>
+      </p:grpSpPr>
+      <p:sp>
+        <p:nvSpPr>
+          <p:cNvPr id="7170" name="Rectangle 2"/>
+          <p:cNvSpPr>
+            <a:spLocks noGrp="1" noChangeArrowheads="1"/>
+          </p:cNvSpPr>
+          <p:nvPr>
+            <p:ph type="title"/>
+          </p:nvPr>
+        </p:nvSpPr>
+        <p:spPr>
+          <a:xfrm>
+            <a:off x="685800" y="304800"/>
+            <a:ext cx="7772400" cy="1143000"/>
+          </a:xfrm>
+        </p:spPr>
+        <p:txBody>
+          <a:bodyPr/>
+          <a:lstStyle/>
+          <a:p>
+            <a:pPr eaLnBrk="1" hangingPunct="1"/>
+            <a:r>
+              <a:rPr lang="de-DE" sz="4000" dirty="0">
+                <a:latin typeface="Candara" panose="020E0502030303020204" pitchFamily="34" charset="0"/>
+              </a:rPr>
+              <a:t>Climate and Development</a:t>
+            </a:r>
+            <a:endParaRPr lang="en-GB" sz="4000" dirty="0">
+              <a:latin typeface="Candara" panose="020E0502030303020204" pitchFamily="34" charset="0"/>
+            </a:endParaRPr>
+          </a:p>
+        </p:txBody>
+      </p:sp>
+      <p:sp>
+        <p:nvSpPr>
+          <p:cNvPr id="7171" name="Rectangle 3"/>
+          <p:cNvSpPr>
+            <a:spLocks noGrp="1" noChangeArrowheads="1"/>
+          </p:cNvSpPr>
+          <p:nvPr>
+            <p:ph type="body" idx="1"/>
+          </p:nvPr>
+        </p:nvSpPr>
+        <p:spPr>
+          <a:xfrm>
+            <a:off x="685800" y="1600200"/>
+            <a:ext cx="7772400" cy="4114800"/>
+          </a:xfrm>
+        </p:spPr>
+        <p:txBody>
+          <a:bodyPr/>
+          <a:lstStyle/>
+          <a:p>
+            <a:r>
+              <a:rPr lang="de-DE" sz="2800" b="1" dirty="0">
+                <a:latin typeface="Candara" panose="020E0502030303020204" pitchFamily="34" charset="0"/>
+              </a:rPr>
+              <a:t>Recap of distribution of impacts</a:t>
+            </a:r>
+          </a:p>
+          <a:p>
+            <a:r>
+              <a:rPr lang="de-DE" sz="2800" dirty="0">
+                <a:latin typeface="Candara" panose="020E0502030303020204" pitchFamily="34" charset="0"/>
+              </a:rPr>
+              <a:t>Dynamic vulnerability</a:t>
+            </a:r>
+          </a:p>
+          <a:p>
+            <a:r>
+              <a:rPr lang="de-DE" sz="2800" dirty="0">
+                <a:latin typeface="Candara" panose="020E0502030303020204" pitchFamily="34" charset="0"/>
+              </a:rPr>
+              <a:t>Schelling Conjecture</a:t>
+            </a:r>
+          </a:p>
+          <a:p>
+            <a:r>
+              <a:rPr lang="de-DE" sz="2800" dirty="0">
+                <a:latin typeface="Candara" panose="020E0502030303020204" pitchFamily="34" charset="0"/>
+              </a:rPr>
+              <a:t>Climate and growth</a:t>
+            </a:r>
+          </a:p>
+          <a:p>
+            <a:r>
+              <a:rPr lang="de-DE" sz="2800" dirty="0">
+                <a:latin typeface="Candara" panose="020E0502030303020204" pitchFamily="34" charset="0"/>
+              </a:rPr>
+              <a:t>Climate and development</a:t>
+            </a:r>
+          </a:p>
+          <a:p>
+            <a:endParaRPr lang="de-DE" sz="2800" dirty="0">
+              <a:latin typeface="Comic Sans MS" pitchFamily="66" charset="0"/>
+            </a:endParaRPr>
+          </a:p>
+        </p:txBody>
+      </p:sp>
+    </p:spTree>
+    <p:extLst>
+      <p:ext uri="{BB962C8B-B14F-4D97-AF65-F5344CB8AC3E}">
+        <p14:creationId xmlns:p14="http://schemas.microsoft.com/office/powerpoint/2010/main" val="2994397910"/>
+      </p:ext>
+    </p:extLst>
+  </p:cSld>
+  <p:clrMapOvr>
+    <a:masterClrMapping/>
+  </p:clrMapOvr>
+</p:sld>
+</file>
+
+<file path=ppt/slides/slide30.xml><?xml version="1.0" encoding="utf-8"?>
+<p:sld xmlns:a="http://schemas.openxmlformats.org/drawingml/2006/main" xmlns:r="http://schemas.openxmlformats.org/officeDocument/2006/relationships" xmlns:p="http://schemas.openxmlformats.org/presentationml/2006/main">
+  <p:cSld>
+    <p:spTree>
+      <p:nvGrpSpPr>
+        <p:cNvPr id="1" name=""/>
+        <p:cNvGrpSpPr/>
+        <p:nvPr/>
+      </p:nvGrpSpPr>
+      <p:grpSpPr>
+        <a:xfrm>
+          <a:off x="0" y="0"/>
+          <a:ext cx="0" cy="0"/>
+          <a:chOff x="0" y="0"/>
+          <a:chExt cx="0" cy="0"/>
+        </a:xfrm>
+      </p:grpSpPr>
+      <p:sp>
+        <p:nvSpPr>
+          <p:cNvPr id="7170" name="Rectangle 2"/>
+          <p:cNvSpPr>
+            <a:spLocks noGrp="1" noChangeArrowheads="1"/>
+          </p:cNvSpPr>
+          <p:nvPr>
+            <p:ph type="title"/>
+          </p:nvPr>
+        </p:nvSpPr>
+        <p:spPr>
+          <a:xfrm>
+            <a:off x="685800" y="304800"/>
+            <a:ext cx="7772400" cy="1143000"/>
+          </a:xfrm>
+        </p:spPr>
+        <p:txBody>
+          <a:bodyPr/>
+          <a:lstStyle/>
+          <a:p>
+            <a:pPr eaLnBrk="1" hangingPunct="1"/>
+            <a:r>
+              <a:rPr lang="de-DE" sz="4000" dirty="0">
+                <a:latin typeface="Candara" panose="020E0502030303020204" pitchFamily="34" charset="0"/>
+              </a:rPr>
+              <a:t>Climate and Development</a:t>
+            </a:r>
+            <a:endParaRPr lang="en-GB" sz="4000" dirty="0">
+              <a:latin typeface="Candara" panose="020E0502030303020204" pitchFamily="34" charset="0"/>
+            </a:endParaRPr>
+          </a:p>
+        </p:txBody>
+      </p:sp>
+      <p:sp>
+        <p:nvSpPr>
+          <p:cNvPr id="7171" name="Rectangle 3"/>
+          <p:cNvSpPr>
+            <a:spLocks noGrp="1" noChangeArrowheads="1"/>
+          </p:cNvSpPr>
+          <p:nvPr>
+            <p:ph type="body" idx="1"/>
+          </p:nvPr>
+        </p:nvSpPr>
+        <p:spPr>
+          <a:xfrm>
+            <a:off x="685800" y="1600200"/>
+            <a:ext cx="7772400" cy="4114800"/>
+          </a:xfrm>
+        </p:spPr>
+        <p:txBody>
+          <a:bodyPr/>
+          <a:lstStyle/>
+          <a:p>
+            <a:r>
+              <a:rPr lang="de-DE" sz="2800" dirty="0">
+                <a:latin typeface="Candara" panose="020E0502030303020204" pitchFamily="34" charset="0"/>
+              </a:rPr>
+              <a:t>Recap of distribution of impacts</a:t>
+            </a:r>
+          </a:p>
+          <a:p>
+            <a:r>
+              <a:rPr lang="de-DE" sz="2800" dirty="0">
+                <a:latin typeface="Candara" panose="020E0502030303020204" pitchFamily="34" charset="0"/>
+              </a:rPr>
+              <a:t>Dynamic vulnerability</a:t>
+            </a:r>
+          </a:p>
+          <a:p>
+            <a:r>
+              <a:rPr lang="de-DE" sz="2800" dirty="0">
+                <a:latin typeface="Candara" panose="020E0502030303020204" pitchFamily="34" charset="0"/>
+              </a:rPr>
+              <a:t>Schelling Conjecture</a:t>
+            </a:r>
+          </a:p>
+          <a:p>
+            <a:r>
+              <a:rPr lang="de-DE" sz="2800" dirty="0">
+                <a:latin typeface="Candara" panose="020E0502030303020204" pitchFamily="34" charset="0"/>
+              </a:rPr>
+              <a:t>Climate and growth</a:t>
+            </a:r>
+          </a:p>
+          <a:p>
+            <a:r>
+              <a:rPr lang="de-DE" sz="2800" b="1" dirty="0">
+                <a:latin typeface="Candara" panose="020E0502030303020204" pitchFamily="34" charset="0"/>
+              </a:rPr>
+              <a:t>Climate and development</a:t>
+            </a:r>
+          </a:p>
+          <a:p>
+            <a:endParaRPr lang="de-DE" sz="2800" dirty="0">
+              <a:latin typeface="Comic Sans MS" pitchFamily="66" charset="0"/>
+            </a:endParaRPr>
+          </a:p>
+        </p:txBody>
+      </p:sp>
+    </p:spTree>
+    <p:extLst>
+      <p:ext uri="{BB962C8B-B14F-4D97-AF65-F5344CB8AC3E}">
+        <p14:creationId xmlns:p14="http://schemas.microsoft.com/office/powerpoint/2010/main" val="841027622"/>
+      </p:ext>
+    </p:extLst>
+  </p:cSld>
+  <p:clrMapOvr>
+    <a:masterClrMapping/>
+  </p:clrMapOvr>
+</p:sld>
+</file>
+
+<file path=ppt/slides/slide31.xml><?xml version="1.0" encoding="utf-8"?>
 <p:sld xmlns:a="http://schemas.openxmlformats.org/drawingml/2006/main" xmlns:r="http://schemas.openxmlformats.org/officeDocument/2006/relationships" xmlns:p="http://schemas.openxmlformats.org/presentationml/2006/main" showMasterPhAnim="0">
   <p:cSld>
     <p:spTree>
@@ -10599,7 +11694,7 @@
 </p:sld>
 </file>
 
-<file path=ppt/slides/slide27.xml><?xml version="1.0" encoding="utf-8"?>
+<file path=ppt/slides/slide32.xml><?xml version="1.0" encoding="utf-8"?>
 <p:sld xmlns:a="http://schemas.openxmlformats.org/drawingml/2006/main" xmlns:r="http://schemas.openxmlformats.org/officeDocument/2006/relationships" xmlns:p="http://schemas.openxmlformats.org/presentationml/2006/main" showMasterPhAnim="0">
   <p:cSld>
     <p:spTree>
@@ -10703,7 +11798,7 @@
 </p:sld>
 </file>
 
-<file path=ppt/slides/slide28.xml><?xml version="1.0" encoding="utf-8"?>
+<file path=ppt/slides/slide33.xml><?xml version="1.0" encoding="utf-8"?>
 <p:sld xmlns:a="http://schemas.openxmlformats.org/drawingml/2006/main" xmlns:r="http://schemas.openxmlformats.org/officeDocument/2006/relationships" xmlns:p="http://schemas.openxmlformats.org/presentationml/2006/main" showMasterPhAnim="0">
   <p:cSld>
     <p:spTree>
@@ -10807,7 +11902,7 @@
 </p:sld>
 </file>
 
-<file path=ppt/slides/slide29.xml><?xml version="1.0" encoding="utf-8"?>
+<file path=ppt/slides/slide34.xml><?xml version="1.0" encoding="utf-8"?>
 <p:sld xmlns:a="http://schemas.openxmlformats.org/drawingml/2006/main" xmlns:r="http://schemas.openxmlformats.org/officeDocument/2006/relationships" xmlns:p="http://schemas.openxmlformats.org/presentationml/2006/main" showMasterPhAnim="0">
   <p:cSld>
     <p:spTree>
@@ -10911,56 +12006,7 @@
 </p:sld>
 </file>
 
-<file path=ppt/slides/slide3.xml><?xml version="1.0" encoding="utf-8"?>
-<p:sld xmlns:a="http://schemas.openxmlformats.org/drawingml/2006/main" xmlns:r="http://schemas.openxmlformats.org/officeDocument/2006/relationships" xmlns:p="http://schemas.openxmlformats.org/presentationml/2006/main">
-  <p:cSld>
-    <p:spTree>
-      <p:nvGrpSpPr>
-        <p:cNvPr id="1" name=""/>
-        <p:cNvGrpSpPr/>
-        <p:nvPr/>
-      </p:nvGrpSpPr>
-      <p:grpSpPr>
-        <a:xfrm>
-          <a:off x="0" y="0"/>
-          <a:ext cx="0" cy="0"/>
-          <a:chOff x="0" y="0"/>
-          <a:chExt cx="0" cy="0"/>
-        </a:xfrm>
-      </p:grpSpPr>
-      <p:pic>
-        <p:nvPicPr>
-          <p:cNvPr id="2" name="Picture 1"/>
-          <p:cNvPicPr>
-            <a:picLocks noChangeAspect="1"/>
-          </p:cNvPicPr>
-          <p:nvPr/>
-        </p:nvPicPr>
-        <p:blipFill>
-          <a:blip r:embed="rId2"/>
-          <a:stretch>
-            <a:fillRect/>
-          </a:stretch>
-        </p:blipFill>
-        <p:spPr>
-          <a:xfrm>
-            <a:off x="8021" y="0"/>
-            <a:ext cx="9135979" cy="5943650"/>
-          </a:xfrm>
-          <a:prstGeom prst="rect">
-            <a:avLst/>
-          </a:prstGeom>
-        </p:spPr>
-      </p:pic>
-    </p:spTree>
-  </p:cSld>
-  <p:clrMapOvr>
-    <a:masterClrMapping/>
-  </p:clrMapOvr>
-</p:sld>
-</file>
-
-<file path=ppt/slides/slide30.xml><?xml version="1.0" encoding="utf-8"?>
+<file path=ppt/slides/slide35.xml><?xml version="1.0" encoding="utf-8"?>
 <p:sld xmlns:a="http://schemas.openxmlformats.org/drawingml/2006/main" xmlns:r="http://schemas.openxmlformats.org/officeDocument/2006/relationships" xmlns:p="http://schemas.openxmlformats.org/presentationml/2006/main" showMasterPhAnim="0">
   <p:cSld>
     <p:spTree>
@@ -11064,7 +12110,7 @@
 </p:sld>
 </file>
 
-<file path=ppt/slides/slide31.xml><?xml version="1.0" encoding="utf-8"?>
+<file path=ppt/slides/slide36.xml><?xml version="1.0" encoding="utf-8"?>
 <p:sld xmlns:a="http://schemas.openxmlformats.org/drawingml/2006/main" xmlns:r="http://schemas.openxmlformats.org/officeDocument/2006/relationships" xmlns:p="http://schemas.openxmlformats.org/presentationml/2006/main" showMasterPhAnim="0">
   <p:cSld>
     <p:spTree>
@@ -11168,7 +12214,7 @@
 </p:sld>
 </file>
 
-<file path=ppt/slides/slide32.xml><?xml version="1.0" encoding="utf-8"?>
+<file path=ppt/slides/slide37.xml><?xml version="1.0" encoding="utf-8"?>
 <p:sld xmlns:a="http://schemas.openxmlformats.org/drawingml/2006/main" xmlns:r="http://schemas.openxmlformats.org/officeDocument/2006/relationships" xmlns:p="http://schemas.openxmlformats.org/presentationml/2006/main" showMasterPhAnim="0">
   <p:cSld>
     <p:spTree>
@@ -11272,7 +12318,7 @@
 </p:sld>
 </file>
 
-<file path=ppt/slides/slide33.xml><?xml version="1.0" encoding="utf-8"?>
+<file path=ppt/slides/slide38.xml><?xml version="1.0" encoding="utf-8"?>
 <p:sld xmlns:a="http://schemas.openxmlformats.org/drawingml/2006/main" xmlns:r="http://schemas.openxmlformats.org/officeDocument/2006/relationships" xmlns:p="http://schemas.openxmlformats.org/presentationml/2006/main" showMasterPhAnim="0">
   <p:cSld>
     <p:spTree>
@@ -11376,7 +12422,7 @@
 </p:sld>
 </file>
 
-<file path=ppt/slides/slide34.xml><?xml version="1.0" encoding="utf-8"?>
+<file path=ppt/slides/slide39.xml><?xml version="1.0" encoding="utf-8"?>
 <p:sld xmlns:a="http://schemas.openxmlformats.org/drawingml/2006/main" xmlns:r="http://schemas.openxmlformats.org/officeDocument/2006/relationships" xmlns:p="http://schemas.openxmlformats.org/presentationml/2006/main" showMasterPhAnim="0">
   <p:cSld>
     <p:spTree>
@@ -11471,529 +12517,6 @@
     <p:extLst>
       <p:ext uri="{BB962C8B-B14F-4D97-AF65-F5344CB8AC3E}">
         <p14:creationId xmlns:p14="http://schemas.microsoft.com/office/powerpoint/2010/main" val="619356653"/>
-      </p:ext>
-    </p:extLst>
-  </p:cSld>
-  <p:clrMapOvr>
-    <a:masterClrMapping/>
-  </p:clrMapOvr>
-</p:sld>
-</file>
-
-<file path=ppt/slides/slide35.xml><?xml version="1.0" encoding="utf-8"?>
-<p:sld xmlns:a="http://schemas.openxmlformats.org/drawingml/2006/main" xmlns:r="http://schemas.openxmlformats.org/officeDocument/2006/relationships" xmlns:p="http://schemas.openxmlformats.org/presentationml/2006/main" showMasterPhAnim="0">
-  <p:cSld>
-    <p:spTree>
-      <p:nvGrpSpPr>
-        <p:cNvPr id="1" name=""/>
-        <p:cNvGrpSpPr/>
-        <p:nvPr/>
-      </p:nvGrpSpPr>
-      <p:grpSpPr>
-        <a:xfrm>
-          <a:off x="0" y="0"/>
-          <a:ext cx="0" cy="0"/>
-          <a:chOff x="0" y="0"/>
-          <a:chExt cx="0" cy="0"/>
-        </a:xfrm>
-      </p:grpSpPr>
-      <p:sp>
-        <p:nvSpPr>
-          <p:cNvPr id="14338" name="Rectangle 4"/>
-          <p:cNvSpPr>
-            <a:spLocks noGrp="1" noChangeArrowheads="1"/>
-          </p:cNvSpPr>
-          <p:nvPr>
-            <p:ph type="title"/>
-          </p:nvPr>
-        </p:nvSpPr>
-        <p:spPr>
-          <a:xfrm>
-            <a:off x="0" y="427407"/>
-            <a:ext cx="9144000" cy="457200"/>
-          </a:xfrm>
-        </p:spPr>
-        <p:txBody>
-          <a:bodyPr/>
-          <a:lstStyle/>
-          <a:p>
-            <a:pPr eaLnBrk="1" hangingPunct="1"/>
-            <a:r>
-              <a:rPr lang="en-GB" sz="2800" dirty="0">
-                <a:latin typeface="Candara" panose="020E0502030303020204" pitchFamily="34" charset="0"/>
-              </a:rPr>
-              <a:t>Cool countries tend to be poor, hot countries rich - 1700</a:t>
-            </a:r>
-            <a:br>
-              <a:rPr lang="en-GB" sz="3600" dirty="0">
-                <a:latin typeface="Candara" panose="020E0502030303020204" pitchFamily="34" charset="0"/>
-              </a:rPr>
-            </a:br>
-            <a:endParaRPr lang="en-GB" sz="3600" dirty="0">
-              <a:latin typeface="Candara" panose="020E0502030303020204" pitchFamily="34" charset="0"/>
-            </a:endParaRPr>
-          </a:p>
-        </p:txBody>
-      </p:sp>
-      <p:pic>
-        <p:nvPicPr>
-          <p:cNvPr id="3" name="Picture 2">
-            <a:extLst>
-              <a:ext uri="{FF2B5EF4-FFF2-40B4-BE49-F238E27FC236}">
-                <a16:creationId xmlns:a16="http://schemas.microsoft.com/office/drawing/2014/main" id="{D748682A-5B18-4F7E-A197-3A5C17B7A6DB}"/>
-              </a:ext>
-            </a:extLst>
-          </p:cNvPr>
-          <p:cNvPicPr>
-            <a:picLocks noChangeAspect="1"/>
-          </p:cNvPicPr>
-          <p:nvPr/>
-        </p:nvPicPr>
-        <p:blipFill>
-          <a:blip r:embed="rId3">
-            <a:extLst>
-              <a:ext uri="{28A0092B-C50C-407E-A947-70E740481C1C}">
-                <a14:useLocalDpi xmlns:a14="http://schemas.microsoft.com/office/drawing/2010/main" val="0"/>
-              </a:ext>
-            </a:extLst>
-          </a:blip>
-          <a:stretch>
-            <a:fillRect/>
-          </a:stretch>
-        </p:blipFill>
-        <p:spPr>
-          <a:xfrm>
-            <a:off x="0" y="879691"/>
-            <a:ext cx="9144000" cy="5978309"/>
-          </a:xfrm>
-          <a:prstGeom prst="rect">
-            <a:avLst/>
-          </a:prstGeom>
-        </p:spPr>
-      </p:pic>
-    </p:spTree>
-    <p:extLst>
-      <p:ext uri="{BB962C8B-B14F-4D97-AF65-F5344CB8AC3E}">
-        <p14:creationId xmlns:p14="http://schemas.microsoft.com/office/powerpoint/2010/main" val="2405932293"/>
-      </p:ext>
-    </p:extLst>
-  </p:cSld>
-  <p:clrMapOvr>
-    <a:masterClrMapping/>
-  </p:clrMapOvr>
-</p:sld>
-</file>
-
-<file path=ppt/slides/slide36.xml><?xml version="1.0" encoding="utf-8"?>
-<p:sld xmlns:a="http://schemas.openxmlformats.org/drawingml/2006/main" xmlns:r="http://schemas.openxmlformats.org/officeDocument/2006/relationships" xmlns:p="http://schemas.openxmlformats.org/presentationml/2006/main" showMasterPhAnim="0">
-  <p:cSld>
-    <p:spTree>
-      <p:nvGrpSpPr>
-        <p:cNvPr id="1" name=""/>
-        <p:cNvGrpSpPr/>
-        <p:nvPr/>
-      </p:nvGrpSpPr>
-      <p:grpSpPr>
-        <a:xfrm>
-          <a:off x="0" y="0"/>
-          <a:ext cx="0" cy="0"/>
-          <a:chOff x="0" y="0"/>
-          <a:chExt cx="0" cy="0"/>
-        </a:xfrm>
-      </p:grpSpPr>
-      <p:sp>
-        <p:nvSpPr>
-          <p:cNvPr id="14338" name="Rectangle 4"/>
-          <p:cNvSpPr>
-            <a:spLocks noGrp="1" noChangeArrowheads="1"/>
-          </p:cNvSpPr>
-          <p:nvPr>
-            <p:ph type="title"/>
-          </p:nvPr>
-        </p:nvSpPr>
-        <p:spPr>
-          <a:xfrm>
-            <a:off x="0" y="427407"/>
-            <a:ext cx="9144000" cy="457200"/>
-          </a:xfrm>
-        </p:spPr>
-        <p:txBody>
-          <a:bodyPr/>
-          <a:lstStyle/>
-          <a:p>
-            <a:pPr eaLnBrk="1" hangingPunct="1"/>
-            <a:r>
-              <a:rPr lang="en-GB" sz="2800" dirty="0">
-                <a:latin typeface="Candara" panose="020E0502030303020204" pitchFamily="34" charset="0"/>
-              </a:rPr>
-              <a:t>Cool countries tend to be poor, hot countries rich - 1650</a:t>
-            </a:r>
-            <a:br>
-              <a:rPr lang="en-GB" sz="3600" dirty="0">
-                <a:latin typeface="Candara" panose="020E0502030303020204" pitchFamily="34" charset="0"/>
-              </a:rPr>
-            </a:br>
-            <a:endParaRPr lang="en-GB" sz="3600" dirty="0">
-              <a:latin typeface="Candara" panose="020E0502030303020204" pitchFamily="34" charset="0"/>
-            </a:endParaRPr>
-          </a:p>
-        </p:txBody>
-      </p:sp>
-      <p:pic>
-        <p:nvPicPr>
-          <p:cNvPr id="4" name="Picture 3">
-            <a:extLst>
-              <a:ext uri="{FF2B5EF4-FFF2-40B4-BE49-F238E27FC236}">
-                <a16:creationId xmlns:a16="http://schemas.microsoft.com/office/drawing/2014/main" id="{4A5D01B8-F0C0-4A40-AC7B-4B73E41A4C4F}"/>
-              </a:ext>
-            </a:extLst>
-          </p:cNvPr>
-          <p:cNvPicPr>
-            <a:picLocks noChangeAspect="1"/>
-          </p:cNvPicPr>
-          <p:nvPr/>
-        </p:nvPicPr>
-        <p:blipFill>
-          <a:blip r:embed="rId3">
-            <a:extLst>
-              <a:ext uri="{28A0092B-C50C-407E-A947-70E740481C1C}">
-                <a14:useLocalDpi xmlns:a14="http://schemas.microsoft.com/office/drawing/2010/main" val="0"/>
-              </a:ext>
-            </a:extLst>
-          </a:blip>
-          <a:stretch>
-            <a:fillRect/>
-          </a:stretch>
-        </p:blipFill>
-        <p:spPr>
-          <a:xfrm>
-            <a:off x="0" y="879691"/>
-            <a:ext cx="9144000" cy="5978309"/>
-          </a:xfrm>
-          <a:prstGeom prst="rect">
-            <a:avLst/>
-          </a:prstGeom>
-        </p:spPr>
-      </p:pic>
-    </p:spTree>
-    <p:extLst>
-      <p:ext uri="{BB962C8B-B14F-4D97-AF65-F5344CB8AC3E}">
-        <p14:creationId xmlns:p14="http://schemas.microsoft.com/office/powerpoint/2010/main" val="790650437"/>
-      </p:ext>
-    </p:extLst>
-  </p:cSld>
-  <p:clrMapOvr>
-    <a:masterClrMapping/>
-  </p:clrMapOvr>
-</p:sld>
-</file>
-
-<file path=ppt/slides/slide37.xml><?xml version="1.0" encoding="utf-8"?>
-<p:sld xmlns:a="http://schemas.openxmlformats.org/drawingml/2006/main" xmlns:r="http://schemas.openxmlformats.org/officeDocument/2006/relationships" xmlns:p="http://schemas.openxmlformats.org/presentationml/2006/main" showMasterPhAnim="0">
-  <p:cSld>
-    <p:spTree>
-      <p:nvGrpSpPr>
-        <p:cNvPr id="1" name=""/>
-        <p:cNvGrpSpPr/>
-        <p:nvPr/>
-      </p:nvGrpSpPr>
-      <p:grpSpPr>
-        <a:xfrm>
-          <a:off x="0" y="0"/>
-          <a:ext cx="0" cy="0"/>
-          <a:chOff x="0" y="0"/>
-          <a:chExt cx="0" cy="0"/>
-        </a:xfrm>
-      </p:grpSpPr>
-      <p:sp>
-        <p:nvSpPr>
-          <p:cNvPr id="14338" name="Rectangle 4"/>
-          <p:cNvSpPr>
-            <a:spLocks noGrp="1" noChangeArrowheads="1"/>
-          </p:cNvSpPr>
-          <p:nvPr>
-            <p:ph type="title"/>
-          </p:nvPr>
-        </p:nvSpPr>
-        <p:spPr>
-          <a:xfrm>
-            <a:off x="0" y="427407"/>
-            <a:ext cx="9144000" cy="457200"/>
-          </a:xfrm>
-        </p:spPr>
-        <p:txBody>
-          <a:bodyPr/>
-          <a:lstStyle/>
-          <a:p>
-            <a:pPr eaLnBrk="1" hangingPunct="1"/>
-            <a:r>
-              <a:rPr lang="en-GB" sz="2800" dirty="0">
-                <a:latin typeface="Candara" panose="020E0502030303020204" pitchFamily="34" charset="0"/>
-              </a:rPr>
-              <a:t>Cool countries tend to be poor, hot countries rich - 1600</a:t>
-            </a:r>
-            <a:br>
-              <a:rPr lang="en-GB" sz="3600" dirty="0">
-                <a:latin typeface="Candara" panose="020E0502030303020204" pitchFamily="34" charset="0"/>
-              </a:rPr>
-            </a:br>
-            <a:endParaRPr lang="en-GB" sz="3600" dirty="0">
-              <a:latin typeface="Candara" panose="020E0502030303020204" pitchFamily="34" charset="0"/>
-            </a:endParaRPr>
-          </a:p>
-        </p:txBody>
-      </p:sp>
-      <p:pic>
-        <p:nvPicPr>
-          <p:cNvPr id="3" name="Picture 2">
-            <a:extLst>
-              <a:ext uri="{FF2B5EF4-FFF2-40B4-BE49-F238E27FC236}">
-                <a16:creationId xmlns:a16="http://schemas.microsoft.com/office/drawing/2014/main" id="{DFA9A916-B581-428E-9982-F2E489C40A36}"/>
-              </a:ext>
-            </a:extLst>
-          </p:cNvPr>
-          <p:cNvPicPr>
-            <a:picLocks noChangeAspect="1"/>
-          </p:cNvPicPr>
-          <p:nvPr/>
-        </p:nvPicPr>
-        <p:blipFill>
-          <a:blip r:embed="rId3">
-            <a:extLst>
-              <a:ext uri="{28A0092B-C50C-407E-A947-70E740481C1C}">
-                <a14:useLocalDpi xmlns:a14="http://schemas.microsoft.com/office/drawing/2010/main" val="0"/>
-              </a:ext>
-            </a:extLst>
-          </a:blip>
-          <a:stretch>
-            <a:fillRect/>
-          </a:stretch>
-        </p:blipFill>
-        <p:spPr>
-          <a:xfrm>
-            <a:off x="0" y="879691"/>
-            <a:ext cx="9144000" cy="5978309"/>
-          </a:xfrm>
-          <a:prstGeom prst="rect">
-            <a:avLst/>
-          </a:prstGeom>
-        </p:spPr>
-      </p:pic>
-    </p:spTree>
-    <p:extLst>
-      <p:ext uri="{BB962C8B-B14F-4D97-AF65-F5344CB8AC3E}">
-        <p14:creationId xmlns:p14="http://schemas.microsoft.com/office/powerpoint/2010/main" val="2380673128"/>
-      </p:ext>
-    </p:extLst>
-  </p:cSld>
-  <p:clrMapOvr>
-    <a:masterClrMapping/>
-  </p:clrMapOvr>
-</p:sld>
-</file>
-
-<file path=ppt/slides/slide38.xml><?xml version="1.0" encoding="utf-8"?>
-<p:sld xmlns:a="http://schemas.openxmlformats.org/drawingml/2006/main" xmlns:r="http://schemas.openxmlformats.org/officeDocument/2006/relationships" xmlns:p="http://schemas.openxmlformats.org/presentationml/2006/main" showMasterPhAnim="0">
-  <p:cSld>
-    <p:spTree>
-      <p:nvGrpSpPr>
-        <p:cNvPr id="1" name=""/>
-        <p:cNvGrpSpPr/>
-        <p:nvPr/>
-      </p:nvGrpSpPr>
-      <p:grpSpPr>
-        <a:xfrm>
-          <a:off x="0" y="0"/>
-          <a:ext cx="0" cy="0"/>
-          <a:chOff x="0" y="0"/>
-          <a:chExt cx="0" cy="0"/>
-        </a:xfrm>
-      </p:grpSpPr>
-      <p:sp>
-        <p:nvSpPr>
-          <p:cNvPr id="14338" name="Rectangle 4"/>
-          <p:cNvSpPr>
-            <a:spLocks noGrp="1" noChangeArrowheads="1"/>
-          </p:cNvSpPr>
-          <p:nvPr>
-            <p:ph type="title"/>
-          </p:nvPr>
-        </p:nvSpPr>
-        <p:spPr>
-          <a:xfrm>
-            <a:off x="0" y="427407"/>
-            <a:ext cx="9144000" cy="457200"/>
-          </a:xfrm>
-        </p:spPr>
-        <p:txBody>
-          <a:bodyPr/>
-          <a:lstStyle/>
-          <a:p>
-            <a:pPr eaLnBrk="1" hangingPunct="1"/>
-            <a:r>
-              <a:rPr lang="en-GB" sz="2800" dirty="0">
-                <a:latin typeface="Candara" panose="020E0502030303020204" pitchFamily="34" charset="0"/>
-              </a:rPr>
-              <a:t>Cool countries tend to be poor, hot countries rich - 0</a:t>
-            </a:r>
-            <a:br>
-              <a:rPr lang="en-GB" sz="3600" dirty="0">
-                <a:latin typeface="Candara" panose="020E0502030303020204" pitchFamily="34" charset="0"/>
-              </a:rPr>
-            </a:br>
-            <a:endParaRPr lang="en-GB" sz="3600" dirty="0">
-              <a:latin typeface="Candara" panose="020E0502030303020204" pitchFamily="34" charset="0"/>
-            </a:endParaRPr>
-          </a:p>
-        </p:txBody>
-      </p:sp>
-      <p:pic>
-        <p:nvPicPr>
-          <p:cNvPr id="6" name="Picture 5">
-            <a:extLst>
-              <a:ext uri="{FF2B5EF4-FFF2-40B4-BE49-F238E27FC236}">
-                <a16:creationId xmlns:a16="http://schemas.microsoft.com/office/drawing/2014/main" id="{31280DAA-6A3E-40E9-87C0-B6763A8C3140}"/>
-              </a:ext>
-            </a:extLst>
-          </p:cNvPr>
-          <p:cNvPicPr>
-            <a:picLocks noChangeAspect="1"/>
-          </p:cNvPicPr>
-          <p:nvPr/>
-        </p:nvPicPr>
-        <p:blipFill>
-          <a:blip r:embed="rId3">
-            <a:extLst>
-              <a:ext uri="{28A0092B-C50C-407E-A947-70E740481C1C}">
-                <a14:useLocalDpi xmlns:a14="http://schemas.microsoft.com/office/drawing/2010/main" val="0"/>
-              </a:ext>
-            </a:extLst>
-          </a:blip>
-          <a:stretch>
-            <a:fillRect/>
-          </a:stretch>
-        </p:blipFill>
-        <p:spPr>
-          <a:xfrm>
-            <a:off x="0" y="879691"/>
-            <a:ext cx="9144000" cy="5978309"/>
-          </a:xfrm>
-          <a:prstGeom prst="rect">
-            <a:avLst/>
-          </a:prstGeom>
-        </p:spPr>
-      </p:pic>
-    </p:spTree>
-    <p:extLst>
-      <p:ext uri="{BB962C8B-B14F-4D97-AF65-F5344CB8AC3E}">
-        <p14:creationId xmlns:p14="http://schemas.microsoft.com/office/powerpoint/2010/main" val="2354796413"/>
-      </p:ext>
-    </p:extLst>
-  </p:cSld>
-  <p:clrMapOvr>
-    <a:masterClrMapping/>
-  </p:clrMapOvr>
-</p:sld>
-</file>
-
-<file path=ppt/slides/slide39.xml><?xml version="1.0" encoding="utf-8"?>
-<p:sld xmlns:a="http://schemas.openxmlformats.org/drawingml/2006/main" xmlns:r="http://schemas.openxmlformats.org/officeDocument/2006/relationships" xmlns:p="http://schemas.openxmlformats.org/presentationml/2006/main" showMasterPhAnim="0">
-  <p:cSld>
-    <p:spTree>
-      <p:nvGrpSpPr>
-        <p:cNvPr id="1" name=""/>
-        <p:cNvGrpSpPr/>
-        <p:nvPr/>
-      </p:nvGrpSpPr>
-      <p:grpSpPr>
-        <a:xfrm>
-          <a:off x="0" y="0"/>
-          <a:ext cx="0" cy="0"/>
-          <a:chOff x="0" y="0"/>
-          <a:chExt cx="0" cy="0"/>
-        </a:xfrm>
-      </p:grpSpPr>
-      <p:sp>
-        <p:nvSpPr>
-          <p:cNvPr id="14338" name="Rectangle 4"/>
-          <p:cNvSpPr>
-            <a:spLocks noGrp="1" noChangeArrowheads="1"/>
-          </p:cNvSpPr>
-          <p:nvPr>
-            <p:ph type="title"/>
-          </p:nvPr>
-        </p:nvSpPr>
-        <p:spPr>
-          <a:xfrm>
-            <a:off x="685800" y="76200"/>
-            <a:ext cx="7772400" cy="1143000"/>
-          </a:xfrm>
-        </p:spPr>
-        <p:txBody>
-          <a:bodyPr/>
-          <a:lstStyle/>
-          <a:p>
-            <a:pPr eaLnBrk="1" hangingPunct="1"/>
-            <a:r>
-              <a:rPr lang="en-GB" sz="3600" dirty="0">
-                <a:latin typeface="Candara" panose="020E0502030303020204" pitchFamily="34" charset="0"/>
-              </a:rPr>
-              <a:t>Climate and poverty</a:t>
-            </a:r>
-          </a:p>
-        </p:txBody>
-      </p:sp>
-      <p:sp>
-        <p:nvSpPr>
-          <p:cNvPr id="305157" name="Rectangle 5"/>
-          <p:cNvSpPr>
-            <a:spLocks noGrp="1" noChangeArrowheads="1"/>
-          </p:cNvSpPr>
-          <p:nvPr>
-            <p:ph type="body" idx="1"/>
-          </p:nvPr>
-        </p:nvSpPr>
-        <p:spPr>
-          <a:xfrm>
-            <a:off x="685800" y="1066800"/>
-            <a:ext cx="7772400" cy="5410200"/>
-          </a:xfrm>
-        </p:spPr>
-        <p:txBody>
-          <a:bodyPr/>
-          <a:lstStyle/>
-          <a:p>
-            <a:pPr eaLnBrk="1" hangingPunct="1">
-              <a:lnSpc>
-                <a:spcPct val="90000"/>
-              </a:lnSpc>
-            </a:pPr>
-            <a:r>
-              <a:rPr lang="en-GB" sz="2800" dirty="0">
-                <a:latin typeface="Candara" panose="020E0502030303020204" pitchFamily="34" charset="0"/>
-              </a:rPr>
-              <a:t>Cool countries tend to be rich, hot countries tend to be poor</a:t>
-            </a:r>
-          </a:p>
-          <a:p>
-            <a:pPr eaLnBrk="1" hangingPunct="1">
-              <a:lnSpc>
-                <a:spcPct val="90000"/>
-              </a:lnSpc>
-            </a:pPr>
-            <a:r>
-              <a:rPr lang="en-GB" sz="2800" dirty="0">
-                <a:latin typeface="Candara" panose="020E0502030303020204" pitchFamily="34" charset="0"/>
-              </a:rPr>
-              <a:t>Correlation sure, in recent centuries, but causation?</a:t>
-            </a:r>
-          </a:p>
-        </p:txBody>
-      </p:sp>
-    </p:spTree>
-    <p:extLst>
-      <p:ext uri="{BB962C8B-B14F-4D97-AF65-F5344CB8AC3E}">
-        <p14:creationId xmlns:p14="http://schemas.microsoft.com/office/powerpoint/2010/main" val="1161157791"/>
       </p:ext>
     </p:extLst>
   </p:cSld>
@@ -12029,91 +12552,21 @@
           <p:nvPr/>
         </p:nvPicPr>
         <p:blipFill>
-          <a:blip r:embed="rId3"/>
+          <a:blip r:embed="rId2"/>
           <a:stretch>
             <a:fillRect/>
           </a:stretch>
         </p:blipFill>
         <p:spPr>
           <a:xfrm>
-            <a:off x="-11229" y="0"/>
-            <a:ext cx="9155229" cy="5967297"/>
+            <a:off x="8021" y="0"/>
+            <a:ext cx="9135979" cy="5943650"/>
           </a:xfrm>
           <a:prstGeom prst="rect">
             <a:avLst/>
           </a:prstGeom>
         </p:spPr>
       </p:pic>
-      <p:sp>
-        <p:nvSpPr>
-          <p:cNvPr id="13316" name="Text Box 4"/>
-          <p:cNvSpPr txBox="1">
-            <a:spLocks noChangeArrowheads="1"/>
-          </p:cNvSpPr>
-          <p:nvPr/>
-        </p:nvSpPr>
-        <p:spPr bwMode="auto">
-          <a:xfrm>
-            <a:off x="990600" y="76200"/>
-            <a:ext cx="2967479" cy="1200329"/>
-          </a:xfrm>
-          <a:prstGeom prst="rect">
-            <a:avLst/>
-          </a:prstGeom>
-          <a:noFill/>
-          <a:ln w="9525">
-            <a:noFill/>
-            <a:miter lim="800000"/>
-            <a:headEnd/>
-            <a:tailEnd/>
-          </a:ln>
-        </p:spPr>
-        <p:txBody>
-          <a:bodyPr wrap="none">
-            <a:spAutoFit/>
-          </a:bodyPr>
-          <a:lstStyle/>
-          <a:p>
-            <a:pPr marL="457200" indent="-457200">
-              <a:buFontTx/>
-              <a:buAutoNum type="arabicPeriod"/>
-            </a:pPr>
-            <a:r>
-              <a:rPr lang="en-GB" dirty="0">
-                <a:latin typeface="Candara" panose="020E0502030303020204" pitchFamily="34" charset="0"/>
-              </a:rPr>
-              <a:t>Exposure</a:t>
-            </a:r>
-          </a:p>
-          <a:p>
-            <a:pPr marL="457200" indent="-457200">
-              <a:buFontTx/>
-              <a:buAutoNum type="arabicPeriod"/>
-            </a:pPr>
-            <a:r>
-              <a:rPr lang="en-GB" dirty="0">
-                <a:latin typeface="Candara" panose="020E0502030303020204" pitchFamily="34" charset="0"/>
-              </a:rPr>
-              <a:t>Limits / analogues</a:t>
-            </a:r>
-          </a:p>
-          <a:p>
-            <a:pPr marL="457200" indent="-457200">
-              <a:buFontTx/>
-              <a:buAutoNum type="arabicPeriod"/>
-            </a:pPr>
-            <a:r>
-              <a:rPr lang="en-GB" dirty="0">
-                <a:latin typeface="Candara" panose="020E0502030303020204" pitchFamily="34" charset="0"/>
-              </a:rPr>
-              <a:t>Adaptive capacity</a:t>
-            </a:r>
-            <a:endParaRPr lang="en-US" dirty="0">
-              <a:latin typeface="Candara" panose="020E0502030303020204" pitchFamily="34" charset="0"/>
-            </a:endParaRPr>
-          </a:p>
-        </p:txBody>
-      </p:sp>
     </p:spTree>
   </p:cSld>
   <p:clrMapOvr>
@@ -12123,6 +12576,529 @@
 </file>
 
 <file path=ppt/slides/slide40.xml><?xml version="1.0" encoding="utf-8"?>
+<p:sld xmlns:a="http://schemas.openxmlformats.org/drawingml/2006/main" xmlns:r="http://schemas.openxmlformats.org/officeDocument/2006/relationships" xmlns:p="http://schemas.openxmlformats.org/presentationml/2006/main" showMasterPhAnim="0">
+  <p:cSld>
+    <p:spTree>
+      <p:nvGrpSpPr>
+        <p:cNvPr id="1" name=""/>
+        <p:cNvGrpSpPr/>
+        <p:nvPr/>
+      </p:nvGrpSpPr>
+      <p:grpSpPr>
+        <a:xfrm>
+          <a:off x="0" y="0"/>
+          <a:ext cx="0" cy="0"/>
+          <a:chOff x="0" y="0"/>
+          <a:chExt cx="0" cy="0"/>
+        </a:xfrm>
+      </p:grpSpPr>
+      <p:sp>
+        <p:nvSpPr>
+          <p:cNvPr id="14338" name="Rectangle 4"/>
+          <p:cNvSpPr>
+            <a:spLocks noGrp="1" noChangeArrowheads="1"/>
+          </p:cNvSpPr>
+          <p:nvPr>
+            <p:ph type="title"/>
+          </p:nvPr>
+        </p:nvSpPr>
+        <p:spPr>
+          <a:xfrm>
+            <a:off x="0" y="427407"/>
+            <a:ext cx="9144000" cy="457200"/>
+          </a:xfrm>
+        </p:spPr>
+        <p:txBody>
+          <a:bodyPr/>
+          <a:lstStyle/>
+          <a:p>
+            <a:pPr eaLnBrk="1" hangingPunct="1"/>
+            <a:r>
+              <a:rPr lang="en-GB" sz="2800" dirty="0">
+                <a:latin typeface="Candara" panose="020E0502030303020204" pitchFamily="34" charset="0"/>
+              </a:rPr>
+              <a:t>Cool countries tend to be poor, hot countries rich - 1700</a:t>
+            </a:r>
+            <a:br>
+              <a:rPr lang="en-GB" sz="3600" dirty="0">
+                <a:latin typeface="Candara" panose="020E0502030303020204" pitchFamily="34" charset="0"/>
+              </a:rPr>
+            </a:br>
+            <a:endParaRPr lang="en-GB" sz="3600" dirty="0">
+              <a:latin typeface="Candara" panose="020E0502030303020204" pitchFamily="34" charset="0"/>
+            </a:endParaRPr>
+          </a:p>
+        </p:txBody>
+      </p:sp>
+      <p:pic>
+        <p:nvPicPr>
+          <p:cNvPr id="3" name="Picture 2">
+            <a:extLst>
+              <a:ext uri="{FF2B5EF4-FFF2-40B4-BE49-F238E27FC236}">
+                <a16:creationId xmlns:a16="http://schemas.microsoft.com/office/drawing/2014/main" id="{D748682A-5B18-4F7E-A197-3A5C17B7A6DB}"/>
+              </a:ext>
+            </a:extLst>
+          </p:cNvPr>
+          <p:cNvPicPr>
+            <a:picLocks noChangeAspect="1"/>
+          </p:cNvPicPr>
+          <p:nvPr/>
+        </p:nvPicPr>
+        <p:blipFill>
+          <a:blip r:embed="rId3">
+            <a:extLst>
+              <a:ext uri="{28A0092B-C50C-407E-A947-70E740481C1C}">
+                <a14:useLocalDpi xmlns:a14="http://schemas.microsoft.com/office/drawing/2010/main" val="0"/>
+              </a:ext>
+            </a:extLst>
+          </a:blip>
+          <a:stretch>
+            <a:fillRect/>
+          </a:stretch>
+        </p:blipFill>
+        <p:spPr>
+          <a:xfrm>
+            <a:off x="0" y="879691"/>
+            <a:ext cx="9144000" cy="5978309"/>
+          </a:xfrm>
+          <a:prstGeom prst="rect">
+            <a:avLst/>
+          </a:prstGeom>
+        </p:spPr>
+      </p:pic>
+    </p:spTree>
+    <p:extLst>
+      <p:ext uri="{BB962C8B-B14F-4D97-AF65-F5344CB8AC3E}">
+        <p14:creationId xmlns:p14="http://schemas.microsoft.com/office/powerpoint/2010/main" val="2405932293"/>
+      </p:ext>
+    </p:extLst>
+  </p:cSld>
+  <p:clrMapOvr>
+    <a:masterClrMapping/>
+  </p:clrMapOvr>
+</p:sld>
+</file>
+
+<file path=ppt/slides/slide41.xml><?xml version="1.0" encoding="utf-8"?>
+<p:sld xmlns:a="http://schemas.openxmlformats.org/drawingml/2006/main" xmlns:r="http://schemas.openxmlformats.org/officeDocument/2006/relationships" xmlns:p="http://schemas.openxmlformats.org/presentationml/2006/main" showMasterPhAnim="0">
+  <p:cSld>
+    <p:spTree>
+      <p:nvGrpSpPr>
+        <p:cNvPr id="1" name=""/>
+        <p:cNvGrpSpPr/>
+        <p:nvPr/>
+      </p:nvGrpSpPr>
+      <p:grpSpPr>
+        <a:xfrm>
+          <a:off x="0" y="0"/>
+          <a:ext cx="0" cy="0"/>
+          <a:chOff x="0" y="0"/>
+          <a:chExt cx="0" cy="0"/>
+        </a:xfrm>
+      </p:grpSpPr>
+      <p:sp>
+        <p:nvSpPr>
+          <p:cNvPr id="14338" name="Rectangle 4"/>
+          <p:cNvSpPr>
+            <a:spLocks noGrp="1" noChangeArrowheads="1"/>
+          </p:cNvSpPr>
+          <p:nvPr>
+            <p:ph type="title"/>
+          </p:nvPr>
+        </p:nvSpPr>
+        <p:spPr>
+          <a:xfrm>
+            <a:off x="0" y="427407"/>
+            <a:ext cx="9144000" cy="457200"/>
+          </a:xfrm>
+        </p:spPr>
+        <p:txBody>
+          <a:bodyPr/>
+          <a:lstStyle/>
+          <a:p>
+            <a:pPr eaLnBrk="1" hangingPunct="1"/>
+            <a:r>
+              <a:rPr lang="en-GB" sz="2800" dirty="0">
+                <a:latin typeface="Candara" panose="020E0502030303020204" pitchFamily="34" charset="0"/>
+              </a:rPr>
+              <a:t>Cool countries tend to be poor, hot countries rich - 1650</a:t>
+            </a:r>
+            <a:br>
+              <a:rPr lang="en-GB" sz="3600" dirty="0">
+                <a:latin typeface="Candara" panose="020E0502030303020204" pitchFamily="34" charset="0"/>
+              </a:rPr>
+            </a:br>
+            <a:endParaRPr lang="en-GB" sz="3600" dirty="0">
+              <a:latin typeface="Candara" panose="020E0502030303020204" pitchFamily="34" charset="0"/>
+            </a:endParaRPr>
+          </a:p>
+        </p:txBody>
+      </p:sp>
+      <p:pic>
+        <p:nvPicPr>
+          <p:cNvPr id="4" name="Picture 3">
+            <a:extLst>
+              <a:ext uri="{FF2B5EF4-FFF2-40B4-BE49-F238E27FC236}">
+                <a16:creationId xmlns:a16="http://schemas.microsoft.com/office/drawing/2014/main" id="{4A5D01B8-F0C0-4A40-AC7B-4B73E41A4C4F}"/>
+              </a:ext>
+            </a:extLst>
+          </p:cNvPr>
+          <p:cNvPicPr>
+            <a:picLocks noChangeAspect="1"/>
+          </p:cNvPicPr>
+          <p:nvPr/>
+        </p:nvPicPr>
+        <p:blipFill>
+          <a:blip r:embed="rId3">
+            <a:extLst>
+              <a:ext uri="{28A0092B-C50C-407E-A947-70E740481C1C}">
+                <a14:useLocalDpi xmlns:a14="http://schemas.microsoft.com/office/drawing/2010/main" val="0"/>
+              </a:ext>
+            </a:extLst>
+          </a:blip>
+          <a:stretch>
+            <a:fillRect/>
+          </a:stretch>
+        </p:blipFill>
+        <p:spPr>
+          <a:xfrm>
+            <a:off x="0" y="879691"/>
+            <a:ext cx="9144000" cy="5978309"/>
+          </a:xfrm>
+          <a:prstGeom prst="rect">
+            <a:avLst/>
+          </a:prstGeom>
+        </p:spPr>
+      </p:pic>
+    </p:spTree>
+    <p:extLst>
+      <p:ext uri="{BB962C8B-B14F-4D97-AF65-F5344CB8AC3E}">
+        <p14:creationId xmlns:p14="http://schemas.microsoft.com/office/powerpoint/2010/main" val="790650437"/>
+      </p:ext>
+    </p:extLst>
+  </p:cSld>
+  <p:clrMapOvr>
+    <a:masterClrMapping/>
+  </p:clrMapOvr>
+</p:sld>
+</file>
+
+<file path=ppt/slides/slide42.xml><?xml version="1.0" encoding="utf-8"?>
+<p:sld xmlns:a="http://schemas.openxmlformats.org/drawingml/2006/main" xmlns:r="http://schemas.openxmlformats.org/officeDocument/2006/relationships" xmlns:p="http://schemas.openxmlformats.org/presentationml/2006/main" showMasterPhAnim="0">
+  <p:cSld>
+    <p:spTree>
+      <p:nvGrpSpPr>
+        <p:cNvPr id="1" name=""/>
+        <p:cNvGrpSpPr/>
+        <p:nvPr/>
+      </p:nvGrpSpPr>
+      <p:grpSpPr>
+        <a:xfrm>
+          <a:off x="0" y="0"/>
+          <a:ext cx="0" cy="0"/>
+          <a:chOff x="0" y="0"/>
+          <a:chExt cx="0" cy="0"/>
+        </a:xfrm>
+      </p:grpSpPr>
+      <p:sp>
+        <p:nvSpPr>
+          <p:cNvPr id="14338" name="Rectangle 4"/>
+          <p:cNvSpPr>
+            <a:spLocks noGrp="1" noChangeArrowheads="1"/>
+          </p:cNvSpPr>
+          <p:nvPr>
+            <p:ph type="title"/>
+          </p:nvPr>
+        </p:nvSpPr>
+        <p:spPr>
+          <a:xfrm>
+            <a:off x="0" y="427407"/>
+            <a:ext cx="9144000" cy="457200"/>
+          </a:xfrm>
+        </p:spPr>
+        <p:txBody>
+          <a:bodyPr/>
+          <a:lstStyle/>
+          <a:p>
+            <a:pPr eaLnBrk="1" hangingPunct="1"/>
+            <a:r>
+              <a:rPr lang="en-GB" sz="2800" dirty="0">
+                <a:latin typeface="Candara" panose="020E0502030303020204" pitchFamily="34" charset="0"/>
+              </a:rPr>
+              <a:t>Cool countries tend to be poor, hot countries rich - 1600</a:t>
+            </a:r>
+            <a:br>
+              <a:rPr lang="en-GB" sz="3600" dirty="0">
+                <a:latin typeface="Candara" panose="020E0502030303020204" pitchFamily="34" charset="0"/>
+              </a:rPr>
+            </a:br>
+            <a:endParaRPr lang="en-GB" sz="3600" dirty="0">
+              <a:latin typeface="Candara" panose="020E0502030303020204" pitchFamily="34" charset="0"/>
+            </a:endParaRPr>
+          </a:p>
+        </p:txBody>
+      </p:sp>
+      <p:pic>
+        <p:nvPicPr>
+          <p:cNvPr id="3" name="Picture 2">
+            <a:extLst>
+              <a:ext uri="{FF2B5EF4-FFF2-40B4-BE49-F238E27FC236}">
+                <a16:creationId xmlns:a16="http://schemas.microsoft.com/office/drawing/2014/main" id="{DFA9A916-B581-428E-9982-F2E489C40A36}"/>
+              </a:ext>
+            </a:extLst>
+          </p:cNvPr>
+          <p:cNvPicPr>
+            <a:picLocks noChangeAspect="1"/>
+          </p:cNvPicPr>
+          <p:nvPr/>
+        </p:nvPicPr>
+        <p:blipFill>
+          <a:blip r:embed="rId3">
+            <a:extLst>
+              <a:ext uri="{28A0092B-C50C-407E-A947-70E740481C1C}">
+                <a14:useLocalDpi xmlns:a14="http://schemas.microsoft.com/office/drawing/2010/main" val="0"/>
+              </a:ext>
+            </a:extLst>
+          </a:blip>
+          <a:stretch>
+            <a:fillRect/>
+          </a:stretch>
+        </p:blipFill>
+        <p:spPr>
+          <a:xfrm>
+            <a:off x="0" y="879691"/>
+            <a:ext cx="9144000" cy="5978309"/>
+          </a:xfrm>
+          <a:prstGeom prst="rect">
+            <a:avLst/>
+          </a:prstGeom>
+        </p:spPr>
+      </p:pic>
+    </p:spTree>
+    <p:extLst>
+      <p:ext uri="{BB962C8B-B14F-4D97-AF65-F5344CB8AC3E}">
+        <p14:creationId xmlns:p14="http://schemas.microsoft.com/office/powerpoint/2010/main" val="2380673128"/>
+      </p:ext>
+    </p:extLst>
+  </p:cSld>
+  <p:clrMapOvr>
+    <a:masterClrMapping/>
+  </p:clrMapOvr>
+</p:sld>
+</file>
+
+<file path=ppt/slides/slide43.xml><?xml version="1.0" encoding="utf-8"?>
+<p:sld xmlns:a="http://schemas.openxmlformats.org/drawingml/2006/main" xmlns:r="http://schemas.openxmlformats.org/officeDocument/2006/relationships" xmlns:p="http://schemas.openxmlformats.org/presentationml/2006/main" showMasterPhAnim="0">
+  <p:cSld>
+    <p:spTree>
+      <p:nvGrpSpPr>
+        <p:cNvPr id="1" name=""/>
+        <p:cNvGrpSpPr/>
+        <p:nvPr/>
+      </p:nvGrpSpPr>
+      <p:grpSpPr>
+        <a:xfrm>
+          <a:off x="0" y="0"/>
+          <a:ext cx="0" cy="0"/>
+          <a:chOff x="0" y="0"/>
+          <a:chExt cx="0" cy="0"/>
+        </a:xfrm>
+      </p:grpSpPr>
+      <p:sp>
+        <p:nvSpPr>
+          <p:cNvPr id="14338" name="Rectangle 4"/>
+          <p:cNvSpPr>
+            <a:spLocks noGrp="1" noChangeArrowheads="1"/>
+          </p:cNvSpPr>
+          <p:nvPr>
+            <p:ph type="title"/>
+          </p:nvPr>
+        </p:nvSpPr>
+        <p:spPr>
+          <a:xfrm>
+            <a:off x="0" y="427407"/>
+            <a:ext cx="9144000" cy="457200"/>
+          </a:xfrm>
+        </p:spPr>
+        <p:txBody>
+          <a:bodyPr/>
+          <a:lstStyle/>
+          <a:p>
+            <a:pPr eaLnBrk="1" hangingPunct="1"/>
+            <a:r>
+              <a:rPr lang="en-GB" sz="2800" dirty="0">
+                <a:latin typeface="Candara" panose="020E0502030303020204" pitchFamily="34" charset="0"/>
+              </a:rPr>
+              <a:t>Cool countries tend to be poor, hot countries rich - 0</a:t>
+            </a:r>
+            <a:br>
+              <a:rPr lang="en-GB" sz="3600" dirty="0">
+                <a:latin typeface="Candara" panose="020E0502030303020204" pitchFamily="34" charset="0"/>
+              </a:rPr>
+            </a:br>
+            <a:endParaRPr lang="en-GB" sz="3600" dirty="0">
+              <a:latin typeface="Candara" panose="020E0502030303020204" pitchFamily="34" charset="0"/>
+            </a:endParaRPr>
+          </a:p>
+        </p:txBody>
+      </p:sp>
+      <p:pic>
+        <p:nvPicPr>
+          <p:cNvPr id="6" name="Picture 5">
+            <a:extLst>
+              <a:ext uri="{FF2B5EF4-FFF2-40B4-BE49-F238E27FC236}">
+                <a16:creationId xmlns:a16="http://schemas.microsoft.com/office/drawing/2014/main" id="{31280DAA-6A3E-40E9-87C0-B6763A8C3140}"/>
+              </a:ext>
+            </a:extLst>
+          </p:cNvPr>
+          <p:cNvPicPr>
+            <a:picLocks noChangeAspect="1"/>
+          </p:cNvPicPr>
+          <p:nvPr/>
+        </p:nvPicPr>
+        <p:blipFill>
+          <a:blip r:embed="rId3">
+            <a:extLst>
+              <a:ext uri="{28A0092B-C50C-407E-A947-70E740481C1C}">
+                <a14:useLocalDpi xmlns:a14="http://schemas.microsoft.com/office/drawing/2010/main" val="0"/>
+              </a:ext>
+            </a:extLst>
+          </a:blip>
+          <a:stretch>
+            <a:fillRect/>
+          </a:stretch>
+        </p:blipFill>
+        <p:spPr>
+          <a:xfrm>
+            <a:off x="0" y="879691"/>
+            <a:ext cx="9144000" cy="5978309"/>
+          </a:xfrm>
+          <a:prstGeom prst="rect">
+            <a:avLst/>
+          </a:prstGeom>
+        </p:spPr>
+      </p:pic>
+    </p:spTree>
+    <p:extLst>
+      <p:ext uri="{BB962C8B-B14F-4D97-AF65-F5344CB8AC3E}">
+        <p14:creationId xmlns:p14="http://schemas.microsoft.com/office/powerpoint/2010/main" val="2354796413"/>
+      </p:ext>
+    </p:extLst>
+  </p:cSld>
+  <p:clrMapOvr>
+    <a:masterClrMapping/>
+  </p:clrMapOvr>
+</p:sld>
+</file>
+
+<file path=ppt/slides/slide44.xml><?xml version="1.0" encoding="utf-8"?>
+<p:sld xmlns:a="http://schemas.openxmlformats.org/drawingml/2006/main" xmlns:r="http://schemas.openxmlformats.org/officeDocument/2006/relationships" xmlns:p="http://schemas.openxmlformats.org/presentationml/2006/main" showMasterPhAnim="0">
+  <p:cSld>
+    <p:spTree>
+      <p:nvGrpSpPr>
+        <p:cNvPr id="1" name=""/>
+        <p:cNvGrpSpPr/>
+        <p:nvPr/>
+      </p:nvGrpSpPr>
+      <p:grpSpPr>
+        <a:xfrm>
+          <a:off x="0" y="0"/>
+          <a:ext cx="0" cy="0"/>
+          <a:chOff x="0" y="0"/>
+          <a:chExt cx="0" cy="0"/>
+        </a:xfrm>
+      </p:grpSpPr>
+      <p:sp>
+        <p:nvSpPr>
+          <p:cNvPr id="14338" name="Rectangle 4"/>
+          <p:cNvSpPr>
+            <a:spLocks noGrp="1" noChangeArrowheads="1"/>
+          </p:cNvSpPr>
+          <p:nvPr>
+            <p:ph type="title"/>
+          </p:nvPr>
+        </p:nvSpPr>
+        <p:spPr>
+          <a:xfrm>
+            <a:off x="685800" y="76200"/>
+            <a:ext cx="7772400" cy="1143000"/>
+          </a:xfrm>
+        </p:spPr>
+        <p:txBody>
+          <a:bodyPr/>
+          <a:lstStyle/>
+          <a:p>
+            <a:pPr eaLnBrk="1" hangingPunct="1"/>
+            <a:r>
+              <a:rPr lang="en-GB" sz="3600" dirty="0">
+                <a:latin typeface="Candara" panose="020E0502030303020204" pitchFamily="34" charset="0"/>
+              </a:rPr>
+              <a:t>Climate and poverty</a:t>
+            </a:r>
+          </a:p>
+        </p:txBody>
+      </p:sp>
+      <p:sp>
+        <p:nvSpPr>
+          <p:cNvPr id="305157" name="Rectangle 5"/>
+          <p:cNvSpPr>
+            <a:spLocks noGrp="1" noChangeArrowheads="1"/>
+          </p:cNvSpPr>
+          <p:nvPr>
+            <p:ph type="body" idx="1"/>
+          </p:nvPr>
+        </p:nvSpPr>
+        <p:spPr>
+          <a:xfrm>
+            <a:off x="685800" y="1066800"/>
+            <a:ext cx="7772400" cy="5410200"/>
+          </a:xfrm>
+        </p:spPr>
+        <p:txBody>
+          <a:bodyPr/>
+          <a:lstStyle/>
+          <a:p>
+            <a:pPr eaLnBrk="1" hangingPunct="1">
+              <a:lnSpc>
+                <a:spcPct val="90000"/>
+              </a:lnSpc>
+            </a:pPr>
+            <a:r>
+              <a:rPr lang="en-GB" sz="2800" dirty="0">
+                <a:latin typeface="Candara" panose="020E0502030303020204" pitchFamily="34" charset="0"/>
+              </a:rPr>
+              <a:t>Cool countries tend to be rich, hot countries tend to be poor</a:t>
+            </a:r>
+          </a:p>
+          <a:p>
+            <a:pPr eaLnBrk="1" hangingPunct="1">
+              <a:lnSpc>
+                <a:spcPct val="90000"/>
+              </a:lnSpc>
+            </a:pPr>
+            <a:r>
+              <a:rPr lang="en-GB" sz="2800" dirty="0">
+                <a:latin typeface="Candara" panose="020E0502030303020204" pitchFamily="34" charset="0"/>
+              </a:rPr>
+              <a:t>Correlation sure, in recent centuries, but causation?</a:t>
+            </a:r>
+          </a:p>
+        </p:txBody>
+      </p:sp>
+    </p:spTree>
+    <p:extLst>
+      <p:ext uri="{BB962C8B-B14F-4D97-AF65-F5344CB8AC3E}">
+        <p14:creationId xmlns:p14="http://schemas.microsoft.com/office/powerpoint/2010/main" val="1161157791"/>
+      </p:ext>
+    </p:extLst>
+  </p:cSld>
+  <p:clrMapOvr>
+    <a:masterClrMapping/>
+  </p:clrMapOvr>
+</p:sld>
+</file>
+
+<file path=ppt/slides/slide45.xml><?xml version="1.0" encoding="utf-8"?>
 <p:sld xmlns:a="http://schemas.openxmlformats.org/drawingml/2006/main" xmlns:r="http://schemas.openxmlformats.org/officeDocument/2006/relationships" xmlns:p="http://schemas.openxmlformats.org/presentationml/2006/main" showMasterPhAnim="0">
   <p:cSld>
     <p:spTree>
@@ -12288,7 +13264,7 @@
 </p:sld>
 </file>
 
-<file path=ppt/slides/slide41.xml><?xml version="1.0" encoding="utf-8"?>
+<file path=ppt/slides/slide46.xml><?xml version="1.0" encoding="utf-8"?>
 <p:sld xmlns:a="http://schemas.openxmlformats.org/drawingml/2006/main" xmlns:r="http://schemas.openxmlformats.org/officeDocument/2006/relationships" xmlns:p="http://schemas.openxmlformats.org/presentationml/2006/main">
   <p:cSld>
     <p:spTree>
@@ -12391,7 +13367,7 @@
 </p:sld>
 </file>
 
-<file path=ppt/slides/slide42.xml><?xml version="1.0" encoding="utf-8"?>
+<file path=ppt/slides/slide47.xml><?xml version="1.0" encoding="utf-8"?>
 <p:sld xmlns:a="http://schemas.openxmlformats.org/drawingml/2006/main" xmlns:r="http://schemas.openxmlformats.org/officeDocument/2006/relationships" xmlns:p="http://schemas.openxmlformats.org/presentationml/2006/main" showMasterPhAnim="0">
   <p:cSld>
     <p:spTree>
@@ -12570,7 +13546,7 @@
 </p:sld>
 </file>
 
-<file path=ppt/slides/slide43.xml><?xml version="1.0" encoding="utf-8"?>
+<file path=ppt/slides/slide48.xml><?xml version="1.0" encoding="utf-8"?>
 <p:sld xmlns:a="http://schemas.openxmlformats.org/drawingml/2006/main" xmlns:r="http://schemas.openxmlformats.org/officeDocument/2006/relationships" xmlns:p="http://schemas.openxmlformats.org/presentationml/2006/main">
   <p:cSld>
     <p:spTree>
@@ -12667,7 +13643,7 @@
 </p:sld>
 </file>
 
-<file path=ppt/slides/slide44.xml><?xml version="1.0" encoding="utf-8"?>
+<file path=ppt/slides/slide49.xml><?xml version="1.0" encoding="utf-8"?>
 <p:sld xmlns:a="http://schemas.openxmlformats.org/drawingml/2006/main" xmlns:r="http://schemas.openxmlformats.org/officeDocument/2006/relationships" xmlns:p="http://schemas.openxmlformats.org/presentationml/2006/main" showMasterPhAnim="0">
   <p:cSld>
     <p:spTree>
@@ -12865,7 +13841,126 @@
 </p:sld>
 </file>
 
-<file path=ppt/slides/slide45.xml><?xml version="1.0" encoding="utf-8"?>
+<file path=ppt/slides/slide5.xml><?xml version="1.0" encoding="utf-8"?>
+<p:sld xmlns:a="http://schemas.openxmlformats.org/drawingml/2006/main" xmlns:r="http://schemas.openxmlformats.org/officeDocument/2006/relationships" xmlns:p="http://schemas.openxmlformats.org/presentationml/2006/main">
+  <p:cSld>
+    <p:spTree>
+      <p:nvGrpSpPr>
+        <p:cNvPr id="1" name=""/>
+        <p:cNvGrpSpPr/>
+        <p:nvPr/>
+      </p:nvGrpSpPr>
+      <p:grpSpPr>
+        <a:xfrm>
+          <a:off x="0" y="0"/>
+          <a:ext cx="0" cy="0"/>
+          <a:chOff x="0" y="0"/>
+          <a:chExt cx="0" cy="0"/>
+        </a:xfrm>
+      </p:grpSpPr>
+      <p:pic>
+        <p:nvPicPr>
+          <p:cNvPr id="2" name="Picture 1"/>
+          <p:cNvPicPr>
+            <a:picLocks noChangeAspect="1"/>
+          </p:cNvPicPr>
+          <p:nvPr/>
+        </p:nvPicPr>
+        <p:blipFill>
+          <a:blip r:embed="rId3"/>
+          <a:stretch>
+            <a:fillRect/>
+          </a:stretch>
+        </p:blipFill>
+        <p:spPr>
+          <a:xfrm>
+            <a:off x="-11229" y="0"/>
+            <a:ext cx="9155229" cy="5967297"/>
+          </a:xfrm>
+          <a:prstGeom prst="rect">
+            <a:avLst/>
+          </a:prstGeom>
+        </p:spPr>
+      </p:pic>
+      <p:sp>
+        <p:nvSpPr>
+          <p:cNvPr id="13316" name="Text Box 4"/>
+          <p:cNvSpPr txBox="1">
+            <a:spLocks noChangeArrowheads="1"/>
+          </p:cNvSpPr>
+          <p:nvPr/>
+        </p:nvSpPr>
+        <p:spPr bwMode="auto">
+          <a:xfrm>
+            <a:off x="990600" y="76200"/>
+            <a:ext cx="2967479" cy="1200329"/>
+          </a:xfrm>
+          <a:prstGeom prst="rect">
+            <a:avLst/>
+          </a:prstGeom>
+          <a:noFill/>
+          <a:ln w="9525">
+            <a:noFill/>
+            <a:miter lim="800000"/>
+            <a:headEnd/>
+            <a:tailEnd/>
+          </a:ln>
+        </p:spPr>
+        <p:txBody>
+          <a:bodyPr wrap="none">
+            <a:spAutoFit/>
+          </a:bodyPr>
+          <a:lstStyle/>
+          <a:p>
+            <a:pPr marL="457200" indent="-457200">
+              <a:buFontTx/>
+              <a:buAutoNum type="arabicPeriod"/>
+            </a:pPr>
+            <a:r>
+              <a:rPr lang="en-GB" dirty="0">
+                <a:latin typeface="Candara" panose="020E0502030303020204" pitchFamily="34" charset="0"/>
+              </a:rPr>
+              <a:t>Exposure</a:t>
+            </a:r>
+          </a:p>
+          <a:p>
+            <a:pPr marL="457200" indent="-457200">
+              <a:buFontTx/>
+              <a:buAutoNum type="arabicPeriod"/>
+            </a:pPr>
+            <a:r>
+              <a:rPr lang="en-GB" dirty="0">
+                <a:latin typeface="Candara" panose="020E0502030303020204" pitchFamily="34" charset="0"/>
+              </a:rPr>
+              <a:t>Limits / analogues</a:t>
+            </a:r>
+          </a:p>
+          <a:p>
+            <a:pPr marL="457200" indent="-457200">
+              <a:buFontTx/>
+              <a:buAutoNum type="arabicPeriod"/>
+            </a:pPr>
+            <a:r>
+              <a:rPr lang="en-GB" dirty="0">
+                <a:latin typeface="Candara" panose="020E0502030303020204" pitchFamily="34" charset="0"/>
+              </a:rPr>
+              <a:t>Adaptive capacity</a:t>
+            </a:r>
+            <a:endParaRPr lang="en-US" dirty="0">
+              <a:latin typeface="Candara" panose="020E0502030303020204" pitchFamily="34" charset="0"/>
+            </a:endParaRPr>
+          </a:p>
+        </p:txBody>
+      </p:sp>
+    </p:spTree>
+  </p:cSld>
+  <p:clrMapOvr>
+    <a:masterClrMapping/>
+  </p:clrMapOvr>
+</p:sld>
+</file>
+
+<file path=ppt/slides/slide50.xml><?xml version="1.0" encoding="utf-8"?>
 <p:sld xmlns:a="http://schemas.openxmlformats.org/drawingml/2006/main" xmlns:r="http://schemas.openxmlformats.org/officeDocument/2006/relationships" xmlns:p="http://schemas.openxmlformats.org/presentationml/2006/main">
   <p:cSld>
     <p:spTree>
@@ -12962,7 +14057,7 @@
 </p:sld>
 </file>
 
-<file path=ppt/slides/slide46.xml><?xml version="1.0" encoding="utf-8"?>
+<file path=ppt/slides/slide51.xml><?xml version="1.0" encoding="utf-8"?>
 <p:sld xmlns:a="http://schemas.openxmlformats.org/drawingml/2006/main" xmlns:r="http://schemas.openxmlformats.org/officeDocument/2006/relationships" xmlns:p="http://schemas.openxmlformats.org/presentationml/2006/main" showMasterPhAnim="0">
   <p:cSld>
     <p:spTree>
@@ -13210,7 +14305,7 @@
 </p:sld>
 </file>
 
-<file path=ppt/slides/slide47.xml><?xml version="1.0" encoding="utf-8"?>
+<file path=ppt/slides/slide52.xml><?xml version="1.0" encoding="utf-8"?>
 <p:sld xmlns:a="http://schemas.openxmlformats.org/drawingml/2006/main" xmlns:r="http://schemas.openxmlformats.org/officeDocument/2006/relationships" xmlns:p="http://schemas.openxmlformats.org/presentationml/2006/main" showMasterPhAnim="0">
   <p:cSld>
     <p:spTree>
@@ -13461,7 +14556,7 @@
 </p:sld>
 </file>
 
-<file path=ppt/slides/slide48.xml><?xml version="1.0" encoding="utf-8"?>
+<file path=ppt/slides/slide53.xml><?xml version="1.0" encoding="utf-8"?>
 <p:sld xmlns:a="http://schemas.openxmlformats.org/drawingml/2006/main" xmlns:r="http://schemas.openxmlformats.org/officeDocument/2006/relationships" xmlns:p="http://schemas.openxmlformats.org/presentationml/2006/main" showMasterPhAnim="0">
   <p:cSld>
     <p:spTree>
@@ -13859,7 +14954,7 @@
 </p:sld>
 </file>
 
-<file path=ppt/slides/slide5.xml><?xml version="1.0" encoding="utf-8"?>
+<file path=ppt/slides/slide6.xml><?xml version="1.0" encoding="utf-8"?>
 <p:sld xmlns:a="http://schemas.openxmlformats.org/drawingml/2006/main" xmlns:r="http://schemas.openxmlformats.org/officeDocument/2006/relationships" xmlns:p="http://schemas.openxmlformats.org/presentationml/2006/main">
   <p:cSld>
     <p:spTree>
@@ -13983,7 +15078,7 @@
 </p:sld>
 </file>
 
-<file path=ppt/slides/slide6.xml><?xml version="1.0" encoding="utf-8"?>
+<file path=ppt/slides/slide7.xml><?xml version="1.0" encoding="utf-8"?>
 <p:sld xmlns:a="http://schemas.openxmlformats.org/drawingml/2006/main" xmlns:r="http://schemas.openxmlformats.org/officeDocument/2006/relationships" xmlns:p="http://schemas.openxmlformats.org/presentationml/2006/main">
   <p:cSld>
     <p:spTree>
@@ -14107,8 +15202,8 @@
 </p:sld>
 </file>
 
-<file path=ppt/slides/slide7.xml><?xml version="1.0" encoding="utf-8"?>
-<p:sld xmlns:a="http://schemas.openxmlformats.org/drawingml/2006/main" xmlns:r="http://schemas.openxmlformats.org/officeDocument/2006/relationships" xmlns:p="http://schemas.openxmlformats.org/presentationml/2006/main" showMasterPhAnim="0">
+<file path=ppt/slides/slide8.xml><?xml version="1.0" encoding="utf-8"?>
+<p:sld xmlns:a="http://schemas.openxmlformats.org/drawingml/2006/main" xmlns:r="http://schemas.openxmlformats.org/officeDocument/2006/relationships" xmlns:p="http://schemas.openxmlformats.org/presentationml/2006/main">
   <p:cSld>
     <p:spTree>
       <p:nvGrpSpPr>
@@ -14124,731 +15219,48 @@
           <a:chExt cx="0" cy="0"/>
         </a:xfrm>
       </p:grpSpPr>
-      <p:sp>
-        <p:nvSpPr>
-          <p:cNvPr id="14338" name="Rectangle 4"/>
-          <p:cNvSpPr>
-            <a:spLocks noGrp="1" noChangeArrowheads="1"/>
-          </p:cNvSpPr>
-          <p:nvPr>
-            <p:ph type="title"/>
-          </p:nvPr>
-        </p:nvSpPr>
-        <p:spPr>
-          <a:xfrm>
-            <a:off x="685800" y="76200"/>
-            <a:ext cx="7772400" cy="1143000"/>
-          </a:xfrm>
-        </p:spPr>
-        <p:txBody>
-          <a:bodyPr/>
-          <a:lstStyle/>
-          <a:p>
-            <a:pPr eaLnBrk="1" hangingPunct="1"/>
-            <a:r>
-              <a:rPr lang="en-GB" sz="3600" dirty="0">
-                <a:latin typeface="Candara" panose="020E0502030303020204" pitchFamily="34" charset="0"/>
-              </a:rPr>
-              <a:t>Adaptive Capacity</a:t>
-            </a:r>
-          </a:p>
-        </p:txBody>
-      </p:sp>
-      <p:sp>
-        <p:nvSpPr>
-          <p:cNvPr id="305157" name="Rectangle 5"/>
-          <p:cNvSpPr>
-            <a:spLocks noGrp="1" noChangeArrowheads="1"/>
-          </p:cNvSpPr>
-          <p:nvPr>
-            <p:ph type="body" idx="1"/>
-          </p:nvPr>
-        </p:nvSpPr>
-        <p:spPr>
-          <a:xfrm>
-            <a:off x="685800" y="1066800"/>
-            <a:ext cx="7772400" cy="5410200"/>
-          </a:xfrm>
-        </p:spPr>
-        <p:txBody>
-          <a:bodyPr/>
-          <a:lstStyle/>
-          <a:p>
-            <a:pPr eaLnBrk="1" hangingPunct="1">
-              <a:lnSpc>
-                <a:spcPct val="90000"/>
-              </a:lnSpc>
-            </a:pPr>
-            <a:r>
-              <a:rPr lang="en-GB" sz="2800" dirty="0">
-                <a:latin typeface="Candara" panose="020E0502030303020204" pitchFamily="34" charset="0"/>
-              </a:rPr>
-              <a:t>Adaptive capacity is the ability to adapt</a:t>
-            </a:r>
-          </a:p>
-          <a:p>
-            <a:pPr eaLnBrk="1" hangingPunct="1">
-              <a:lnSpc>
-                <a:spcPct val="90000"/>
-              </a:lnSpc>
-            </a:pPr>
-            <a:r>
-              <a:rPr lang="en-GB" sz="2800" dirty="0">
-                <a:latin typeface="Candara" panose="020E0502030303020204" pitchFamily="34" charset="0"/>
-              </a:rPr>
-              <a:t>Adaptive capacity depends on</a:t>
-            </a:r>
-          </a:p>
-          <a:p>
-            <a:pPr lvl="1" eaLnBrk="1" hangingPunct="1">
-              <a:lnSpc>
-                <a:spcPct val="90000"/>
-              </a:lnSpc>
-            </a:pPr>
-            <a:r>
-              <a:rPr lang="en-GB" dirty="0">
-                <a:latin typeface="Candara" panose="020E0502030303020204" pitchFamily="34" charset="0"/>
-              </a:rPr>
-              <a:t>Available technological options</a:t>
-            </a:r>
-          </a:p>
-          <a:p>
-            <a:pPr lvl="1" eaLnBrk="1" hangingPunct="1">
-              <a:lnSpc>
-                <a:spcPct val="90000"/>
-              </a:lnSpc>
-            </a:pPr>
-            <a:r>
-              <a:rPr lang="en-GB" dirty="0">
-                <a:latin typeface="Candara" panose="020E0502030303020204" pitchFamily="34" charset="0"/>
-              </a:rPr>
-              <a:t>Available resources &amp; their distribution</a:t>
-            </a:r>
-          </a:p>
-          <a:p>
-            <a:pPr lvl="1" eaLnBrk="1" hangingPunct="1">
-              <a:lnSpc>
-                <a:spcPct val="90000"/>
-              </a:lnSpc>
-            </a:pPr>
-            <a:r>
-              <a:rPr lang="en-GB" dirty="0">
-                <a:latin typeface="Candara" panose="020E0502030303020204" pitchFamily="34" charset="0"/>
-              </a:rPr>
-              <a:t>Human capital</a:t>
-            </a:r>
-          </a:p>
-          <a:p>
-            <a:pPr lvl="1" eaLnBrk="1" hangingPunct="1">
-              <a:lnSpc>
-                <a:spcPct val="90000"/>
-              </a:lnSpc>
-            </a:pPr>
-            <a:r>
-              <a:rPr lang="en-GB" dirty="0">
-                <a:latin typeface="Candara" panose="020E0502030303020204" pitchFamily="34" charset="0"/>
-              </a:rPr>
-              <a:t>Social capital</a:t>
-            </a:r>
-          </a:p>
-          <a:p>
-            <a:pPr lvl="1" eaLnBrk="1" hangingPunct="1">
-              <a:lnSpc>
-                <a:spcPct val="90000"/>
-              </a:lnSpc>
-            </a:pPr>
-            <a:r>
-              <a:rPr lang="en-GB" dirty="0">
-                <a:latin typeface="Candara" panose="020E0502030303020204" pitchFamily="34" charset="0"/>
-              </a:rPr>
-              <a:t>Risk sharing</a:t>
-            </a:r>
-          </a:p>
-          <a:p>
-            <a:pPr lvl="1" eaLnBrk="1" hangingPunct="1">
-              <a:lnSpc>
-                <a:spcPct val="90000"/>
-              </a:lnSpc>
-            </a:pPr>
-            <a:r>
-              <a:rPr lang="en-GB" dirty="0">
-                <a:latin typeface="Candara" panose="020E0502030303020204" pitchFamily="34" charset="0"/>
-              </a:rPr>
-              <a:t>Information management and attribution</a:t>
-            </a:r>
-          </a:p>
-          <a:p>
-            <a:pPr lvl="1" eaLnBrk="1" hangingPunct="1">
-              <a:lnSpc>
-                <a:spcPct val="90000"/>
-              </a:lnSpc>
-            </a:pPr>
-            <a:r>
-              <a:rPr lang="en-GB" dirty="0">
-                <a:latin typeface="Candara" panose="020E0502030303020204" pitchFamily="34" charset="0"/>
-              </a:rPr>
-              <a:t>Decision making</a:t>
-            </a:r>
-          </a:p>
-          <a:p>
-            <a:pPr eaLnBrk="1" hangingPunct="1">
-              <a:lnSpc>
-                <a:spcPct val="90000"/>
-              </a:lnSpc>
-            </a:pPr>
-            <a:r>
-              <a:rPr lang="en-GB" sz="2800" dirty="0">
-                <a:latin typeface="Candara" panose="020E0502030303020204" pitchFamily="34" charset="0"/>
-              </a:rPr>
-              <a:t>There is</a:t>
-            </a:r>
-            <a:r>
-              <a:rPr lang="en-GB" dirty="0">
-                <a:latin typeface="Candara" panose="020E0502030303020204" pitchFamily="34" charset="0"/>
-              </a:rPr>
-              <a:t> </a:t>
-            </a:r>
-            <a:r>
-              <a:rPr lang="en-GB" sz="2800" dirty="0">
-                <a:latin typeface="Candara" panose="020E0502030303020204" pitchFamily="34" charset="0"/>
-              </a:rPr>
-              <a:t>limited substitutability between these factors</a:t>
-            </a:r>
-          </a:p>
-        </p:txBody>
-      </p:sp>
+      <p:pic>
+        <p:nvPicPr>
+          <p:cNvPr id="3" name="Picture 2" descr="Chart, map&#10;&#10;Description automatically generated">
+            <a:extLst>
+              <a:ext uri="{FF2B5EF4-FFF2-40B4-BE49-F238E27FC236}">
+                <a16:creationId xmlns:a16="http://schemas.microsoft.com/office/drawing/2014/main" id="{21722C34-4110-47A2-94A6-7FB399F5D8ED}"/>
+              </a:ext>
+            </a:extLst>
+          </p:cNvPr>
+          <p:cNvPicPr>
+            <a:picLocks noChangeAspect="1"/>
+          </p:cNvPicPr>
+          <p:nvPr/>
+        </p:nvPicPr>
+        <p:blipFill>
+          <a:blip r:embed="rId2">
+            <a:extLst>
+              <a:ext uri="{28A0092B-C50C-407E-A947-70E740481C1C}">
+                <a14:useLocalDpi xmlns:a14="http://schemas.microsoft.com/office/drawing/2010/main" val="0"/>
+              </a:ext>
+            </a:extLst>
+          </a:blip>
+          <a:stretch>
+            <a:fillRect/>
+          </a:stretch>
+        </p:blipFill>
+        <p:spPr>
+          <a:xfrm>
+            <a:off x="-914400" y="0"/>
+            <a:ext cx="10972800" cy="5646088"/>
+          </a:xfrm>
+          <a:prstGeom prst="rect">
+            <a:avLst/>
+          </a:prstGeom>
+        </p:spPr>
+      </p:pic>
     </p:spTree>
-  </p:cSld>
-  <p:clrMapOvr>
-    <a:masterClrMapping/>
-  </p:clrMapOvr>
-  <p:timing>
-    <p:tnLst>
-      <p:par>
-        <p:cTn id="1" dur="indefinite" restart="never" nodeType="tmRoot">
-          <p:childTnLst>
-            <p:seq concurrent="1" nextAc="seek">
-              <p:cTn id="2" dur="indefinite" nodeType="mainSeq">
-                <p:childTnLst>
-                  <p:par>
-                    <p:cTn id="3" fill="hold">
-                      <p:stCondLst>
-                        <p:cond delay="indefinite"/>
-                      </p:stCondLst>
-                      <p:childTnLst>
-                        <p:par>
-                          <p:cTn id="4" fill="hold">
-                            <p:stCondLst>
-                              <p:cond delay="0"/>
-                            </p:stCondLst>
-                            <p:childTnLst>
-                              <p:par>
-                                <p:cTn id="5" presetID="1" presetClass="entr" presetSubtype="0" fill="hold" grpId="0" nodeType="clickEffect">
-                                  <p:stCondLst>
-                                    <p:cond delay="0"/>
-                                  </p:stCondLst>
-                                  <p:childTnLst>
-                                    <p:set>
-                                      <p:cBhvr>
-                                        <p:cTn id="6" dur="1" fill="hold">
-                                          <p:stCondLst>
-                                            <p:cond delay="499"/>
-                                          </p:stCondLst>
-                                        </p:cTn>
-                                        <p:tgtEl>
-                                          <p:spTgt spid="305157">
-                                            <p:txEl>
-                                              <p:pRg st="0" end="0"/>
-                                            </p:txEl>
-                                          </p:spTgt>
-                                        </p:tgtEl>
-                                        <p:attrNameLst>
-                                          <p:attrName>style.visibility</p:attrName>
-                                        </p:attrNameLst>
-                                      </p:cBhvr>
-                                      <p:to>
-                                        <p:strVal val="visible"/>
-                                      </p:to>
-                                    </p:set>
-                                  </p:childTnLst>
-                                </p:cTn>
-                              </p:par>
-                            </p:childTnLst>
-                          </p:cTn>
-                        </p:par>
-                      </p:childTnLst>
-                    </p:cTn>
-                  </p:par>
-                  <p:par>
-                    <p:cTn id="7" fill="hold">
-                      <p:stCondLst>
-                        <p:cond delay="indefinite"/>
-                      </p:stCondLst>
-                      <p:childTnLst>
-                        <p:par>
-                          <p:cTn id="8" fill="hold">
-                            <p:stCondLst>
-                              <p:cond delay="0"/>
-                            </p:stCondLst>
-                            <p:childTnLst>
-                              <p:par>
-                                <p:cTn id="9" presetID="1" presetClass="entr" presetSubtype="0" fill="hold" grpId="0" nodeType="clickEffect">
-                                  <p:stCondLst>
-                                    <p:cond delay="0"/>
-                                  </p:stCondLst>
-                                  <p:childTnLst>
-                                    <p:set>
-                                      <p:cBhvr>
-                                        <p:cTn id="10" dur="1" fill="hold">
-                                          <p:stCondLst>
-                                            <p:cond delay="499"/>
-                                          </p:stCondLst>
-                                        </p:cTn>
-                                        <p:tgtEl>
-                                          <p:spTgt spid="305157">
-                                            <p:txEl>
-                                              <p:pRg st="1" end="1"/>
-                                            </p:txEl>
-                                          </p:spTgt>
-                                        </p:tgtEl>
-                                        <p:attrNameLst>
-                                          <p:attrName>style.visibility</p:attrName>
-                                        </p:attrNameLst>
-                                      </p:cBhvr>
-                                      <p:to>
-                                        <p:strVal val="visible"/>
-                                      </p:to>
-                                    </p:set>
-                                  </p:childTnLst>
-                                </p:cTn>
-                              </p:par>
-                              <p:par>
-                                <p:cTn id="11" presetID="1" presetClass="entr" presetSubtype="0" fill="hold" grpId="0" nodeType="withEffect">
-                                  <p:stCondLst>
-                                    <p:cond delay="0"/>
-                                  </p:stCondLst>
-                                  <p:childTnLst>
-                                    <p:set>
-                                      <p:cBhvr>
-                                        <p:cTn id="12" dur="1" fill="hold">
-                                          <p:stCondLst>
-                                            <p:cond delay="499"/>
-                                          </p:stCondLst>
-                                        </p:cTn>
-                                        <p:tgtEl>
-                                          <p:spTgt spid="305157">
-                                            <p:txEl>
-                                              <p:pRg st="2" end="2"/>
-                                            </p:txEl>
-                                          </p:spTgt>
-                                        </p:tgtEl>
-                                        <p:attrNameLst>
-                                          <p:attrName>style.visibility</p:attrName>
-                                        </p:attrNameLst>
-                                      </p:cBhvr>
-                                      <p:to>
-                                        <p:strVal val="visible"/>
-                                      </p:to>
-                                    </p:set>
-                                  </p:childTnLst>
-                                </p:cTn>
-                              </p:par>
-                              <p:par>
-                                <p:cTn id="13" presetID="1" presetClass="entr" presetSubtype="0" fill="hold" grpId="0" nodeType="withEffect">
-                                  <p:stCondLst>
-                                    <p:cond delay="0"/>
-                                  </p:stCondLst>
-                                  <p:childTnLst>
-                                    <p:set>
-                                      <p:cBhvr>
-                                        <p:cTn id="14" dur="1" fill="hold">
-                                          <p:stCondLst>
-                                            <p:cond delay="499"/>
-                                          </p:stCondLst>
-                                        </p:cTn>
-                                        <p:tgtEl>
-                                          <p:spTgt spid="305157">
-                                            <p:txEl>
-                                              <p:pRg st="3" end="3"/>
-                                            </p:txEl>
-                                          </p:spTgt>
-                                        </p:tgtEl>
-                                        <p:attrNameLst>
-                                          <p:attrName>style.visibility</p:attrName>
-                                        </p:attrNameLst>
-                                      </p:cBhvr>
-                                      <p:to>
-                                        <p:strVal val="visible"/>
-                                      </p:to>
-                                    </p:set>
-                                  </p:childTnLst>
-                                </p:cTn>
-                              </p:par>
-                              <p:par>
-                                <p:cTn id="15" presetID="1" presetClass="entr" presetSubtype="0" fill="hold" grpId="0" nodeType="withEffect">
-                                  <p:stCondLst>
-                                    <p:cond delay="0"/>
-                                  </p:stCondLst>
-                                  <p:childTnLst>
-                                    <p:set>
-                                      <p:cBhvr>
-                                        <p:cTn id="16" dur="1" fill="hold">
-                                          <p:stCondLst>
-                                            <p:cond delay="499"/>
-                                          </p:stCondLst>
-                                        </p:cTn>
-                                        <p:tgtEl>
-                                          <p:spTgt spid="305157">
-                                            <p:txEl>
-                                              <p:pRg st="4" end="4"/>
-                                            </p:txEl>
-                                          </p:spTgt>
-                                        </p:tgtEl>
-                                        <p:attrNameLst>
-                                          <p:attrName>style.visibility</p:attrName>
-                                        </p:attrNameLst>
-                                      </p:cBhvr>
-                                      <p:to>
-                                        <p:strVal val="visible"/>
-                                      </p:to>
-                                    </p:set>
-                                  </p:childTnLst>
-                                </p:cTn>
-                              </p:par>
-                              <p:par>
-                                <p:cTn id="17" presetID="1" presetClass="entr" presetSubtype="0" fill="hold" grpId="0" nodeType="withEffect">
-                                  <p:stCondLst>
-                                    <p:cond delay="0"/>
-                                  </p:stCondLst>
-                                  <p:childTnLst>
-                                    <p:set>
-                                      <p:cBhvr>
-                                        <p:cTn id="18" dur="1" fill="hold">
-                                          <p:stCondLst>
-                                            <p:cond delay="499"/>
-                                          </p:stCondLst>
-                                        </p:cTn>
-                                        <p:tgtEl>
-                                          <p:spTgt spid="305157">
-                                            <p:txEl>
-                                              <p:pRg st="5" end="5"/>
-                                            </p:txEl>
-                                          </p:spTgt>
-                                        </p:tgtEl>
-                                        <p:attrNameLst>
-                                          <p:attrName>style.visibility</p:attrName>
-                                        </p:attrNameLst>
-                                      </p:cBhvr>
-                                      <p:to>
-                                        <p:strVal val="visible"/>
-                                      </p:to>
-                                    </p:set>
-                                  </p:childTnLst>
-                                </p:cTn>
-                              </p:par>
-                              <p:par>
-                                <p:cTn id="19" presetID="1" presetClass="entr" presetSubtype="0" fill="hold" grpId="0" nodeType="withEffect">
-                                  <p:stCondLst>
-                                    <p:cond delay="0"/>
-                                  </p:stCondLst>
-                                  <p:childTnLst>
-                                    <p:set>
-                                      <p:cBhvr>
-                                        <p:cTn id="20" dur="1" fill="hold">
-                                          <p:stCondLst>
-                                            <p:cond delay="499"/>
-                                          </p:stCondLst>
-                                        </p:cTn>
-                                        <p:tgtEl>
-                                          <p:spTgt spid="305157">
-                                            <p:txEl>
-                                              <p:pRg st="6" end="6"/>
-                                            </p:txEl>
-                                          </p:spTgt>
-                                        </p:tgtEl>
-                                        <p:attrNameLst>
-                                          <p:attrName>style.visibility</p:attrName>
-                                        </p:attrNameLst>
-                                      </p:cBhvr>
-                                      <p:to>
-                                        <p:strVal val="visible"/>
-                                      </p:to>
-                                    </p:set>
-                                  </p:childTnLst>
-                                </p:cTn>
-                              </p:par>
-                              <p:par>
-                                <p:cTn id="21" presetID="1" presetClass="entr" presetSubtype="0" fill="hold" grpId="0" nodeType="withEffect">
-                                  <p:stCondLst>
-                                    <p:cond delay="0"/>
-                                  </p:stCondLst>
-                                  <p:childTnLst>
-                                    <p:set>
-                                      <p:cBhvr>
-                                        <p:cTn id="22" dur="1" fill="hold">
-                                          <p:stCondLst>
-                                            <p:cond delay="499"/>
-                                          </p:stCondLst>
-                                        </p:cTn>
-                                        <p:tgtEl>
-                                          <p:spTgt spid="305157">
-                                            <p:txEl>
-                                              <p:pRg st="7" end="7"/>
-                                            </p:txEl>
-                                          </p:spTgt>
-                                        </p:tgtEl>
-                                        <p:attrNameLst>
-                                          <p:attrName>style.visibility</p:attrName>
-                                        </p:attrNameLst>
-                                      </p:cBhvr>
-                                      <p:to>
-                                        <p:strVal val="visible"/>
-                                      </p:to>
-                                    </p:set>
-                                  </p:childTnLst>
-                                </p:cTn>
-                              </p:par>
-                              <p:par>
-                                <p:cTn id="23" presetID="1" presetClass="entr" presetSubtype="0" fill="hold" grpId="0" nodeType="withEffect">
-                                  <p:stCondLst>
-                                    <p:cond delay="0"/>
-                                  </p:stCondLst>
-                                  <p:childTnLst>
-                                    <p:set>
-                                      <p:cBhvr>
-                                        <p:cTn id="24" dur="1" fill="hold">
-                                          <p:stCondLst>
-                                            <p:cond delay="499"/>
-                                          </p:stCondLst>
-                                        </p:cTn>
-                                        <p:tgtEl>
-                                          <p:spTgt spid="305157">
-                                            <p:txEl>
-                                              <p:pRg st="8" end="8"/>
-                                            </p:txEl>
-                                          </p:spTgt>
-                                        </p:tgtEl>
-                                        <p:attrNameLst>
-                                          <p:attrName>style.visibility</p:attrName>
-                                        </p:attrNameLst>
-                                      </p:cBhvr>
-                                      <p:to>
-                                        <p:strVal val="visible"/>
-                                      </p:to>
-                                    </p:set>
-                                  </p:childTnLst>
-                                </p:cTn>
-                              </p:par>
-                            </p:childTnLst>
-                          </p:cTn>
-                        </p:par>
-                      </p:childTnLst>
-                    </p:cTn>
-                  </p:par>
-                  <p:par>
-                    <p:cTn id="25" fill="hold">
-                      <p:stCondLst>
-                        <p:cond delay="indefinite"/>
-                      </p:stCondLst>
-                      <p:childTnLst>
-                        <p:par>
-                          <p:cTn id="26" fill="hold">
-                            <p:stCondLst>
-                              <p:cond delay="0"/>
-                            </p:stCondLst>
-                            <p:childTnLst>
-                              <p:par>
-                                <p:cTn id="27" presetID="1" presetClass="entr" presetSubtype="0" fill="hold" grpId="0" nodeType="clickEffect">
-                                  <p:stCondLst>
-                                    <p:cond delay="0"/>
-                                  </p:stCondLst>
-                                  <p:childTnLst>
-                                    <p:set>
-                                      <p:cBhvr>
-                                        <p:cTn id="28" dur="1" fill="hold">
-                                          <p:stCondLst>
-                                            <p:cond delay="499"/>
-                                          </p:stCondLst>
-                                        </p:cTn>
-                                        <p:tgtEl>
-                                          <p:spTgt spid="305157">
-                                            <p:txEl>
-                                              <p:pRg st="9" end="9"/>
-                                            </p:txEl>
-                                          </p:spTgt>
-                                        </p:tgtEl>
-                                        <p:attrNameLst>
-                                          <p:attrName>style.visibility</p:attrName>
-                                        </p:attrNameLst>
-                                      </p:cBhvr>
-                                      <p:to>
-                                        <p:strVal val="visible"/>
-                                      </p:to>
-                                    </p:set>
-                                  </p:childTnLst>
-                                </p:cTn>
-                              </p:par>
-                            </p:childTnLst>
-                          </p:cTn>
-                        </p:par>
-                      </p:childTnLst>
-                    </p:cTn>
-                  </p:par>
-                </p:childTnLst>
-              </p:cTn>
-              <p:prevCondLst>
-                <p:cond evt="onPrev" delay="0">
-                  <p:tgtEl>
-                    <p:sldTgt/>
-                  </p:tgtEl>
-                </p:cond>
-              </p:prevCondLst>
-              <p:nextCondLst>
-                <p:cond evt="onNext" delay="0">
-                  <p:tgtEl>
-                    <p:sldTgt/>
-                  </p:tgtEl>
-                </p:cond>
-              </p:nextCondLst>
-            </p:seq>
-          </p:childTnLst>
-        </p:cTn>
-      </p:par>
-    </p:tnLst>
-    <p:bldLst>
-      <p:bldP spid="305157" grpId="0" build="p" autoUpdateAnimBg="0"/>
-    </p:bldLst>
-  </p:timing>
-</p:sld>
-</file>
-
-<file path=ppt/slides/slide8.xml><?xml version="1.0" encoding="utf-8"?>
-<p:sld xmlns:a="http://schemas.openxmlformats.org/drawingml/2006/main" xmlns:r="http://schemas.openxmlformats.org/officeDocument/2006/relationships" xmlns:p="http://schemas.openxmlformats.org/presentationml/2006/main" showMasterPhAnim="0">
-  <p:cSld>
-    <p:spTree>
-      <p:nvGrpSpPr>
-        <p:cNvPr id="1" name=""/>
-        <p:cNvGrpSpPr/>
-        <p:nvPr/>
-      </p:nvGrpSpPr>
-      <p:grpSpPr>
-        <a:xfrm>
-          <a:off x="0" y="0"/>
-          <a:ext cx="0" cy="0"/>
-          <a:chOff x="0" y="0"/>
-          <a:chExt cx="0" cy="0"/>
-        </a:xfrm>
-      </p:grpSpPr>
-      <p:sp>
-        <p:nvSpPr>
-          <p:cNvPr id="15362" name="Rectangle 2"/>
-          <p:cNvSpPr>
-            <a:spLocks noGrp="1" noChangeArrowheads="1"/>
-          </p:cNvSpPr>
-          <p:nvPr>
-            <p:ph type="title"/>
-          </p:nvPr>
-        </p:nvSpPr>
-        <p:spPr>
-          <a:xfrm>
-            <a:off x="762000" y="0"/>
-            <a:ext cx="7772400" cy="1143000"/>
-          </a:xfrm>
-        </p:spPr>
-        <p:txBody>
-          <a:bodyPr/>
-          <a:lstStyle/>
-          <a:p>
-            <a:pPr eaLnBrk="1" hangingPunct="1"/>
-            <a:r>
-              <a:rPr lang="de-DE" sz="3600" dirty="0">
-                <a:latin typeface="Candara" panose="020E0502030303020204" pitchFamily="34" charset="0"/>
-              </a:rPr>
-              <a:t>Dynamics</a:t>
-            </a:r>
-            <a:endParaRPr lang="en-GB" sz="3600" dirty="0">
-              <a:latin typeface="Candara" panose="020E0502030303020204" pitchFamily="34" charset="0"/>
-            </a:endParaRPr>
-          </a:p>
-        </p:txBody>
-      </p:sp>
-      <p:sp>
-        <p:nvSpPr>
-          <p:cNvPr id="203779" name="Rectangle 3"/>
-          <p:cNvSpPr>
-            <a:spLocks noGrp="1" noChangeArrowheads="1"/>
-          </p:cNvSpPr>
-          <p:nvPr>
-            <p:ph type="body" idx="1"/>
-          </p:nvPr>
-        </p:nvSpPr>
-        <p:spPr>
-          <a:xfrm>
-            <a:off x="685800" y="1066800"/>
-            <a:ext cx="7772400" cy="4114800"/>
-          </a:xfrm>
-        </p:spPr>
-        <p:txBody>
-          <a:bodyPr/>
-          <a:lstStyle/>
-          <a:p>
-            <a:pPr eaLnBrk="1" hangingPunct="1">
-              <a:lnSpc>
-                <a:spcPct val="90000"/>
-              </a:lnSpc>
-            </a:pPr>
-            <a:r>
-              <a:rPr lang="de-DE" sz="2800" dirty="0">
-                <a:latin typeface="Candara" panose="020E0502030303020204" pitchFamily="34" charset="0"/>
-              </a:rPr>
-              <a:t>Vulnerability to climate change is a function of exposure and adaptive capacity, both of which depend on development status</a:t>
-            </a:r>
-          </a:p>
-          <a:p>
-            <a:pPr eaLnBrk="1" hangingPunct="1">
-              <a:lnSpc>
-                <a:spcPct val="90000"/>
-              </a:lnSpc>
-            </a:pPr>
-            <a:r>
-              <a:rPr lang="de-DE" sz="2800" dirty="0">
-                <a:latin typeface="Candara" panose="020E0502030303020204" pitchFamily="34" charset="0"/>
-              </a:rPr>
-              <a:t>Future vulnerability will be very different from current vulnerability</a:t>
-            </a:r>
-          </a:p>
-          <a:p>
-            <a:pPr eaLnBrk="1" hangingPunct="1">
-              <a:lnSpc>
-                <a:spcPct val="90000"/>
-              </a:lnSpc>
-            </a:pPr>
-            <a:r>
-              <a:rPr lang="de-DE" sz="2800" dirty="0">
-                <a:latin typeface="Candara" panose="020E0502030303020204" pitchFamily="34" charset="0"/>
-              </a:rPr>
-              <a:t>Not only is future development uncertain, but also the link between development, exposure and adaptive capacity is unclear</a:t>
-            </a:r>
-          </a:p>
-          <a:p>
-            <a:pPr eaLnBrk="1" hangingPunct="1">
-              <a:lnSpc>
-                <a:spcPct val="90000"/>
-              </a:lnSpc>
-            </a:pPr>
-            <a:r>
-              <a:rPr lang="de-DE" sz="2800" dirty="0">
-                <a:latin typeface="Candara" panose="020E0502030303020204" pitchFamily="34" charset="0"/>
-              </a:rPr>
-              <a:t>I will illustrate this with the case of malaria</a:t>
-            </a:r>
-            <a:endParaRPr lang="en-GB" sz="2800" dirty="0">
-              <a:latin typeface="Candara" panose="020E0502030303020204" pitchFamily="34" charset="0"/>
-            </a:endParaRPr>
-          </a:p>
-        </p:txBody>
-      </p:sp>
-    </p:spTree>
+    <p:extLst>
+      <p:ext uri="{BB962C8B-B14F-4D97-AF65-F5344CB8AC3E}">
+        <p14:creationId xmlns:p14="http://schemas.microsoft.com/office/powerpoint/2010/main" val="2244840428"/>
+      </p:ext>
+    </p:extLst>
   </p:cSld>
   <p:clrMapOvr>
     <a:masterClrMapping/>
@@ -14873,71 +15285,111 @@
           <a:chExt cx="0" cy="0"/>
         </a:xfrm>
       </p:grpSpPr>
-      <p:pic>
-        <p:nvPicPr>
-          <p:cNvPr id="16386" name="Picture 2" descr="martensfig6a"/>
-          <p:cNvPicPr>
-            <a:picLocks noChangeAspect="1" noChangeArrowheads="1"/>
-          </p:cNvPicPr>
-          <p:nvPr/>
-        </p:nvPicPr>
-        <p:blipFill>
-          <a:blip r:embed="rId3" cstate="print"/>
-          <a:srcRect/>
-          <a:stretch>
-            <a:fillRect/>
-          </a:stretch>
-        </p:blipFill>
-        <p:spPr bwMode="auto">
-          <a:xfrm>
-            <a:off x="0" y="-22225"/>
-            <a:ext cx="9144000" cy="5086350"/>
-          </a:xfrm>
-          <a:prstGeom prst="rect">
-            <a:avLst/>
-          </a:prstGeom>
-          <a:noFill/>
-          <a:ln w="9525">
-            <a:noFill/>
-            <a:miter lim="800000"/>
-            <a:headEnd/>
-            <a:tailEnd/>
-          </a:ln>
-        </p:spPr>
-      </p:pic>
-      <p:pic>
-        <p:nvPicPr>
-          <p:cNvPr id="16387" name="Picture 3" descr="martensfig6b"/>
-          <p:cNvPicPr>
-            <a:picLocks noChangeAspect="1" noChangeArrowheads="1"/>
-          </p:cNvPicPr>
-          <p:nvPr/>
-        </p:nvPicPr>
-        <p:blipFill>
-          <a:blip r:embed="rId4" cstate="print"/>
-          <a:srcRect/>
-          <a:stretch>
-            <a:fillRect/>
-          </a:stretch>
-        </p:blipFill>
-        <p:spPr bwMode="auto">
-          <a:xfrm>
-            <a:off x="0" y="1676400"/>
-            <a:ext cx="1490663" cy="2724150"/>
-          </a:xfrm>
-          <a:prstGeom prst="rect">
-            <a:avLst/>
-          </a:prstGeom>
-          <a:noFill/>
-          <a:ln w="9525">
-            <a:noFill/>
-            <a:miter lim="800000"/>
-            <a:headEnd/>
-            <a:tailEnd/>
-          </a:ln>
-        </p:spPr>
-      </p:pic>
+      <p:sp>
+        <p:nvSpPr>
+          <p:cNvPr id="7170" name="Rectangle 2"/>
+          <p:cNvSpPr>
+            <a:spLocks noGrp="1" noChangeArrowheads="1"/>
+          </p:cNvSpPr>
+          <p:nvPr>
+            <p:ph type="title"/>
+          </p:nvPr>
+        </p:nvSpPr>
+        <p:spPr>
+          <a:xfrm>
+            <a:off x="685800" y="304800"/>
+            <a:ext cx="7772400" cy="1143000"/>
+          </a:xfrm>
+        </p:spPr>
+        <p:txBody>
+          <a:bodyPr/>
+          <a:lstStyle/>
+          <a:p>
+            <a:pPr eaLnBrk="1" hangingPunct="1"/>
+            <a:r>
+              <a:rPr lang="de-DE" sz="4000" dirty="0">
+                <a:latin typeface="Candara" panose="020E0502030303020204" pitchFamily="34" charset="0"/>
+              </a:rPr>
+              <a:t>Climate and Development</a:t>
+            </a:r>
+            <a:endParaRPr lang="en-GB" sz="4000" dirty="0">
+              <a:latin typeface="Candara" panose="020E0502030303020204" pitchFamily="34" charset="0"/>
+            </a:endParaRPr>
+          </a:p>
+        </p:txBody>
+      </p:sp>
+      <p:sp>
+        <p:nvSpPr>
+          <p:cNvPr id="7171" name="Rectangle 3"/>
+          <p:cNvSpPr>
+            <a:spLocks noGrp="1" noChangeArrowheads="1"/>
+          </p:cNvSpPr>
+          <p:nvPr>
+            <p:ph type="body" idx="1"/>
+          </p:nvPr>
+        </p:nvSpPr>
+        <p:spPr>
+          <a:xfrm>
+            <a:off x="685800" y="1600200"/>
+            <a:ext cx="7772400" cy="4114800"/>
+          </a:xfrm>
+        </p:spPr>
+        <p:txBody>
+          <a:bodyPr/>
+          <a:lstStyle/>
+          <a:p>
+            <a:r>
+              <a:rPr lang="de-DE" sz="2800" dirty="0">
+                <a:latin typeface="Candara" panose="020E0502030303020204" pitchFamily="34" charset="0"/>
+              </a:rPr>
+              <a:t>Recap of distribution of impacts</a:t>
+            </a:r>
+          </a:p>
+          <a:p>
+            <a:r>
+              <a:rPr lang="de-DE" sz="2800" b="1" dirty="0">
+                <a:latin typeface="Candara" panose="020E0502030303020204" pitchFamily="34" charset="0"/>
+              </a:rPr>
+              <a:t>Dynamic vulnerability</a:t>
+            </a:r>
+          </a:p>
+          <a:p>
+            <a:r>
+              <a:rPr lang="de-DE" sz="2800" dirty="0">
+                <a:latin typeface="Candara" panose="020E0502030303020204" pitchFamily="34" charset="0"/>
+              </a:rPr>
+              <a:t>Schelling Conjecture</a:t>
+            </a:r>
+          </a:p>
+          <a:p>
+            <a:r>
+              <a:rPr lang="de-DE" sz="2800" dirty="0">
+                <a:latin typeface="Candara" panose="020E0502030303020204" pitchFamily="34" charset="0"/>
+              </a:rPr>
+              <a:t>Climate and growth</a:t>
+            </a:r>
+          </a:p>
+          <a:p>
+            <a:r>
+              <a:rPr lang="de-DE" sz="2800" dirty="0">
+                <a:latin typeface="Candara" panose="020E0502030303020204" pitchFamily="34" charset="0"/>
+              </a:rPr>
+              <a:t>Climate and development</a:t>
+            </a:r>
+          </a:p>
+          <a:p>
+            <a:endParaRPr lang="de-DE" sz="2800" dirty="0">
+              <a:latin typeface="Comic Sans MS" pitchFamily="66" charset="0"/>
+            </a:endParaRPr>
+          </a:p>
+        </p:txBody>
+      </p:sp>
     </p:spTree>
+    <p:extLst>
+      <p:ext uri="{BB962C8B-B14F-4D97-AF65-F5344CB8AC3E}">
+        <p14:creationId xmlns:p14="http://schemas.microsoft.com/office/powerpoint/2010/main" val="4280645397"/>
+      </p:ext>
+    </p:extLst>
   </p:cSld>
   <p:clrMapOvr>
     <a:masterClrMapping/>
